--- a/Convert-PowerPoint-slide-to-Image/.NET/Convert-PowerPoint-slide-to-Image/Template.pptx
+++ b/Convert-PowerPoint-slide-to-Image/.NET/Convert-PowerPoint-slide-to-Image/Template.pptx
@@ -1,22 +1,24 @@
 
 <file path=ppt/presentation.xml><?xml version="1.0" encoding="utf-8"?>
-<p:presentation xmlns:a="http://schemas.openxmlformats.org/drawingml/2006/main" xmlns:r="http://schemas.openxmlformats.org/officeDocument/2006/relationships" xmlns:p="http://schemas.openxmlformats.org/presentationml/2006/main">
+<p:presentation xmlns:a="http://schemas.openxmlformats.org/drawingml/2006/main" xmlns:r="http://schemas.openxmlformats.org/officeDocument/2006/relationships" xmlns:p="http://schemas.openxmlformats.org/presentationml/2006/main" saveSubsetFonts="1">
   <p:sldMasterIdLst>
     <p:sldMasterId id="2147483648" r:id="rId1"/>
   </p:sldMasterIdLst>
   <p:sldIdLst>
-    <p:sldId id="256" r:id="rId3"/>
-    <p:sldId id="257" r:id="rId2"/>
-    <p:sldId id="261" r:id="rId4"/>
+    <p:sldId id="256" r:id="rId2"/>
+    <p:sldId id="257" r:id="rId3"/>
+    <p:sldId id="262" r:id="rId4"/>
+    <p:sldId id="260" r:id="rId5"/>
+    <p:sldId id="261" r:id="rId6"/>
   </p:sldIdLst>
-  <p:sldSz cx="12192000" cy="6858000" type="custom"/>
+  <p:sldSz cx="12192000" cy="6858000"/>
   <p:notesSz cx="6858000" cy="9144000"/>
   <p:defaultTextStyle>
-    <a:defPPr defTabSz="914400">
-      <a:defRPr lang="en-US" dirty="0"/>
+    <a:defPPr>
+      <a:defRPr lang="en-US"/>
     </a:defPPr>
-    <a:lvl1pPr marL="0" rtl="0" algn="l" defTabSz="914400">
-      <a:defRPr sz="1800" kern="1200" dirty="0">
+    <a:lvl1pPr marL="0" algn="l" defTabSz="914400" rtl="0" eaLnBrk="1" latinLnBrk="0" hangingPunct="1">
+      <a:defRPr sz="1800" kern="1200">
         <a:solidFill>
           <a:schemeClr val="tx1"/>
         </a:solidFill>
@@ -25,8 +27,8 @@
         <a:cs typeface="+mn-cs"/>
       </a:defRPr>
     </a:lvl1pPr>
-    <a:lvl2pPr marL="457200" rtl="0" algn="l" defTabSz="914400">
-      <a:defRPr sz="1800" kern="1200" dirty="0">
+    <a:lvl2pPr marL="457200" algn="l" defTabSz="914400" rtl="0" eaLnBrk="1" latinLnBrk="0" hangingPunct="1">
+      <a:defRPr sz="1800" kern="1200">
         <a:solidFill>
           <a:schemeClr val="tx1"/>
         </a:solidFill>
@@ -35,8 +37,8 @@
         <a:cs typeface="+mn-cs"/>
       </a:defRPr>
     </a:lvl2pPr>
-    <a:lvl3pPr marL="914400" rtl="0" algn="l" defTabSz="914400">
-      <a:defRPr sz="1800" kern="1200" dirty="0">
+    <a:lvl3pPr marL="914400" algn="l" defTabSz="914400" rtl="0" eaLnBrk="1" latinLnBrk="0" hangingPunct="1">
+      <a:defRPr sz="1800" kern="1200">
         <a:solidFill>
           <a:schemeClr val="tx1"/>
         </a:solidFill>
@@ -45,8 +47,8 @@
         <a:cs typeface="+mn-cs"/>
       </a:defRPr>
     </a:lvl3pPr>
-    <a:lvl4pPr marL="1371600" rtl="0" algn="l" defTabSz="914400">
-      <a:defRPr sz="1800" kern="1200" dirty="0">
+    <a:lvl4pPr marL="1371600" algn="l" defTabSz="914400" rtl="0" eaLnBrk="1" latinLnBrk="0" hangingPunct="1">
+      <a:defRPr sz="1800" kern="1200">
         <a:solidFill>
           <a:schemeClr val="tx1"/>
         </a:solidFill>
@@ -55,8 +57,8 @@
         <a:cs typeface="+mn-cs"/>
       </a:defRPr>
     </a:lvl4pPr>
-    <a:lvl5pPr marL="1828800" rtl="0" algn="l" defTabSz="914400">
-      <a:defRPr sz="1800" kern="1200" dirty="0">
+    <a:lvl5pPr marL="1828800" algn="l" defTabSz="914400" rtl="0" eaLnBrk="1" latinLnBrk="0" hangingPunct="1">
+      <a:defRPr sz="1800" kern="1200">
         <a:solidFill>
           <a:schemeClr val="tx1"/>
         </a:solidFill>
@@ -65,8 +67,8 @@
         <a:cs typeface="+mn-cs"/>
       </a:defRPr>
     </a:lvl5pPr>
-    <a:lvl6pPr marL="2286000" rtl="0" algn="l" defTabSz="914400">
-      <a:defRPr sz="1800" kern="1200" dirty="0">
+    <a:lvl6pPr marL="2286000" algn="l" defTabSz="914400" rtl="0" eaLnBrk="1" latinLnBrk="0" hangingPunct="1">
+      <a:defRPr sz="1800" kern="1200">
         <a:solidFill>
           <a:schemeClr val="tx1"/>
         </a:solidFill>
@@ -75,8 +77,8 @@
         <a:cs typeface="+mn-cs"/>
       </a:defRPr>
     </a:lvl6pPr>
-    <a:lvl7pPr marL="2743200" rtl="0" algn="l" defTabSz="914400">
-      <a:defRPr sz="1800" kern="1200" dirty="0">
+    <a:lvl7pPr marL="2743200" algn="l" defTabSz="914400" rtl="0" eaLnBrk="1" latinLnBrk="0" hangingPunct="1">
+      <a:defRPr sz="1800" kern="1200">
         <a:solidFill>
           <a:schemeClr val="tx1"/>
         </a:solidFill>
@@ -85,8 +87,8 @@
         <a:cs typeface="+mn-cs"/>
       </a:defRPr>
     </a:lvl7pPr>
-    <a:lvl8pPr marL="3200400" rtl="0" algn="l" defTabSz="914400">
-      <a:defRPr sz="1800" kern="1200" dirty="0">
+    <a:lvl8pPr marL="3200400" algn="l" defTabSz="914400" rtl="0" eaLnBrk="1" latinLnBrk="0" hangingPunct="1">
+      <a:defRPr sz="1800" kern="1200">
         <a:solidFill>
           <a:schemeClr val="tx1"/>
         </a:solidFill>
@@ -95,8 +97,8 @@
         <a:cs typeface="+mn-cs"/>
       </a:defRPr>
     </a:lvl8pPr>
-    <a:lvl9pPr marL="3657600" rtl="0" algn="l" defTabSz="914400">
-      <a:defRPr sz="1800" kern="1200" dirty="0">
+    <a:lvl9pPr marL="3657600" algn="l" defTabSz="914400" rtl="0" eaLnBrk="1" latinLnBrk="0" hangingPunct="1">
+      <a:defRPr sz="1800" kern="1200">
         <a:solidFill>
           <a:schemeClr val="tx1"/>
         </a:solidFill>
@@ -106,15 +108,1041 @@
       </a:defRPr>
     </a:lvl9pPr>
   </p:defaultTextStyle>
+  <p:extLst>
+    <p:ext uri="{EFAFB233-063F-42B5-8137-9DF3F51BA10A}">
+      <p15:sldGuideLst xmlns:p15="http://schemas.microsoft.com/office/powerpoint/2012/main"/>
+    </p:ext>
+  </p:extLst>
 </p:presentation>
 </file>
 
-<file path=ppt/commentAuthors.xml><?xml version="1.0" encoding="utf-8"?>
-<p:cmAuthorLst xmlns:a="http://schemas.openxmlformats.org/drawingml/2006/main" xmlns:r="http://schemas.openxmlformats.org/officeDocument/2006/relationships" xmlns:p="http://schemas.openxmlformats.org/presentationml/2006/main"/>
+<file path=ppt/charts/chart1.xml><?xml version="1.0" encoding="utf-8"?>
+<c:chartSpace xmlns:c="http://schemas.openxmlformats.org/drawingml/2006/chart" xmlns:a="http://schemas.openxmlformats.org/drawingml/2006/main" xmlns:r="http://schemas.openxmlformats.org/officeDocument/2006/relationships" xmlns:c16r2="http://schemas.microsoft.com/office/drawing/2015/06/chart">
+  <c:date1904 val="0"/>
+  <c:lang val="en-US"/>
+  <c:roundedCorners val="0"/>
+  <mc:AlternateContent xmlns:mc="http://schemas.openxmlformats.org/markup-compatibility/2006">
+    <mc:Choice xmlns:c14="http://schemas.microsoft.com/office/drawing/2007/8/2/chart" Requires="c14">
+      <c14:style val="102"/>
+    </mc:Choice>
+    <mc:Fallback>
+      <c:style val="2"/>
+    </mc:Fallback>
+  </mc:AlternateContent>
+  <c:chart>
+    <c:title>
+      <c:tx>
+        <c:rich>
+          <a:bodyPr rot="0" spcFirstLastPara="1" vertOverflow="ellipsis" vert="horz" wrap="square" anchor="ctr" anchorCtr="1"/>
+          <a:lstStyle/>
+          <a:p>
+            <a:pPr>
+              <a:defRPr sz="1862" b="0" i="0" u="none" strike="noStrike" kern="1200" spc="0" baseline="0">
+                <a:solidFill>
+                  <a:schemeClr val="tx1">
+                    <a:lumMod val="65000"/>
+                    <a:lumOff val="35000"/>
+                  </a:schemeClr>
+                </a:solidFill>
+                <a:latin typeface="+mn-lt"/>
+                <a:ea typeface="+mn-ea"/>
+                <a:cs typeface="+mn-cs"/>
+              </a:defRPr>
+            </a:pPr>
+            <a:r>
+              <a:rPr lang="en-US" dirty="0"/>
+              <a:t>Sales comparison</a:t>
+            </a:r>
+          </a:p>
+        </c:rich>
+      </c:tx>
+      <c:overlay val="0"/>
+      <c:spPr>
+        <a:noFill/>
+        <a:ln>
+          <a:noFill/>
+        </a:ln>
+        <a:effectLst/>
+      </c:spPr>
+      <c:txPr>
+        <a:bodyPr rot="0" spcFirstLastPara="1" vertOverflow="ellipsis" vert="horz" wrap="square" anchor="ctr" anchorCtr="1"/>
+        <a:lstStyle/>
+        <a:p>
+          <a:pPr>
+            <a:defRPr sz="1862" b="0" i="0" u="none" strike="noStrike" kern="1200" spc="0" baseline="0">
+              <a:solidFill>
+                <a:schemeClr val="tx1">
+                  <a:lumMod val="65000"/>
+                  <a:lumOff val="35000"/>
+                </a:schemeClr>
+              </a:solidFill>
+              <a:latin typeface="+mn-lt"/>
+              <a:ea typeface="+mn-ea"/>
+              <a:cs typeface="+mn-cs"/>
+            </a:defRPr>
+          </a:pPr>
+          <a:endParaRPr lang="en-US"/>
+        </a:p>
+      </c:txPr>
+    </c:title>
+    <c:autoTitleDeleted val="0"/>
+    <c:plotArea>
+      <c:layout/>
+      <c:barChart>
+        <c:barDir val="col"/>
+        <c:grouping val="clustered"/>
+        <c:varyColors val="0"/>
+        <c:ser>
+          <c:idx val="0"/>
+          <c:order val="0"/>
+          <c:tx>
+            <c:strRef>
+              <c:f>Sheet1!$B$1</c:f>
+              <c:strCache>
+                <c:ptCount val="1"/>
+                <c:pt idx="0">
+                  <c:v>Series 1</c:v>
+                </c:pt>
+              </c:strCache>
+            </c:strRef>
+          </c:tx>
+          <c:spPr>
+            <a:solidFill>
+              <a:schemeClr val="accent1"/>
+            </a:solidFill>
+            <a:ln>
+              <a:noFill/>
+            </a:ln>
+            <a:effectLst/>
+          </c:spPr>
+          <c:invertIfNegative val="0"/>
+          <c:cat>
+            <c:strRef>
+              <c:f>Sheet1!$A$2:$A$5</c:f>
+              <c:strCache>
+                <c:ptCount val="4"/>
+                <c:pt idx="0">
+                  <c:v>Category 1</c:v>
+                </c:pt>
+                <c:pt idx="1">
+                  <c:v>Category 2</c:v>
+                </c:pt>
+                <c:pt idx="2">
+                  <c:v>Category 3</c:v>
+                </c:pt>
+                <c:pt idx="3">
+                  <c:v>Category 4</c:v>
+                </c:pt>
+              </c:strCache>
+            </c:strRef>
+          </c:cat>
+          <c:val>
+            <c:numRef>
+              <c:f>Sheet1!$B$2:$B$5</c:f>
+              <c:numCache>
+                <c:formatCode>General</c:formatCode>
+                <c:ptCount val="4"/>
+                <c:pt idx="0">
+                  <c:v>4.3</c:v>
+                </c:pt>
+                <c:pt idx="1">
+                  <c:v>2.5</c:v>
+                </c:pt>
+                <c:pt idx="2">
+                  <c:v>3.5</c:v>
+                </c:pt>
+                <c:pt idx="3">
+                  <c:v>4.5</c:v>
+                </c:pt>
+              </c:numCache>
+            </c:numRef>
+          </c:val>
+          <c:extLst>
+            <c:ext xmlns:c16="http://schemas.microsoft.com/office/drawing/2014/chart" uri="{C3380CC4-5D6E-409C-BE32-E72D297353CC}">
+              <c16:uniqueId val="{00000000-AD57-4191-AAF5-BA179257C2BD}"/>
+            </c:ext>
+          </c:extLst>
+        </c:ser>
+        <c:ser>
+          <c:idx val="1"/>
+          <c:order val="1"/>
+          <c:tx>
+            <c:strRef>
+              <c:f>Sheet1!$C$1</c:f>
+              <c:strCache>
+                <c:ptCount val="1"/>
+                <c:pt idx="0">
+                  <c:v>Series 2</c:v>
+                </c:pt>
+              </c:strCache>
+            </c:strRef>
+          </c:tx>
+          <c:spPr>
+            <a:solidFill>
+              <a:schemeClr val="accent2"/>
+            </a:solidFill>
+            <a:ln>
+              <a:noFill/>
+            </a:ln>
+            <a:effectLst/>
+          </c:spPr>
+          <c:invertIfNegative val="0"/>
+          <c:cat>
+            <c:strRef>
+              <c:f>Sheet1!$A$2:$A$5</c:f>
+              <c:strCache>
+                <c:ptCount val="4"/>
+                <c:pt idx="0">
+                  <c:v>Category 1</c:v>
+                </c:pt>
+                <c:pt idx="1">
+                  <c:v>Category 2</c:v>
+                </c:pt>
+                <c:pt idx="2">
+                  <c:v>Category 3</c:v>
+                </c:pt>
+                <c:pt idx="3">
+                  <c:v>Category 4</c:v>
+                </c:pt>
+              </c:strCache>
+            </c:strRef>
+          </c:cat>
+          <c:val>
+            <c:numRef>
+              <c:f>Sheet1!$C$2:$C$5</c:f>
+              <c:numCache>
+                <c:formatCode>General</c:formatCode>
+                <c:ptCount val="4"/>
+                <c:pt idx="0">
+                  <c:v>2.4</c:v>
+                </c:pt>
+                <c:pt idx="1">
+                  <c:v>4.4000000000000004</c:v>
+                </c:pt>
+                <c:pt idx="2">
+                  <c:v>1.8</c:v>
+                </c:pt>
+                <c:pt idx="3">
+                  <c:v>2.8</c:v>
+                </c:pt>
+              </c:numCache>
+            </c:numRef>
+          </c:val>
+          <c:extLst>
+            <c:ext xmlns:c16="http://schemas.microsoft.com/office/drawing/2014/chart" uri="{C3380CC4-5D6E-409C-BE32-E72D297353CC}">
+              <c16:uniqueId val="{00000001-AD57-4191-AAF5-BA179257C2BD}"/>
+            </c:ext>
+          </c:extLst>
+        </c:ser>
+        <c:ser>
+          <c:idx val="2"/>
+          <c:order val="2"/>
+          <c:tx>
+            <c:strRef>
+              <c:f>Sheet1!$D$1</c:f>
+              <c:strCache>
+                <c:ptCount val="1"/>
+                <c:pt idx="0">
+                  <c:v>Series 3</c:v>
+                </c:pt>
+              </c:strCache>
+            </c:strRef>
+          </c:tx>
+          <c:spPr>
+            <a:solidFill>
+              <a:schemeClr val="accent3"/>
+            </a:solidFill>
+            <a:ln>
+              <a:noFill/>
+            </a:ln>
+            <a:effectLst/>
+          </c:spPr>
+          <c:invertIfNegative val="0"/>
+          <c:cat>
+            <c:strRef>
+              <c:f>Sheet1!$A$2:$A$5</c:f>
+              <c:strCache>
+                <c:ptCount val="4"/>
+                <c:pt idx="0">
+                  <c:v>Category 1</c:v>
+                </c:pt>
+                <c:pt idx="1">
+                  <c:v>Category 2</c:v>
+                </c:pt>
+                <c:pt idx="2">
+                  <c:v>Category 3</c:v>
+                </c:pt>
+                <c:pt idx="3">
+                  <c:v>Category 4</c:v>
+                </c:pt>
+              </c:strCache>
+            </c:strRef>
+          </c:cat>
+          <c:val>
+            <c:numRef>
+              <c:f>Sheet1!$D$2:$D$5</c:f>
+              <c:numCache>
+                <c:formatCode>General</c:formatCode>
+                <c:ptCount val="4"/>
+                <c:pt idx="0">
+                  <c:v>2</c:v>
+                </c:pt>
+                <c:pt idx="1">
+                  <c:v>2</c:v>
+                </c:pt>
+                <c:pt idx="2">
+                  <c:v>3</c:v>
+                </c:pt>
+                <c:pt idx="3">
+                  <c:v>5</c:v>
+                </c:pt>
+              </c:numCache>
+            </c:numRef>
+          </c:val>
+          <c:extLst>
+            <c:ext xmlns:c16="http://schemas.microsoft.com/office/drawing/2014/chart" uri="{C3380CC4-5D6E-409C-BE32-E72D297353CC}">
+              <c16:uniqueId val="{00000002-AD57-4191-AAF5-BA179257C2BD}"/>
+            </c:ext>
+          </c:extLst>
+        </c:ser>
+        <c:dLbls>
+          <c:showLegendKey val="0"/>
+          <c:showVal val="0"/>
+          <c:showCatName val="0"/>
+          <c:showSerName val="0"/>
+          <c:showPercent val="0"/>
+          <c:showBubbleSize val="0"/>
+        </c:dLbls>
+        <c:gapWidth val="219"/>
+        <c:overlap val="-27"/>
+        <c:axId val="524599032"/>
+        <c:axId val="524595752"/>
+      </c:barChart>
+      <c:catAx>
+        <c:axId val="524599032"/>
+        <c:scaling>
+          <c:orientation val="minMax"/>
+        </c:scaling>
+        <c:delete val="0"/>
+        <c:axPos val="b"/>
+        <c:numFmt formatCode="General" sourceLinked="1"/>
+        <c:majorTickMark val="none"/>
+        <c:minorTickMark val="none"/>
+        <c:tickLblPos val="nextTo"/>
+        <c:spPr>
+          <a:noFill/>
+          <a:ln w="9525" cap="flat" cmpd="sng" algn="ctr">
+            <a:solidFill>
+              <a:schemeClr val="tx1">
+                <a:lumMod val="15000"/>
+                <a:lumOff val="85000"/>
+              </a:schemeClr>
+            </a:solidFill>
+            <a:round/>
+          </a:ln>
+          <a:effectLst/>
+        </c:spPr>
+        <c:txPr>
+          <a:bodyPr rot="-60000000" spcFirstLastPara="1" vertOverflow="ellipsis" vert="horz" wrap="square" anchor="ctr" anchorCtr="1"/>
+          <a:lstStyle/>
+          <a:p>
+            <a:pPr>
+              <a:defRPr sz="1197" b="0" i="0" u="none" strike="noStrike" kern="1200" baseline="0">
+                <a:solidFill>
+                  <a:schemeClr val="tx1">
+                    <a:lumMod val="65000"/>
+                    <a:lumOff val="35000"/>
+                  </a:schemeClr>
+                </a:solidFill>
+                <a:latin typeface="+mn-lt"/>
+                <a:ea typeface="+mn-ea"/>
+                <a:cs typeface="+mn-cs"/>
+              </a:defRPr>
+            </a:pPr>
+            <a:endParaRPr lang="en-US"/>
+          </a:p>
+        </c:txPr>
+        <c:crossAx val="524595752"/>
+        <c:crosses val="autoZero"/>
+        <c:auto val="1"/>
+        <c:lblAlgn val="ctr"/>
+        <c:lblOffset val="100"/>
+        <c:noMultiLvlLbl val="0"/>
+      </c:catAx>
+      <c:valAx>
+        <c:axId val="524595752"/>
+        <c:scaling>
+          <c:orientation val="minMax"/>
+        </c:scaling>
+        <c:delete val="0"/>
+        <c:axPos val="l"/>
+        <c:majorGridlines>
+          <c:spPr>
+            <a:ln w="9525" cap="flat" cmpd="sng" algn="ctr">
+              <a:solidFill>
+                <a:schemeClr val="tx1">
+                  <a:lumMod val="15000"/>
+                  <a:lumOff val="85000"/>
+                </a:schemeClr>
+              </a:solidFill>
+              <a:round/>
+            </a:ln>
+            <a:effectLst/>
+          </c:spPr>
+        </c:majorGridlines>
+        <c:numFmt formatCode="General" sourceLinked="1"/>
+        <c:majorTickMark val="none"/>
+        <c:minorTickMark val="none"/>
+        <c:tickLblPos val="nextTo"/>
+        <c:spPr>
+          <a:noFill/>
+          <a:ln>
+            <a:noFill/>
+          </a:ln>
+          <a:effectLst/>
+        </c:spPr>
+        <c:txPr>
+          <a:bodyPr rot="-60000000" spcFirstLastPara="1" vertOverflow="ellipsis" vert="horz" wrap="square" anchor="ctr" anchorCtr="1"/>
+          <a:lstStyle/>
+          <a:p>
+            <a:pPr>
+              <a:defRPr sz="1197" b="0" i="0" u="none" strike="noStrike" kern="1200" baseline="0">
+                <a:solidFill>
+                  <a:schemeClr val="tx1">
+                    <a:lumMod val="65000"/>
+                    <a:lumOff val="35000"/>
+                  </a:schemeClr>
+                </a:solidFill>
+                <a:latin typeface="+mn-lt"/>
+                <a:ea typeface="+mn-ea"/>
+                <a:cs typeface="+mn-cs"/>
+              </a:defRPr>
+            </a:pPr>
+            <a:endParaRPr lang="en-US"/>
+          </a:p>
+        </c:txPr>
+        <c:crossAx val="524599032"/>
+        <c:crosses val="autoZero"/>
+        <c:crossBetween val="between"/>
+      </c:valAx>
+      <c:spPr>
+        <a:noFill/>
+        <a:ln>
+          <a:noFill/>
+        </a:ln>
+        <a:effectLst/>
+      </c:spPr>
+    </c:plotArea>
+    <c:legend>
+      <c:legendPos val="b"/>
+      <c:overlay val="0"/>
+      <c:spPr>
+        <a:noFill/>
+        <a:ln>
+          <a:noFill/>
+        </a:ln>
+        <a:effectLst/>
+      </c:spPr>
+      <c:txPr>
+        <a:bodyPr rot="0" spcFirstLastPara="1" vertOverflow="ellipsis" vert="horz" wrap="square" anchor="ctr" anchorCtr="1"/>
+        <a:lstStyle/>
+        <a:p>
+          <a:pPr>
+            <a:defRPr sz="1197" b="0" i="0" u="none" strike="noStrike" kern="1200" baseline="0">
+              <a:solidFill>
+                <a:schemeClr val="tx1">
+                  <a:lumMod val="65000"/>
+                  <a:lumOff val="35000"/>
+                </a:schemeClr>
+              </a:solidFill>
+              <a:latin typeface="+mn-lt"/>
+              <a:ea typeface="+mn-ea"/>
+              <a:cs typeface="+mn-cs"/>
+            </a:defRPr>
+          </a:pPr>
+          <a:endParaRPr lang="en-US"/>
+        </a:p>
+      </c:txPr>
+    </c:legend>
+    <c:plotVisOnly val="1"/>
+    <c:dispBlanksAs val="gap"/>
+    <c:extLst>
+      <c:ext xmlns:c16r3="http://schemas.microsoft.com/office/drawing/2017/03/chart" uri="{56B9EC1D-385E-4148-901F-78D8002777C0}">
+        <c16r3:dataDisplayOptions16>
+          <c16r3:dispNaAsBlank val="1"/>
+        </c16r3:dataDisplayOptions16>
+      </c:ext>
+    </c:extLst>
+    <c:showDLblsOverMax val="0"/>
+  </c:chart>
+  <c:spPr>
+    <a:noFill/>
+    <a:ln>
+      <a:noFill/>
+    </a:ln>
+    <a:effectLst/>
+  </c:spPr>
+  <c:txPr>
+    <a:bodyPr/>
+    <a:lstStyle/>
+    <a:p>
+      <a:pPr>
+        <a:defRPr/>
+      </a:pPr>
+      <a:endParaRPr lang="en-US"/>
+    </a:p>
+  </c:txPr>
+  <c:externalData r:id="rId3">
+    <c:autoUpdate val="0"/>
+  </c:externalData>
+</c:chartSpace>
+</file>
+
+<file path=ppt/charts/colors1.xml><?xml version="1.0" encoding="utf-8"?>
+<cs:colorStyle xmlns:cs="http://schemas.microsoft.com/office/drawing/2012/chartStyle" xmlns:a="http://schemas.openxmlformats.org/drawingml/2006/main" meth="cycle" id="10">
+  <a:schemeClr val="accent1"/>
+  <a:schemeClr val="accent2"/>
+  <a:schemeClr val="accent3"/>
+  <a:schemeClr val="accent4"/>
+  <a:schemeClr val="accent5"/>
+  <a:schemeClr val="accent6"/>
+  <cs:variation/>
+  <cs:variation>
+    <a:lumMod val="60000"/>
+  </cs:variation>
+  <cs:variation>
+    <a:lumMod val="80000"/>
+    <a:lumOff val="20000"/>
+  </cs:variation>
+  <cs:variation>
+    <a:lumMod val="80000"/>
+  </cs:variation>
+  <cs:variation>
+    <a:lumMod val="60000"/>
+    <a:lumOff val="40000"/>
+  </cs:variation>
+  <cs:variation>
+    <a:lumMod val="50000"/>
+  </cs:variation>
+  <cs:variation>
+    <a:lumMod val="70000"/>
+    <a:lumOff val="30000"/>
+  </cs:variation>
+  <cs:variation>
+    <a:lumMod val="70000"/>
+  </cs:variation>
+  <cs:variation>
+    <a:lumMod val="50000"/>
+    <a:lumOff val="50000"/>
+  </cs:variation>
+</cs:colorStyle>
+</file>
+
+<file path=ppt/charts/style1.xml><?xml version="1.0" encoding="utf-8"?>
+<cs:chartStyle xmlns:cs="http://schemas.microsoft.com/office/drawing/2012/chartStyle" xmlns:a="http://schemas.openxmlformats.org/drawingml/2006/main" id="201">
+  <cs:axisTitle>
+    <cs:lnRef idx="0"/>
+    <cs:fillRef idx="0"/>
+    <cs:effectRef idx="0"/>
+    <cs:fontRef idx="minor">
+      <a:schemeClr val="tx1">
+        <a:lumMod val="65000"/>
+        <a:lumOff val="35000"/>
+      </a:schemeClr>
+    </cs:fontRef>
+    <cs:defRPr sz="1330" kern="1200"/>
+  </cs:axisTitle>
+  <cs:categoryAxis>
+    <cs:lnRef idx="0"/>
+    <cs:fillRef idx="0"/>
+    <cs:effectRef idx="0"/>
+    <cs:fontRef idx="minor">
+      <a:schemeClr val="tx1">
+        <a:lumMod val="65000"/>
+        <a:lumOff val="35000"/>
+      </a:schemeClr>
+    </cs:fontRef>
+    <cs:spPr>
+      <a:ln w="9525" cap="flat" cmpd="sng" algn="ctr">
+        <a:solidFill>
+          <a:schemeClr val="tx1">
+            <a:lumMod val="15000"/>
+            <a:lumOff val="85000"/>
+          </a:schemeClr>
+        </a:solidFill>
+        <a:round/>
+      </a:ln>
+    </cs:spPr>
+    <cs:defRPr sz="1197" kern="1200"/>
+  </cs:categoryAxis>
+  <cs:chartArea mods="allowNoFillOverride allowNoLineOverride">
+    <cs:lnRef idx="0"/>
+    <cs:fillRef idx="0"/>
+    <cs:effectRef idx="0"/>
+    <cs:fontRef idx="minor">
+      <a:schemeClr val="tx1"/>
+    </cs:fontRef>
+    <cs:spPr>
+      <a:solidFill>
+        <a:schemeClr val="bg1"/>
+      </a:solidFill>
+      <a:ln w="9525" cap="flat" cmpd="sng" algn="ctr">
+        <a:solidFill>
+          <a:schemeClr val="tx1">
+            <a:lumMod val="15000"/>
+            <a:lumOff val="85000"/>
+          </a:schemeClr>
+        </a:solidFill>
+        <a:round/>
+      </a:ln>
+    </cs:spPr>
+    <cs:defRPr sz="1330" kern="1200"/>
+  </cs:chartArea>
+  <cs:dataLabel>
+    <cs:lnRef idx="0"/>
+    <cs:fillRef idx="0"/>
+    <cs:effectRef idx="0"/>
+    <cs:fontRef idx="minor">
+      <a:schemeClr val="tx1">
+        <a:lumMod val="75000"/>
+        <a:lumOff val="25000"/>
+      </a:schemeClr>
+    </cs:fontRef>
+    <cs:defRPr sz="1197" kern="1200"/>
+  </cs:dataLabel>
+  <cs:dataLabelCallout>
+    <cs:lnRef idx="0"/>
+    <cs:fillRef idx="0"/>
+    <cs:effectRef idx="0"/>
+    <cs:fontRef idx="minor">
+      <a:schemeClr val="dk1">
+        <a:lumMod val="65000"/>
+        <a:lumOff val="35000"/>
+      </a:schemeClr>
+    </cs:fontRef>
+    <cs:spPr>
+      <a:solidFill>
+        <a:schemeClr val="lt1"/>
+      </a:solidFill>
+      <a:ln>
+        <a:solidFill>
+          <a:schemeClr val="dk1">
+            <a:lumMod val="25000"/>
+            <a:lumOff val="75000"/>
+          </a:schemeClr>
+        </a:solidFill>
+      </a:ln>
+    </cs:spPr>
+    <cs:defRPr sz="1197" kern="1200"/>
+    <cs:bodyPr rot="0" spcFirstLastPara="1" vertOverflow="clip" horzOverflow="clip" vert="horz" wrap="square" lIns="36576" tIns="18288" rIns="36576" bIns="18288" anchor="ctr" anchorCtr="1">
+      <a:spAutoFit/>
+    </cs:bodyPr>
+  </cs:dataLabelCallout>
+  <cs:dataPoint>
+    <cs:lnRef idx="0"/>
+    <cs:fillRef idx="1">
+      <cs:styleClr val="auto"/>
+    </cs:fillRef>
+    <cs:effectRef idx="0"/>
+    <cs:fontRef idx="minor">
+      <a:schemeClr val="tx1"/>
+    </cs:fontRef>
+  </cs:dataPoint>
+  <cs:dataPoint3D>
+    <cs:lnRef idx="0"/>
+    <cs:fillRef idx="1">
+      <cs:styleClr val="auto"/>
+    </cs:fillRef>
+    <cs:effectRef idx="0"/>
+    <cs:fontRef idx="minor">
+      <a:schemeClr val="tx1"/>
+    </cs:fontRef>
+  </cs:dataPoint3D>
+  <cs:dataPointLine>
+    <cs:lnRef idx="0">
+      <cs:styleClr val="auto"/>
+    </cs:lnRef>
+    <cs:fillRef idx="1"/>
+    <cs:effectRef idx="0"/>
+    <cs:fontRef idx="minor">
+      <a:schemeClr val="tx1"/>
+    </cs:fontRef>
+    <cs:spPr>
+      <a:ln w="28575" cap="rnd">
+        <a:solidFill>
+          <a:schemeClr val="phClr"/>
+        </a:solidFill>
+        <a:round/>
+      </a:ln>
+    </cs:spPr>
+  </cs:dataPointLine>
+  <cs:dataPointMarker>
+    <cs:lnRef idx="0">
+      <cs:styleClr val="auto"/>
+    </cs:lnRef>
+    <cs:fillRef idx="1">
+      <cs:styleClr val="auto"/>
+    </cs:fillRef>
+    <cs:effectRef idx="0"/>
+    <cs:fontRef idx="minor">
+      <a:schemeClr val="tx1"/>
+    </cs:fontRef>
+    <cs:spPr>
+      <a:ln w="9525">
+        <a:solidFill>
+          <a:schemeClr val="phClr"/>
+        </a:solidFill>
+      </a:ln>
+    </cs:spPr>
+  </cs:dataPointMarker>
+  <cs:dataPointMarkerLayout symbol="circle" size="5"/>
+  <cs:dataPointWireframe>
+    <cs:lnRef idx="0">
+      <cs:styleClr val="auto"/>
+    </cs:lnRef>
+    <cs:fillRef idx="1"/>
+    <cs:effectRef idx="0"/>
+    <cs:fontRef idx="minor">
+      <a:schemeClr val="tx1"/>
+    </cs:fontRef>
+    <cs:spPr>
+      <a:ln w="9525" cap="rnd">
+        <a:solidFill>
+          <a:schemeClr val="phClr"/>
+        </a:solidFill>
+        <a:round/>
+      </a:ln>
+    </cs:spPr>
+  </cs:dataPointWireframe>
+  <cs:dataTable>
+    <cs:lnRef idx="0"/>
+    <cs:fillRef idx="0"/>
+    <cs:effectRef idx="0"/>
+    <cs:fontRef idx="minor">
+      <a:schemeClr val="tx1">
+        <a:lumMod val="65000"/>
+        <a:lumOff val="35000"/>
+      </a:schemeClr>
+    </cs:fontRef>
+    <cs:spPr>
+      <a:noFill/>
+      <a:ln w="9525" cap="flat" cmpd="sng" algn="ctr">
+        <a:solidFill>
+          <a:schemeClr val="tx1">
+            <a:lumMod val="15000"/>
+            <a:lumOff val="85000"/>
+          </a:schemeClr>
+        </a:solidFill>
+        <a:round/>
+      </a:ln>
+    </cs:spPr>
+    <cs:defRPr sz="1197" kern="1200"/>
+  </cs:dataTable>
+  <cs:downBar>
+    <cs:lnRef idx="0"/>
+    <cs:fillRef idx="0"/>
+    <cs:effectRef idx="0"/>
+    <cs:fontRef idx="minor">
+      <a:schemeClr val="dk1"/>
+    </cs:fontRef>
+    <cs:spPr>
+      <a:solidFill>
+        <a:schemeClr val="dk1">
+          <a:lumMod val="65000"/>
+          <a:lumOff val="35000"/>
+        </a:schemeClr>
+      </a:solidFill>
+      <a:ln w="9525">
+        <a:solidFill>
+          <a:schemeClr val="tx1">
+            <a:lumMod val="65000"/>
+            <a:lumOff val="35000"/>
+          </a:schemeClr>
+        </a:solidFill>
+      </a:ln>
+    </cs:spPr>
+  </cs:downBar>
+  <cs:dropLine>
+    <cs:lnRef idx="0"/>
+    <cs:fillRef idx="0"/>
+    <cs:effectRef idx="0"/>
+    <cs:fontRef idx="minor">
+      <a:schemeClr val="tx1"/>
+    </cs:fontRef>
+    <cs:spPr>
+      <a:ln w="9525" cap="flat" cmpd="sng" algn="ctr">
+        <a:solidFill>
+          <a:schemeClr val="tx1">
+            <a:lumMod val="35000"/>
+            <a:lumOff val="65000"/>
+          </a:schemeClr>
+        </a:solidFill>
+        <a:round/>
+      </a:ln>
+    </cs:spPr>
+  </cs:dropLine>
+  <cs:errorBar>
+    <cs:lnRef idx="0"/>
+    <cs:fillRef idx="0"/>
+    <cs:effectRef idx="0"/>
+    <cs:fontRef idx="minor">
+      <a:schemeClr val="tx1"/>
+    </cs:fontRef>
+    <cs:spPr>
+      <a:ln w="9525" cap="flat" cmpd="sng" algn="ctr">
+        <a:solidFill>
+          <a:schemeClr val="tx1">
+            <a:lumMod val="65000"/>
+            <a:lumOff val="35000"/>
+          </a:schemeClr>
+        </a:solidFill>
+        <a:round/>
+      </a:ln>
+    </cs:spPr>
+  </cs:errorBar>
+  <cs:floor>
+    <cs:lnRef idx="0"/>
+    <cs:fillRef idx="0"/>
+    <cs:effectRef idx="0"/>
+    <cs:fontRef idx="minor">
+      <a:schemeClr val="tx1"/>
+    </cs:fontRef>
+    <cs:spPr>
+      <a:noFill/>
+      <a:ln>
+        <a:noFill/>
+      </a:ln>
+    </cs:spPr>
+  </cs:floor>
+  <cs:gridlineMajor>
+    <cs:lnRef idx="0"/>
+    <cs:fillRef idx="0"/>
+    <cs:effectRef idx="0"/>
+    <cs:fontRef idx="minor">
+      <a:schemeClr val="tx1"/>
+    </cs:fontRef>
+    <cs:spPr>
+      <a:ln w="9525" cap="flat" cmpd="sng" algn="ctr">
+        <a:solidFill>
+          <a:schemeClr val="tx1">
+            <a:lumMod val="15000"/>
+            <a:lumOff val="85000"/>
+          </a:schemeClr>
+        </a:solidFill>
+        <a:round/>
+      </a:ln>
+    </cs:spPr>
+  </cs:gridlineMajor>
+  <cs:gridlineMinor>
+    <cs:lnRef idx="0"/>
+    <cs:fillRef idx="0"/>
+    <cs:effectRef idx="0"/>
+    <cs:fontRef idx="minor">
+      <a:schemeClr val="tx1"/>
+    </cs:fontRef>
+    <cs:spPr>
+      <a:ln w="9525" cap="flat" cmpd="sng" algn="ctr">
+        <a:solidFill>
+          <a:schemeClr val="tx1">
+            <a:lumMod val="5000"/>
+            <a:lumOff val="95000"/>
+          </a:schemeClr>
+        </a:solidFill>
+        <a:round/>
+      </a:ln>
+    </cs:spPr>
+  </cs:gridlineMinor>
+  <cs:hiLoLine>
+    <cs:lnRef idx="0"/>
+    <cs:fillRef idx="0"/>
+    <cs:effectRef idx="0"/>
+    <cs:fontRef idx="minor">
+      <a:schemeClr val="tx1"/>
+    </cs:fontRef>
+    <cs:spPr>
+      <a:ln w="9525" cap="flat" cmpd="sng" algn="ctr">
+        <a:solidFill>
+          <a:schemeClr val="tx1">
+            <a:lumMod val="75000"/>
+            <a:lumOff val="25000"/>
+          </a:schemeClr>
+        </a:solidFill>
+        <a:round/>
+      </a:ln>
+    </cs:spPr>
+  </cs:hiLoLine>
+  <cs:leaderLine>
+    <cs:lnRef idx="0"/>
+    <cs:fillRef idx="0"/>
+    <cs:effectRef idx="0"/>
+    <cs:fontRef idx="minor">
+      <a:schemeClr val="tx1"/>
+    </cs:fontRef>
+    <cs:spPr>
+      <a:ln w="9525" cap="flat" cmpd="sng" algn="ctr">
+        <a:solidFill>
+          <a:schemeClr val="tx1">
+            <a:lumMod val="35000"/>
+            <a:lumOff val="65000"/>
+          </a:schemeClr>
+        </a:solidFill>
+        <a:round/>
+      </a:ln>
+    </cs:spPr>
+  </cs:leaderLine>
+  <cs:legend>
+    <cs:lnRef idx="0"/>
+    <cs:fillRef idx="0"/>
+    <cs:effectRef idx="0"/>
+    <cs:fontRef idx="minor">
+      <a:schemeClr val="tx1">
+        <a:lumMod val="65000"/>
+        <a:lumOff val="35000"/>
+      </a:schemeClr>
+    </cs:fontRef>
+    <cs:defRPr sz="1197" kern="1200"/>
+  </cs:legend>
+  <cs:plotArea mods="allowNoFillOverride allowNoLineOverride">
+    <cs:lnRef idx="0"/>
+    <cs:fillRef idx="0"/>
+    <cs:effectRef idx="0"/>
+    <cs:fontRef idx="minor">
+      <a:schemeClr val="tx1"/>
+    </cs:fontRef>
+  </cs:plotArea>
+  <cs:plotArea3D mods="allowNoFillOverride allowNoLineOverride">
+    <cs:lnRef idx="0"/>
+    <cs:fillRef idx="0"/>
+    <cs:effectRef idx="0"/>
+    <cs:fontRef idx="minor">
+      <a:schemeClr val="tx1"/>
+    </cs:fontRef>
+  </cs:plotArea3D>
+  <cs:seriesAxis>
+    <cs:lnRef idx="0"/>
+    <cs:fillRef idx="0"/>
+    <cs:effectRef idx="0"/>
+    <cs:fontRef idx="minor">
+      <a:schemeClr val="tx1">
+        <a:lumMod val="65000"/>
+        <a:lumOff val="35000"/>
+      </a:schemeClr>
+    </cs:fontRef>
+    <cs:defRPr sz="1197" kern="1200"/>
+  </cs:seriesAxis>
+  <cs:seriesLine>
+    <cs:lnRef idx="0"/>
+    <cs:fillRef idx="0"/>
+    <cs:effectRef idx="0"/>
+    <cs:fontRef idx="minor">
+      <a:schemeClr val="tx1"/>
+    </cs:fontRef>
+    <cs:spPr>
+      <a:ln w="9525" cap="flat" cmpd="sng" algn="ctr">
+        <a:solidFill>
+          <a:schemeClr val="tx1">
+            <a:lumMod val="35000"/>
+            <a:lumOff val="65000"/>
+          </a:schemeClr>
+        </a:solidFill>
+        <a:round/>
+      </a:ln>
+    </cs:spPr>
+  </cs:seriesLine>
+  <cs:title>
+    <cs:lnRef idx="0"/>
+    <cs:fillRef idx="0"/>
+    <cs:effectRef idx="0"/>
+    <cs:fontRef idx="minor">
+      <a:schemeClr val="tx1">
+        <a:lumMod val="65000"/>
+        <a:lumOff val="35000"/>
+      </a:schemeClr>
+    </cs:fontRef>
+    <cs:defRPr sz="1862" b="0" kern="1200" spc="0" baseline="0"/>
+  </cs:title>
+  <cs:trendline>
+    <cs:lnRef idx="0">
+      <cs:styleClr val="auto"/>
+    </cs:lnRef>
+    <cs:fillRef idx="0"/>
+    <cs:effectRef idx="0"/>
+    <cs:fontRef idx="minor">
+      <a:schemeClr val="tx1"/>
+    </cs:fontRef>
+    <cs:spPr>
+      <a:ln w="19050" cap="rnd">
+        <a:solidFill>
+          <a:schemeClr val="phClr"/>
+        </a:solidFill>
+        <a:prstDash val="sysDot"/>
+      </a:ln>
+    </cs:spPr>
+  </cs:trendline>
+  <cs:trendlineLabel>
+    <cs:lnRef idx="0"/>
+    <cs:fillRef idx="0"/>
+    <cs:effectRef idx="0"/>
+    <cs:fontRef idx="minor">
+      <a:schemeClr val="tx1">
+        <a:lumMod val="65000"/>
+        <a:lumOff val="35000"/>
+      </a:schemeClr>
+    </cs:fontRef>
+    <cs:defRPr sz="1197" kern="1200"/>
+  </cs:trendlineLabel>
+  <cs:upBar>
+    <cs:lnRef idx="0"/>
+    <cs:fillRef idx="0"/>
+    <cs:effectRef idx="0"/>
+    <cs:fontRef idx="minor">
+      <a:schemeClr val="dk1"/>
+    </cs:fontRef>
+    <cs:spPr>
+      <a:solidFill>
+        <a:schemeClr val="lt1"/>
+      </a:solidFill>
+      <a:ln w="9525">
+        <a:solidFill>
+          <a:schemeClr val="tx1">
+            <a:lumMod val="15000"/>
+            <a:lumOff val="85000"/>
+          </a:schemeClr>
+        </a:solidFill>
+      </a:ln>
+    </cs:spPr>
+  </cs:upBar>
+  <cs:valueAxis>
+    <cs:lnRef idx="0"/>
+    <cs:fillRef idx="0"/>
+    <cs:effectRef idx="0"/>
+    <cs:fontRef idx="minor">
+      <a:schemeClr val="tx1">
+        <a:lumMod val="65000"/>
+        <a:lumOff val="35000"/>
+      </a:schemeClr>
+    </cs:fontRef>
+    <cs:defRPr sz="1197" kern="1200"/>
+  </cs:valueAxis>
+  <cs:wall>
+    <cs:lnRef idx="0"/>
+    <cs:fillRef idx="0"/>
+    <cs:effectRef idx="0"/>
+    <cs:fontRef idx="minor">
+      <a:schemeClr val="tx1"/>
+    </cs:fontRef>
+    <cs:spPr>
+      <a:noFill/>
+      <a:ln>
+        <a:noFill/>
+      </a:ln>
+    </cs:spPr>
+  </cs:wall>
+</cs:chartStyle>
 </file>
 
 <file path=ppt/slideLayouts/slideLayout1.xml><?xml version="1.0" encoding="utf-8"?>
-<p:sldLayout xmlns:a="http://schemas.openxmlformats.org/drawingml/2006/main" xmlns:r="http://schemas.openxmlformats.org/officeDocument/2006/relationships" xmlns:p="http://schemas.openxmlformats.org/presentationml/2006/main">
+<p:sldLayout xmlns:a="http://schemas.openxmlformats.org/drawingml/2006/main" xmlns:r="http://schemas.openxmlformats.org/officeDocument/2006/relationships" xmlns:p="http://schemas.openxmlformats.org/presentationml/2006/main" type="title" preserve="1">
   <p:cSld name="Title Slide">
     <p:spTree>
       <p:nvGrpSpPr>
@@ -132,7 +1160,13 @@
       </p:grpSpPr>
       <p:sp>
         <p:nvSpPr>
-          <p:cNvPr id="2" name="Title 1"/>
+          <p:cNvPr id="2" name="Title 1">
+            <a:extLst>
+              <a:ext uri="{FF2B5EF4-FFF2-40B4-BE49-F238E27FC236}">
+                <a16:creationId xmlns:a16="http://schemas.microsoft.com/office/drawing/2014/main" id="{95388092-E867-4E68-9886-B0205E2A27D0}"/>
+              </a:ext>
+            </a:extLst>
+          </p:cNvPr>
           <p:cNvSpPr>
             <a:spLocks noGrp="1"/>
           </p:cNvSpPr>
@@ -140,27 +1174,22 @@
             <p:ph type="ctrTitle"/>
           </p:nvPr>
         </p:nvSpPr>
-        <p:spPr bwMode="white">
+        <p:spPr>
           <a:xfrm>
             <a:off x="1524000" y="1122363"/>
             <a:ext cx="9144000" cy="2387600"/>
           </a:xfrm>
-          <a:ln>
-            <a:headEnd type="none"/>
-            <a:tailEnd type="none"/>
-          </a:ln>
         </p:spPr>
         <p:txBody>
-          <a:bodyPr anchor="b" wrap="square"/>
+          <a:bodyPr anchor="b"/>
           <a:lstStyle>
             <a:lvl1pPr algn="ctr">
-              <a:defRPr sz="6000" dirty="0"/>
+              <a:defRPr sz="6000"/>
             </a:lvl1pPr>
           </a:lstStyle>
           <a:p>
-            <a:pPr/>
-            <a:r>
-              <a:rPr lang="en-US" dirty="0"/>
+            <a:r>
+              <a:rPr lang="en-US"/>
               <a:t>Click to edit Master title style</a:t>
             </a:r>
           </a:p>
@@ -168,7 +1197,13 @@
       </p:sp>
       <p:sp>
         <p:nvSpPr>
-          <p:cNvPr id="3" name="Subtitle 2"/>
+          <p:cNvPr id="3" name="Subtitle 2">
+            <a:extLst>
+              <a:ext uri="{FF2B5EF4-FFF2-40B4-BE49-F238E27FC236}">
+                <a16:creationId xmlns:a16="http://schemas.microsoft.com/office/drawing/2014/main" id="{28A09C4B-0CC4-4993-9D0F-D27A49D730DD}"/>
+              </a:ext>
+            </a:extLst>
+          </p:cNvPr>
           <p:cNvSpPr>
             <a:spLocks noGrp="1"/>
           </p:cNvSpPr>
@@ -176,60 +1211,55 @@
             <p:ph type="subTitle" idx="1"/>
           </p:nvPr>
         </p:nvSpPr>
-        <p:spPr bwMode="white">
+        <p:spPr>
           <a:xfrm>
             <a:off x="1524000" y="3602038"/>
             <a:ext cx="9144000" cy="1655762"/>
           </a:xfrm>
-          <a:ln>
-            <a:headEnd type="none"/>
-            <a:tailEnd type="none"/>
-          </a:ln>
         </p:spPr>
         <p:txBody>
-          <a:bodyPr wrap="square"/>
+          <a:bodyPr/>
           <a:lstStyle>
             <a:lvl1pPr marL="0" indent="0" algn="ctr">
               <a:buNone/>
-              <a:defRPr sz="2400" dirty="0"/>
+              <a:defRPr sz="2400"/>
             </a:lvl1pPr>
             <a:lvl2pPr marL="457200" indent="0" algn="ctr">
               <a:buNone/>
-              <a:defRPr sz="2000" dirty="0"/>
+              <a:defRPr sz="2000"/>
             </a:lvl2pPr>
             <a:lvl3pPr marL="914400" indent="0" algn="ctr">
               <a:buNone/>
-              <a:defRPr sz="1800" dirty="0"/>
+              <a:defRPr sz="1800"/>
             </a:lvl3pPr>
             <a:lvl4pPr marL="1371600" indent="0" algn="ctr">
               <a:buNone/>
-              <a:defRPr sz="1600" dirty="0"/>
+              <a:defRPr sz="1600"/>
             </a:lvl4pPr>
             <a:lvl5pPr marL="1828800" indent="0" algn="ctr">
               <a:buNone/>
-              <a:defRPr sz="1600" dirty="0"/>
+              <a:defRPr sz="1600"/>
             </a:lvl5pPr>
             <a:lvl6pPr marL="2286000" indent="0" algn="ctr">
               <a:buNone/>
-              <a:defRPr sz="1600" dirty="0"/>
+              <a:defRPr sz="1600"/>
             </a:lvl6pPr>
             <a:lvl7pPr marL="2743200" indent="0" algn="ctr">
               <a:buNone/>
-              <a:defRPr sz="1600" dirty="0"/>
+              <a:defRPr sz="1600"/>
             </a:lvl7pPr>
             <a:lvl8pPr marL="3200400" indent="0" algn="ctr">
               <a:buNone/>
-              <a:defRPr sz="1600" dirty="0"/>
+              <a:defRPr sz="1600"/>
             </a:lvl8pPr>
             <a:lvl9pPr marL="3657600" indent="0" algn="ctr">
               <a:buNone/>
-              <a:defRPr sz="1600" dirty="0"/>
+              <a:defRPr sz="1600"/>
             </a:lvl9pPr>
           </a:lstStyle>
           <a:p>
-            <a:pPr/>
-            <a:r>
-              <a:rPr lang="en-US" dirty="0"/>
+            <a:r>
+              <a:rPr lang="en-US"/>
               <a:t>Click to edit Master subtitle style</a:t>
             </a:r>
           </a:p>
@@ -237,7 +1267,13 @@
       </p:sp>
       <p:sp>
         <p:nvSpPr>
-          <p:cNvPr id="4" name="Date Placeholder 3"/>
+          <p:cNvPr id="4" name="Date Placeholder 3">
+            <a:extLst>
+              <a:ext uri="{FF2B5EF4-FFF2-40B4-BE49-F238E27FC236}">
+                <a16:creationId xmlns:a16="http://schemas.microsoft.com/office/drawing/2014/main" id="{78D9D6B2-3203-48A7-85C0-06852B52786A}"/>
+              </a:ext>
+            </a:extLst>
+          </p:cNvPr>
           <p:cNvSpPr>
             <a:spLocks noGrp="1"/>
           </p:cNvSpPr>
@@ -245,28 +1281,28 @@
             <p:ph type="dt" sz="half" idx="10"/>
           </p:nvPr>
         </p:nvSpPr>
-        <p:spPr bwMode="white">
-          <a:ln>
-            <a:headEnd type="none"/>
-            <a:tailEnd type="none"/>
-          </a:ln>
-        </p:spPr>
+        <p:spPr/>
         <p:txBody>
-          <a:bodyPr wrap="square"/>
+          <a:bodyPr/>
           <a:lstStyle/>
           <a:p>
-            <a:pPr/>
             <a:fld id="{5455A7CF-DB6C-4325-93B5-8C3F06D80356}" type="datetimeFigureOut">
-              <a:rPr lang="en-US" dirty="0"/>
-              <a:t>25-Nov-22</a:t>
+              <a:rPr lang="en-US" smtClean="0"/>
+              <a:t>12/17/2024</a:t>
             </a:fld>
-            <a:endParaRPr lang="en-US" dirty="0"/>
+            <a:endParaRPr lang="en-US"/>
           </a:p>
         </p:txBody>
       </p:sp>
       <p:sp>
         <p:nvSpPr>
-          <p:cNvPr id="5" name="Footer Placeholder 4"/>
+          <p:cNvPr id="5" name="Footer Placeholder 4">
+            <a:extLst>
+              <a:ext uri="{FF2B5EF4-FFF2-40B4-BE49-F238E27FC236}">
+                <a16:creationId xmlns:a16="http://schemas.microsoft.com/office/drawing/2014/main" id="{A8B66A1C-EA7F-4E6F-ABAD-D25AF2A5DC93}"/>
+              </a:ext>
+            </a:extLst>
+          </p:cNvPr>
           <p:cNvSpPr>
             <a:spLocks noGrp="1"/>
           </p:cNvSpPr>
@@ -274,24 +1310,24 @@
             <p:ph type="ftr" sz="quarter" idx="11"/>
           </p:nvPr>
         </p:nvSpPr>
-        <p:spPr bwMode="white">
-          <a:ln>
-            <a:headEnd type="none"/>
-            <a:tailEnd type="none"/>
-          </a:ln>
-        </p:spPr>
+        <p:spPr/>
         <p:txBody>
-          <a:bodyPr wrap="square"/>
+          <a:bodyPr/>
           <a:lstStyle/>
           <a:p>
-            <a:pPr/>
-            <a:endParaRPr lang="en-US" dirty="0"/>
+            <a:endParaRPr lang="en-US"/>
           </a:p>
         </p:txBody>
       </p:sp>
       <p:sp>
         <p:nvSpPr>
-          <p:cNvPr id="6" name="Slide Number Placeholder 5"/>
+          <p:cNvPr id="6" name="Slide Number Placeholder 5">
+            <a:extLst>
+              <a:ext uri="{FF2B5EF4-FFF2-40B4-BE49-F238E27FC236}">
+                <a16:creationId xmlns:a16="http://schemas.microsoft.com/office/drawing/2014/main" id="{A5CB37CF-1A86-42A3-A07C-D2DA7880CA4C}"/>
+              </a:ext>
+            </a:extLst>
+          </p:cNvPr>
           <p:cNvSpPr>
             <a:spLocks noGrp="1"/>
           </p:cNvSpPr>
@@ -299,26 +1335,25 @@
             <p:ph type="sldNum" sz="quarter" idx="12"/>
           </p:nvPr>
         </p:nvSpPr>
-        <p:spPr bwMode="white">
-          <a:ln>
-            <a:headEnd type="none"/>
-            <a:tailEnd type="none"/>
-          </a:ln>
-        </p:spPr>
+        <p:spPr/>
         <p:txBody>
-          <a:bodyPr wrap="square"/>
+          <a:bodyPr/>
           <a:lstStyle/>
           <a:p>
-            <a:pPr/>
             <a:fld id="{24E76E65-7777-4C32-B153-6028045D6BD3}" type="slidenum">
-              <a:rPr lang="en-US" dirty="0"/>
+              <a:rPr lang="en-US" smtClean="0"/>
               <a:t>‹#›</a:t>
             </a:fld>
-            <a:endParaRPr lang="en-US" dirty="0"/>
+            <a:endParaRPr lang="en-US"/>
           </a:p>
         </p:txBody>
       </p:sp>
     </p:spTree>
+    <p:extLst>
+      <p:ext uri="{BB962C8B-B14F-4D97-AF65-F5344CB8AC3E}">
+        <p14:creationId xmlns:p14="http://schemas.microsoft.com/office/powerpoint/2010/main" val="987980493"/>
+      </p:ext>
+    </p:extLst>
   </p:cSld>
   <p:clrMapOvr>
     <a:masterClrMapping/>
@@ -327,7 +1362,7 @@
 </file>
 
 <file path=ppt/slideLayouts/slideLayout10.xml><?xml version="1.0" encoding="utf-8"?>
-<p:sldLayout xmlns:a="http://schemas.openxmlformats.org/drawingml/2006/main" xmlns:r="http://schemas.openxmlformats.org/officeDocument/2006/relationships" xmlns:p="http://schemas.openxmlformats.org/presentationml/2006/main">
+<p:sldLayout xmlns:a="http://schemas.openxmlformats.org/drawingml/2006/main" xmlns:r="http://schemas.openxmlformats.org/officeDocument/2006/relationships" xmlns:p="http://schemas.openxmlformats.org/presentationml/2006/main" type="vertTx" preserve="1">
   <p:cSld name="Title and Vertical Text">
     <p:spTree>
       <p:nvGrpSpPr>
@@ -345,7 +1380,13 @@
       </p:grpSpPr>
       <p:sp>
         <p:nvSpPr>
-          <p:cNvPr id="2" name="Title 1"/>
+          <p:cNvPr id="2" name="Title 1">
+            <a:extLst>
+              <a:ext uri="{FF2B5EF4-FFF2-40B4-BE49-F238E27FC236}">
+                <a16:creationId xmlns:a16="http://schemas.microsoft.com/office/drawing/2014/main" id="{47514EA1-58E4-42A7-8DCA-725AFB10B7F9}"/>
+              </a:ext>
+            </a:extLst>
+          </p:cNvPr>
           <p:cNvSpPr>
             <a:spLocks noGrp="1"/>
           </p:cNvSpPr>
@@ -353,19 +1394,13 @@
             <p:ph type="title"/>
           </p:nvPr>
         </p:nvSpPr>
-        <p:spPr bwMode="white">
-          <a:ln>
-            <a:headEnd type="none"/>
-            <a:tailEnd type="none"/>
-          </a:ln>
-        </p:spPr>
+        <p:spPr/>
         <p:txBody>
-          <a:bodyPr wrap="square"/>
+          <a:bodyPr/>
           <a:lstStyle/>
           <a:p>
-            <a:pPr/>
-            <a:r>
-              <a:rPr lang="en-US" dirty="0"/>
+            <a:r>
+              <a:rPr lang="en-US"/>
               <a:t>Click to edit Master title style</a:t>
             </a:r>
           </a:p>
@@ -373,7 +1408,13 @@
       </p:sp>
       <p:sp>
         <p:nvSpPr>
-          <p:cNvPr id="3" name="Vertical Text Placeholder 2"/>
+          <p:cNvPr id="3" name="Vertical Text Placeholder 2">
+            <a:extLst>
+              <a:ext uri="{FF2B5EF4-FFF2-40B4-BE49-F238E27FC236}">
+                <a16:creationId xmlns:a16="http://schemas.microsoft.com/office/drawing/2014/main" id="{FF60006E-D4B9-44A0-A059-EBC6CC39ACB9}"/>
+              </a:ext>
+            </a:extLst>
+          </p:cNvPr>
           <p:cNvSpPr>
             <a:spLocks noGrp="1"/>
           </p:cNvSpPr>
@@ -381,47 +1422,42 @@
             <p:ph type="body" orient="vert" idx="1"/>
           </p:nvPr>
         </p:nvSpPr>
-        <p:spPr bwMode="white">
-          <a:ln>
-            <a:headEnd type="none"/>
-            <a:tailEnd type="none"/>
-          </a:ln>
-        </p:spPr>
+        <p:spPr/>
         <p:txBody>
-          <a:bodyPr vert="eaVert" wrap="square"/>
+          <a:bodyPr vert="eaVert"/>
           <a:lstStyle/>
           <a:p>
-            <a:pPr/>
-            <a:r>
-              <a:rPr lang="en-US" dirty="0"/>
+            <a:pPr lvl="0"/>
+            <a:r>
+              <a:rPr lang="en-US"/>
               <a:t>Edit Master text styles</a:t>
             </a:r>
           </a:p>
           <a:p>
             <a:pPr lvl="1"/>
             <a:r>
-              <a:rPr lang="en-US" dirty="0"/>
+              <a:rPr lang="en-US"/>
               <a:t>Second level</a:t>
             </a:r>
           </a:p>
           <a:p>
             <a:pPr lvl="2"/>
             <a:r>
-              <a:rPr lang="en-US" dirty="0"/>
+              <a:rPr lang="en-US"/>
               <a:t>Third level</a:t>
             </a:r>
           </a:p>
           <a:p>
             <a:pPr lvl="3"/>
             <a:r>
-              <a:rPr lang="en-US" dirty="0"/>
+              <a:rPr lang="en-US"/>
               <a:t>Fourth level</a:t>
             </a:r>
           </a:p>
           <a:p>
             <a:pPr lvl="4"/>
             <a:r>
-              <a:rPr lang="en-US" dirty="0"/>
+              <a:rPr lang="en-US"/>
               <a:t>Fifth level</a:t>
             </a:r>
           </a:p>
@@ -429,7 +1465,13 @@
       </p:sp>
       <p:sp>
         <p:nvSpPr>
-          <p:cNvPr id="4" name="Date Placeholder 3"/>
+          <p:cNvPr id="4" name="Date Placeholder 3">
+            <a:extLst>
+              <a:ext uri="{FF2B5EF4-FFF2-40B4-BE49-F238E27FC236}">
+                <a16:creationId xmlns:a16="http://schemas.microsoft.com/office/drawing/2014/main" id="{DE3CE83F-AD46-425B-A854-996B54ABE788}"/>
+              </a:ext>
+            </a:extLst>
+          </p:cNvPr>
           <p:cNvSpPr>
             <a:spLocks noGrp="1"/>
           </p:cNvSpPr>
@@ -437,28 +1479,28 @@
             <p:ph type="dt" sz="half" idx="10"/>
           </p:nvPr>
         </p:nvSpPr>
-        <p:spPr bwMode="white">
-          <a:ln>
-            <a:headEnd type="none"/>
-            <a:tailEnd type="none"/>
-          </a:ln>
-        </p:spPr>
+        <p:spPr/>
         <p:txBody>
-          <a:bodyPr wrap="square"/>
+          <a:bodyPr/>
           <a:lstStyle/>
           <a:p>
-            <a:pPr/>
             <a:fld id="{5455A7CF-DB6C-4325-93B5-8C3F06D80356}" type="datetimeFigureOut">
-              <a:rPr lang="en-US" dirty="0"/>
-              <a:t>25-Nov-22</a:t>
+              <a:rPr lang="en-US" smtClean="0"/>
+              <a:t>12/17/2024</a:t>
             </a:fld>
-            <a:endParaRPr lang="en-US" dirty="0"/>
+            <a:endParaRPr lang="en-US"/>
           </a:p>
         </p:txBody>
       </p:sp>
       <p:sp>
         <p:nvSpPr>
-          <p:cNvPr id="5" name="Footer Placeholder 4"/>
+          <p:cNvPr id="5" name="Footer Placeholder 4">
+            <a:extLst>
+              <a:ext uri="{FF2B5EF4-FFF2-40B4-BE49-F238E27FC236}">
+                <a16:creationId xmlns:a16="http://schemas.microsoft.com/office/drawing/2014/main" id="{A257BED7-15D0-4FA7-999F-F2D1804AD760}"/>
+              </a:ext>
+            </a:extLst>
+          </p:cNvPr>
           <p:cNvSpPr>
             <a:spLocks noGrp="1"/>
           </p:cNvSpPr>
@@ -466,24 +1508,24 @@
             <p:ph type="ftr" sz="quarter" idx="11"/>
           </p:nvPr>
         </p:nvSpPr>
-        <p:spPr bwMode="white">
-          <a:ln>
-            <a:headEnd type="none"/>
-            <a:tailEnd type="none"/>
-          </a:ln>
-        </p:spPr>
+        <p:spPr/>
         <p:txBody>
-          <a:bodyPr wrap="square"/>
+          <a:bodyPr/>
           <a:lstStyle/>
           <a:p>
-            <a:pPr/>
-            <a:endParaRPr lang="en-US" dirty="0"/>
+            <a:endParaRPr lang="en-US"/>
           </a:p>
         </p:txBody>
       </p:sp>
       <p:sp>
         <p:nvSpPr>
-          <p:cNvPr id="6" name="Slide Number Placeholder 5"/>
+          <p:cNvPr id="6" name="Slide Number Placeholder 5">
+            <a:extLst>
+              <a:ext uri="{FF2B5EF4-FFF2-40B4-BE49-F238E27FC236}">
+                <a16:creationId xmlns:a16="http://schemas.microsoft.com/office/drawing/2014/main" id="{F9A33827-58FD-4965-A7A7-AB35B2772676}"/>
+              </a:ext>
+            </a:extLst>
+          </p:cNvPr>
           <p:cNvSpPr>
             <a:spLocks noGrp="1"/>
           </p:cNvSpPr>
@@ -491,26 +1533,25 @@
             <p:ph type="sldNum" sz="quarter" idx="12"/>
           </p:nvPr>
         </p:nvSpPr>
-        <p:spPr bwMode="white">
-          <a:ln>
-            <a:headEnd type="none"/>
-            <a:tailEnd type="none"/>
-          </a:ln>
-        </p:spPr>
+        <p:spPr/>
         <p:txBody>
-          <a:bodyPr wrap="square"/>
+          <a:bodyPr/>
           <a:lstStyle/>
           <a:p>
-            <a:pPr/>
             <a:fld id="{24E76E65-7777-4C32-B153-6028045D6BD3}" type="slidenum">
-              <a:rPr lang="en-US" dirty="0"/>
+              <a:rPr lang="en-US" smtClean="0"/>
               <a:t>‹#›</a:t>
             </a:fld>
-            <a:endParaRPr lang="en-US" dirty="0"/>
+            <a:endParaRPr lang="en-US"/>
           </a:p>
         </p:txBody>
       </p:sp>
     </p:spTree>
+    <p:extLst>
+      <p:ext uri="{BB962C8B-B14F-4D97-AF65-F5344CB8AC3E}">
+        <p14:creationId xmlns:p14="http://schemas.microsoft.com/office/powerpoint/2010/main" val="1625837535"/>
+      </p:ext>
+    </p:extLst>
   </p:cSld>
   <p:clrMapOvr>
     <a:masterClrMapping/>
@@ -519,7 +1560,7 @@
 </file>
 
 <file path=ppt/slideLayouts/slideLayout11.xml><?xml version="1.0" encoding="utf-8"?>
-<p:sldLayout xmlns:a="http://schemas.openxmlformats.org/drawingml/2006/main" xmlns:r="http://schemas.openxmlformats.org/officeDocument/2006/relationships" xmlns:p="http://schemas.openxmlformats.org/presentationml/2006/main">
+<p:sldLayout xmlns:a="http://schemas.openxmlformats.org/drawingml/2006/main" xmlns:r="http://schemas.openxmlformats.org/officeDocument/2006/relationships" xmlns:p="http://schemas.openxmlformats.org/presentationml/2006/main" type="vertTitleAndTx" preserve="1">
   <p:cSld name="Vertical Title and Text">
     <p:spTree>
       <p:nvGrpSpPr>
@@ -537,7 +1578,13 @@
       </p:grpSpPr>
       <p:sp>
         <p:nvSpPr>
-          <p:cNvPr id="2" name="Vertical Title 1"/>
+          <p:cNvPr id="2" name="Vertical Title 1">
+            <a:extLst>
+              <a:ext uri="{FF2B5EF4-FFF2-40B4-BE49-F238E27FC236}">
+                <a16:creationId xmlns:a16="http://schemas.microsoft.com/office/drawing/2014/main" id="{7797E049-7767-4915-BFAD-AA6268FC1305}"/>
+              </a:ext>
+            </a:extLst>
+          </p:cNvPr>
           <p:cNvSpPr>
             <a:spLocks noGrp="1"/>
           </p:cNvSpPr>
@@ -545,23 +1592,18 @@
             <p:ph type="title" orient="vert"/>
           </p:nvPr>
         </p:nvSpPr>
-        <p:spPr bwMode="white">
+        <p:spPr>
           <a:xfrm>
             <a:off x="8724900" y="365125"/>
             <a:ext cx="2628900" cy="5811838"/>
           </a:xfrm>
-          <a:ln>
-            <a:headEnd type="none"/>
-            <a:tailEnd type="none"/>
-          </a:ln>
         </p:spPr>
         <p:txBody>
-          <a:bodyPr vert="eaVert" wrap="square"/>
+          <a:bodyPr vert="eaVert"/>
           <a:lstStyle/>
           <a:p>
-            <a:pPr/>
-            <a:r>
-              <a:rPr lang="en-US" dirty="0"/>
+            <a:r>
+              <a:rPr lang="en-US"/>
               <a:t>Click to edit Master title style</a:t>
             </a:r>
           </a:p>
@@ -569,7 +1611,13 @@
       </p:sp>
       <p:sp>
         <p:nvSpPr>
-          <p:cNvPr id="3" name="Vertical Text Placeholder 2"/>
+          <p:cNvPr id="3" name="Vertical Text Placeholder 2">
+            <a:extLst>
+              <a:ext uri="{FF2B5EF4-FFF2-40B4-BE49-F238E27FC236}">
+                <a16:creationId xmlns:a16="http://schemas.microsoft.com/office/drawing/2014/main" id="{2E53A7E7-6996-49F7-8B45-7C9EA3F14BC1}"/>
+              </a:ext>
+            </a:extLst>
+          </p:cNvPr>
           <p:cNvSpPr>
             <a:spLocks noGrp="1"/>
           </p:cNvSpPr>
@@ -577,51 +1625,47 @@
             <p:ph type="body" orient="vert" idx="1"/>
           </p:nvPr>
         </p:nvSpPr>
-        <p:spPr bwMode="white">
+        <p:spPr>
           <a:xfrm>
             <a:off x="838200" y="365125"/>
             <a:ext cx="7734300" cy="5811838"/>
           </a:xfrm>
-          <a:ln>
-            <a:headEnd type="none"/>
-            <a:tailEnd type="none"/>
-          </a:ln>
         </p:spPr>
         <p:txBody>
-          <a:bodyPr vert="eaVert" wrap="square"/>
+          <a:bodyPr vert="eaVert"/>
           <a:lstStyle/>
           <a:p>
-            <a:pPr/>
-            <a:r>
-              <a:rPr lang="en-US" dirty="0"/>
+            <a:pPr lvl="0"/>
+            <a:r>
+              <a:rPr lang="en-US"/>
               <a:t>Edit Master text styles</a:t>
             </a:r>
           </a:p>
           <a:p>
             <a:pPr lvl="1"/>
             <a:r>
-              <a:rPr lang="en-US" dirty="0"/>
+              <a:rPr lang="en-US"/>
               <a:t>Second level</a:t>
             </a:r>
           </a:p>
           <a:p>
             <a:pPr lvl="2"/>
             <a:r>
-              <a:rPr lang="en-US" dirty="0"/>
+              <a:rPr lang="en-US"/>
               <a:t>Third level</a:t>
             </a:r>
           </a:p>
           <a:p>
             <a:pPr lvl="3"/>
             <a:r>
-              <a:rPr lang="en-US" dirty="0"/>
+              <a:rPr lang="en-US"/>
               <a:t>Fourth level</a:t>
             </a:r>
           </a:p>
           <a:p>
             <a:pPr lvl="4"/>
             <a:r>
-              <a:rPr lang="en-US" dirty="0"/>
+              <a:rPr lang="en-US"/>
               <a:t>Fifth level</a:t>
             </a:r>
           </a:p>
@@ -629,7 +1673,13 @@
       </p:sp>
       <p:sp>
         <p:nvSpPr>
-          <p:cNvPr id="4" name="Date Placeholder 3"/>
+          <p:cNvPr id="4" name="Date Placeholder 3">
+            <a:extLst>
+              <a:ext uri="{FF2B5EF4-FFF2-40B4-BE49-F238E27FC236}">
+                <a16:creationId xmlns:a16="http://schemas.microsoft.com/office/drawing/2014/main" id="{77DE4FD6-252D-4974-83FB-A1C670961515}"/>
+              </a:ext>
+            </a:extLst>
+          </p:cNvPr>
           <p:cNvSpPr>
             <a:spLocks noGrp="1"/>
           </p:cNvSpPr>
@@ -637,28 +1687,28 @@
             <p:ph type="dt" sz="half" idx="10"/>
           </p:nvPr>
         </p:nvSpPr>
-        <p:spPr bwMode="white">
-          <a:ln>
-            <a:headEnd type="none"/>
-            <a:tailEnd type="none"/>
-          </a:ln>
-        </p:spPr>
+        <p:spPr/>
         <p:txBody>
-          <a:bodyPr wrap="square"/>
+          <a:bodyPr/>
           <a:lstStyle/>
           <a:p>
-            <a:pPr/>
             <a:fld id="{5455A7CF-DB6C-4325-93B5-8C3F06D80356}" type="datetimeFigureOut">
-              <a:rPr lang="en-US" dirty="0"/>
-              <a:t>25-Nov-22</a:t>
+              <a:rPr lang="en-US" smtClean="0"/>
+              <a:t>12/17/2024</a:t>
             </a:fld>
-            <a:endParaRPr lang="en-US" dirty="0"/>
+            <a:endParaRPr lang="en-US"/>
           </a:p>
         </p:txBody>
       </p:sp>
       <p:sp>
         <p:nvSpPr>
-          <p:cNvPr id="5" name="Footer Placeholder 4"/>
+          <p:cNvPr id="5" name="Footer Placeholder 4">
+            <a:extLst>
+              <a:ext uri="{FF2B5EF4-FFF2-40B4-BE49-F238E27FC236}">
+                <a16:creationId xmlns:a16="http://schemas.microsoft.com/office/drawing/2014/main" id="{75E65431-35DC-476B-ABEA-82F227DD08A0}"/>
+              </a:ext>
+            </a:extLst>
+          </p:cNvPr>
           <p:cNvSpPr>
             <a:spLocks noGrp="1"/>
           </p:cNvSpPr>
@@ -666,24 +1716,24 @@
             <p:ph type="ftr" sz="quarter" idx="11"/>
           </p:nvPr>
         </p:nvSpPr>
-        <p:spPr bwMode="white">
-          <a:ln>
-            <a:headEnd type="none"/>
-            <a:tailEnd type="none"/>
-          </a:ln>
-        </p:spPr>
+        <p:spPr/>
         <p:txBody>
-          <a:bodyPr wrap="square"/>
+          <a:bodyPr/>
           <a:lstStyle/>
           <a:p>
-            <a:pPr/>
-            <a:endParaRPr lang="en-US" dirty="0"/>
+            <a:endParaRPr lang="en-US"/>
           </a:p>
         </p:txBody>
       </p:sp>
       <p:sp>
         <p:nvSpPr>
-          <p:cNvPr id="6" name="Slide Number Placeholder 5"/>
+          <p:cNvPr id="6" name="Slide Number Placeholder 5">
+            <a:extLst>
+              <a:ext uri="{FF2B5EF4-FFF2-40B4-BE49-F238E27FC236}">
+                <a16:creationId xmlns:a16="http://schemas.microsoft.com/office/drawing/2014/main" id="{6D35E16B-5E75-4104-B122-F4472006EB30}"/>
+              </a:ext>
+            </a:extLst>
+          </p:cNvPr>
           <p:cNvSpPr>
             <a:spLocks noGrp="1"/>
           </p:cNvSpPr>
@@ -691,26 +1741,25 @@
             <p:ph type="sldNum" sz="quarter" idx="12"/>
           </p:nvPr>
         </p:nvSpPr>
-        <p:spPr bwMode="white">
-          <a:ln>
-            <a:headEnd type="none"/>
-            <a:tailEnd type="none"/>
-          </a:ln>
-        </p:spPr>
+        <p:spPr/>
         <p:txBody>
-          <a:bodyPr wrap="square"/>
+          <a:bodyPr/>
           <a:lstStyle/>
           <a:p>
-            <a:pPr/>
             <a:fld id="{24E76E65-7777-4C32-B153-6028045D6BD3}" type="slidenum">
-              <a:rPr lang="en-US" dirty="0"/>
+              <a:rPr lang="en-US" smtClean="0"/>
               <a:t>‹#›</a:t>
             </a:fld>
-            <a:endParaRPr lang="en-US" dirty="0"/>
+            <a:endParaRPr lang="en-US"/>
           </a:p>
         </p:txBody>
       </p:sp>
     </p:spTree>
+    <p:extLst>
+      <p:ext uri="{BB962C8B-B14F-4D97-AF65-F5344CB8AC3E}">
+        <p14:creationId xmlns:p14="http://schemas.microsoft.com/office/powerpoint/2010/main" val="2982463374"/>
+      </p:ext>
+    </p:extLst>
   </p:cSld>
   <p:clrMapOvr>
     <a:masterClrMapping/>
@@ -719,7 +1768,7 @@
 </file>
 
 <file path=ppt/slideLayouts/slideLayout2.xml><?xml version="1.0" encoding="utf-8"?>
-<p:sldLayout xmlns:a="http://schemas.openxmlformats.org/drawingml/2006/main" xmlns:r="http://schemas.openxmlformats.org/officeDocument/2006/relationships" xmlns:p="http://schemas.openxmlformats.org/presentationml/2006/main">
+<p:sldLayout xmlns:a="http://schemas.openxmlformats.org/drawingml/2006/main" xmlns:r="http://schemas.openxmlformats.org/officeDocument/2006/relationships" xmlns:p="http://schemas.openxmlformats.org/presentationml/2006/main" type="obj" preserve="1">
   <p:cSld name="Title and Content">
     <p:spTree>
       <p:nvGrpSpPr>
@@ -737,7 +1786,13 @@
       </p:grpSpPr>
       <p:sp>
         <p:nvSpPr>
-          <p:cNvPr id="2" name="Title 1"/>
+          <p:cNvPr id="2" name="Title 1">
+            <a:extLst>
+              <a:ext uri="{FF2B5EF4-FFF2-40B4-BE49-F238E27FC236}">
+                <a16:creationId xmlns:a16="http://schemas.microsoft.com/office/drawing/2014/main" id="{9B8A55BD-9E4B-40B7-8EB9-7F10B7270B9D}"/>
+              </a:ext>
+            </a:extLst>
+          </p:cNvPr>
           <p:cNvSpPr>
             <a:spLocks noGrp="1"/>
           </p:cNvSpPr>
@@ -745,19 +1800,13 @@
             <p:ph type="title"/>
           </p:nvPr>
         </p:nvSpPr>
-        <p:spPr bwMode="white">
-          <a:ln>
-            <a:headEnd type="none"/>
-            <a:tailEnd type="none"/>
-          </a:ln>
-        </p:spPr>
+        <p:spPr/>
         <p:txBody>
-          <a:bodyPr wrap="square"/>
+          <a:bodyPr/>
           <a:lstStyle/>
           <a:p>
-            <a:pPr/>
-            <a:r>
-              <a:rPr lang="en-US" dirty="0"/>
+            <a:r>
+              <a:rPr lang="en-US"/>
               <a:t>Click to edit Master title style</a:t>
             </a:r>
           </a:p>
@@ -765,7 +1814,13 @@
       </p:sp>
       <p:sp>
         <p:nvSpPr>
-          <p:cNvPr id="3" name="Content Placeholder 2"/>
+          <p:cNvPr id="3" name="Content Placeholder 2">
+            <a:extLst>
+              <a:ext uri="{FF2B5EF4-FFF2-40B4-BE49-F238E27FC236}">
+                <a16:creationId xmlns:a16="http://schemas.microsoft.com/office/drawing/2014/main" id="{CC51656E-1980-4619-BBC2-1C0AECF5FFEE}"/>
+              </a:ext>
+            </a:extLst>
+          </p:cNvPr>
           <p:cNvSpPr>
             <a:spLocks noGrp="1"/>
           </p:cNvSpPr>
@@ -773,47 +1828,42 @@
             <p:ph idx="1"/>
           </p:nvPr>
         </p:nvSpPr>
-        <p:spPr bwMode="white">
-          <a:ln>
-            <a:headEnd type="none"/>
-            <a:tailEnd type="none"/>
-          </a:ln>
-        </p:spPr>
+        <p:spPr/>
         <p:txBody>
-          <a:bodyPr wrap="square"/>
+          <a:bodyPr/>
           <a:lstStyle/>
           <a:p>
-            <a:pPr/>
-            <a:r>
-              <a:rPr lang="en-US" dirty="0"/>
+            <a:pPr lvl="0"/>
+            <a:r>
+              <a:rPr lang="en-US"/>
               <a:t>Edit Master text styles</a:t>
             </a:r>
           </a:p>
           <a:p>
             <a:pPr lvl="1"/>
             <a:r>
-              <a:rPr lang="en-US" dirty="0"/>
+              <a:rPr lang="en-US"/>
               <a:t>Second level</a:t>
             </a:r>
           </a:p>
           <a:p>
             <a:pPr lvl="2"/>
             <a:r>
-              <a:rPr lang="en-US" dirty="0"/>
+              <a:rPr lang="en-US"/>
               <a:t>Third level</a:t>
             </a:r>
           </a:p>
           <a:p>
             <a:pPr lvl="3"/>
             <a:r>
-              <a:rPr lang="en-US" dirty="0"/>
+              <a:rPr lang="en-US"/>
               <a:t>Fourth level</a:t>
             </a:r>
           </a:p>
           <a:p>
             <a:pPr lvl="4"/>
             <a:r>
-              <a:rPr lang="en-US" dirty="0"/>
+              <a:rPr lang="en-US"/>
               <a:t>Fifth level</a:t>
             </a:r>
           </a:p>
@@ -821,7 +1871,13 @@
       </p:sp>
       <p:sp>
         <p:nvSpPr>
-          <p:cNvPr id="4" name="Date Placeholder 3"/>
+          <p:cNvPr id="4" name="Date Placeholder 3">
+            <a:extLst>
+              <a:ext uri="{FF2B5EF4-FFF2-40B4-BE49-F238E27FC236}">
+                <a16:creationId xmlns:a16="http://schemas.microsoft.com/office/drawing/2014/main" id="{6737196B-85A7-4EE9-A037-146860D00D65}"/>
+              </a:ext>
+            </a:extLst>
+          </p:cNvPr>
           <p:cNvSpPr>
             <a:spLocks noGrp="1"/>
           </p:cNvSpPr>
@@ -829,28 +1885,28 @@
             <p:ph type="dt" sz="half" idx="10"/>
           </p:nvPr>
         </p:nvSpPr>
-        <p:spPr bwMode="white">
-          <a:ln>
-            <a:headEnd type="none"/>
-            <a:tailEnd type="none"/>
-          </a:ln>
-        </p:spPr>
+        <p:spPr/>
         <p:txBody>
-          <a:bodyPr wrap="square"/>
+          <a:bodyPr/>
           <a:lstStyle/>
           <a:p>
-            <a:pPr/>
             <a:fld id="{5455A7CF-DB6C-4325-93B5-8C3F06D80356}" type="datetimeFigureOut">
-              <a:rPr lang="en-US" dirty="0"/>
-              <a:t>25-Nov-22</a:t>
+              <a:rPr lang="en-US" smtClean="0"/>
+              <a:t>12/17/2024</a:t>
             </a:fld>
-            <a:endParaRPr lang="en-US" dirty="0"/>
+            <a:endParaRPr lang="en-US"/>
           </a:p>
         </p:txBody>
       </p:sp>
       <p:sp>
         <p:nvSpPr>
-          <p:cNvPr id="5" name="Footer Placeholder 4"/>
+          <p:cNvPr id="5" name="Footer Placeholder 4">
+            <a:extLst>
+              <a:ext uri="{FF2B5EF4-FFF2-40B4-BE49-F238E27FC236}">
+                <a16:creationId xmlns:a16="http://schemas.microsoft.com/office/drawing/2014/main" id="{9E1B61C3-1137-4444-8857-E46855FEA9FB}"/>
+              </a:ext>
+            </a:extLst>
+          </p:cNvPr>
           <p:cNvSpPr>
             <a:spLocks noGrp="1"/>
           </p:cNvSpPr>
@@ -858,24 +1914,24 @@
             <p:ph type="ftr" sz="quarter" idx="11"/>
           </p:nvPr>
         </p:nvSpPr>
-        <p:spPr bwMode="white">
-          <a:ln>
-            <a:headEnd type="none"/>
-            <a:tailEnd type="none"/>
-          </a:ln>
-        </p:spPr>
+        <p:spPr/>
         <p:txBody>
-          <a:bodyPr wrap="square"/>
+          <a:bodyPr/>
           <a:lstStyle/>
           <a:p>
-            <a:pPr/>
-            <a:endParaRPr lang="en-US" dirty="0"/>
+            <a:endParaRPr lang="en-US"/>
           </a:p>
         </p:txBody>
       </p:sp>
       <p:sp>
         <p:nvSpPr>
-          <p:cNvPr id="6" name="Slide Number Placeholder 5"/>
+          <p:cNvPr id="6" name="Slide Number Placeholder 5">
+            <a:extLst>
+              <a:ext uri="{FF2B5EF4-FFF2-40B4-BE49-F238E27FC236}">
+                <a16:creationId xmlns:a16="http://schemas.microsoft.com/office/drawing/2014/main" id="{BB8A481B-7D56-458D-9F0B-73F00649E611}"/>
+              </a:ext>
+            </a:extLst>
+          </p:cNvPr>
           <p:cNvSpPr>
             <a:spLocks noGrp="1"/>
           </p:cNvSpPr>
@@ -883,26 +1939,25 @@
             <p:ph type="sldNum" sz="quarter" idx="12"/>
           </p:nvPr>
         </p:nvSpPr>
-        <p:spPr bwMode="white">
-          <a:ln>
-            <a:headEnd type="none"/>
-            <a:tailEnd type="none"/>
-          </a:ln>
-        </p:spPr>
+        <p:spPr/>
         <p:txBody>
-          <a:bodyPr wrap="square"/>
+          <a:bodyPr/>
           <a:lstStyle/>
           <a:p>
-            <a:pPr/>
             <a:fld id="{24E76E65-7777-4C32-B153-6028045D6BD3}" type="slidenum">
-              <a:rPr lang="en-US" dirty="0"/>
+              <a:rPr lang="en-US" smtClean="0"/>
               <a:t>‹#›</a:t>
             </a:fld>
-            <a:endParaRPr lang="en-US" dirty="0"/>
+            <a:endParaRPr lang="en-US"/>
           </a:p>
         </p:txBody>
       </p:sp>
     </p:spTree>
+    <p:extLst>
+      <p:ext uri="{BB962C8B-B14F-4D97-AF65-F5344CB8AC3E}">
+        <p14:creationId xmlns:p14="http://schemas.microsoft.com/office/powerpoint/2010/main" val="1302134445"/>
+      </p:ext>
+    </p:extLst>
   </p:cSld>
   <p:clrMapOvr>
     <a:masterClrMapping/>
@@ -911,7 +1966,7 @@
 </file>
 
 <file path=ppt/slideLayouts/slideLayout3.xml><?xml version="1.0" encoding="utf-8"?>
-<p:sldLayout xmlns:a="http://schemas.openxmlformats.org/drawingml/2006/main" xmlns:r="http://schemas.openxmlformats.org/officeDocument/2006/relationships" xmlns:p="http://schemas.openxmlformats.org/presentationml/2006/main">
+<p:sldLayout xmlns:a="http://schemas.openxmlformats.org/drawingml/2006/main" xmlns:r="http://schemas.openxmlformats.org/officeDocument/2006/relationships" xmlns:p="http://schemas.openxmlformats.org/presentationml/2006/main" type="secHead" preserve="1">
   <p:cSld name="Section Header">
     <p:spTree>
       <p:nvGrpSpPr>
@@ -929,7 +1984,13 @@
       </p:grpSpPr>
       <p:sp>
         <p:nvSpPr>
-          <p:cNvPr id="2" name="Title 1"/>
+          <p:cNvPr id="2" name="Title 1">
+            <a:extLst>
+              <a:ext uri="{FF2B5EF4-FFF2-40B4-BE49-F238E27FC236}">
+                <a16:creationId xmlns:a16="http://schemas.microsoft.com/office/drawing/2014/main" id="{84DB5B27-DE83-4844-A575-54EE450B1ACE}"/>
+              </a:ext>
+            </a:extLst>
+          </p:cNvPr>
           <p:cNvSpPr>
             <a:spLocks noGrp="1"/>
           </p:cNvSpPr>
@@ -937,27 +1998,22 @@
             <p:ph type="title"/>
           </p:nvPr>
         </p:nvSpPr>
-        <p:spPr bwMode="white">
+        <p:spPr>
           <a:xfrm>
             <a:off x="831850" y="1709738"/>
             <a:ext cx="10515600" cy="2852737"/>
           </a:xfrm>
-          <a:ln>
-            <a:headEnd type="none"/>
-            <a:tailEnd type="none"/>
-          </a:ln>
         </p:spPr>
         <p:txBody>
-          <a:bodyPr anchor="b" wrap="square"/>
+          <a:bodyPr anchor="b"/>
           <a:lstStyle>
             <a:lvl1pPr>
-              <a:defRPr sz="6000" dirty="0"/>
+              <a:defRPr sz="6000"/>
             </a:lvl1pPr>
           </a:lstStyle>
           <a:p>
-            <a:pPr/>
-            <a:r>
-              <a:rPr lang="en-US" dirty="0"/>
+            <a:r>
+              <a:rPr lang="en-US"/>
               <a:t>Click to edit Master title style</a:t>
             </a:r>
           </a:p>
@@ -965,7 +2021,13 @@
       </p:sp>
       <p:sp>
         <p:nvSpPr>
-          <p:cNvPr id="3" name="Text Placeholder 2"/>
+          <p:cNvPr id="3" name="Text Placeholder 2">
+            <a:extLst>
+              <a:ext uri="{FF2B5EF4-FFF2-40B4-BE49-F238E27FC236}">
+                <a16:creationId xmlns:a16="http://schemas.microsoft.com/office/drawing/2014/main" id="{8D5B7AB5-6E0B-4DBB-86F4-37CEA31A46E4}"/>
+              </a:ext>
+            </a:extLst>
+          </p:cNvPr>
           <p:cNvSpPr>
             <a:spLocks noGrp="1"/>
           </p:cNvSpPr>
@@ -973,22 +2035,18 @@
             <p:ph type="body" idx="1"/>
           </p:nvPr>
         </p:nvSpPr>
-        <p:spPr bwMode="white">
+        <p:spPr>
           <a:xfrm>
             <a:off x="831850" y="4589463"/>
             <a:ext cx="10515600" cy="1500187"/>
           </a:xfrm>
-          <a:ln>
-            <a:headEnd type="none"/>
-            <a:tailEnd type="none"/>
-          </a:ln>
         </p:spPr>
         <p:txBody>
-          <a:bodyPr wrap="square"/>
+          <a:bodyPr/>
           <a:lstStyle>
             <a:lvl1pPr marL="0" indent="0">
               <a:buNone/>
-              <a:defRPr sz="2400" dirty="0">
+              <a:defRPr sz="2400">
                 <a:solidFill>
                   <a:schemeClr val="tx1">
                     <a:tint val="75000"/>
@@ -998,7 +2056,7 @@
             </a:lvl1pPr>
             <a:lvl2pPr marL="457200" indent="0">
               <a:buNone/>
-              <a:defRPr sz="2000" dirty="0">
+              <a:defRPr sz="2000">
                 <a:solidFill>
                   <a:schemeClr val="tx1">
                     <a:tint val="75000"/>
@@ -1008,7 +2066,7 @@
             </a:lvl2pPr>
             <a:lvl3pPr marL="914400" indent="0">
               <a:buNone/>
-              <a:defRPr sz="1800" dirty="0">
+              <a:defRPr sz="1800">
                 <a:solidFill>
                   <a:schemeClr val="tx1">
                     <a:tint val="75000"/>
@@ -1018,7 +2076,7 @@
             </a:lvl3pPr>
             <a:lvl4pPr marL="1371600" indent="0">
               <a:buNone/>
-              <a:defRPr sz="1600" dirty="0">
+              <a:defRPr sz="1600">
                 <a:solidFill>
                   <a:schemeClr val="tx1">
                     <a:tint val="75000"/>
@@ -1028,7 +2086,7 @@
             </a:lvl4pPr>
             <a:lvl5pPr marL="1828800" indent="0">
               <a:buNone/>
-              <a:defRPr sz="1600" dirty="0">
+              <a:defRPr sz="1600">
                 <a:solidFill>
                   <a:schemeClr val="tx1">
                     <a:tint val="75000"/>
@@ -1038,7 +2096,7 @@
             </a:lvl5pPr>
             <a:lvl6pPr marL="2286000" indent="0">
               <a:buNone/>
-              <a:defRPr sz="1600" dirty="0">
+              <a:defRPr sz="1600">
                 <a:solidFill>
                   <a:schemeClr val="tx1">
                     <a:tint val="75000"/>
@@ -1048,7 +2106,7 @@
             </a:lvl6pPr>
             <a:lvl7pPr marL="2743200" indent="0">
               <a:buNone/>
-              <a:defRPr sz="1600" dirty="0">
+              <a:defRPr sz="1600">
                 <a:solidFill>
                   <a:schemeClr val="tx1">
                     <a:tint val="75000"/>
@@ -1058,7 +2116,7 @@
             </a:lvl7pPr>
             <a:lvl8pPr marL="3200400" indent="0">
               <a:buNone/>
-              <a:defRPr sz="1600" dirty="0">
+              <a:defRPr sz="1600">
                 <a:solidFill>
                   <a:schemeClr val="tx1">
                     <a:tint val="75000"/>
@@ -1068,7 +2126,7 @@
             </a:lvl8pPr>
             <a:lvl9pPr marL="3657600" indent="0">
               <a:buNone/>
-              <a:defRPr sz="1600" dirty="0">
+              <a:defRPr sz="1600">
                 <a:solidFill>
                   <a:schemeClr val="tx1">
                     <a:tint val="75000"/>
@@ -1078,9 +2136,9 @@
             </a:lvl9pPr>
           </a:lstStyle>
           <a:p>
-            <a:pPr/>
-            <a:r>
-              <a:rPr lang="en-US" dirty="0"/>
+            <a:pPr lvl="0"/>
+            <a:r>
+              <a:rPr lang="en-US"/>
               <a:t>Edit Master text styles</a:t>
             </a:r>
           </a:p>
@@ -1088,7 +2146,13 @@
       </p:sp>
       <p:sp>
         <p:nvSpPr>
-          <p:cNvPr id="4" name="Date Placeholder 3"/>
+          <p:cNvPr id="4" name="Date Placeholder 3">
+            <a:extLst>
+              <a:ext uri="{FF2B5EF4-FFF2-40B4-BE49-F238E27FC236}">
+                <a16:creationId xmlns:a16="http://schemas.microsoft.com/office/drawing/2014/main" id="{B06E480A-0C03-4D18-BE4C-6E525B2F6428}"/>
+              </a:ext>
+            </a:extLst>
+          </p:cNvPr>
           <p:cNvSpPr>
             <a:spLocks noGrp="1"/>
           </p:cNvSpPr>
@@ -1096,28 +2160,28 @@
             <p:ph type="dt" sz="half" idx="10"/>
           </p:nvPr>
         </p:nvSpPr>
-        <p:spPr bwMode="white">
-          <a:ln>
-            <a:headEnd type="none"/>
-            <a:tailEnd type="none"/>
-          </a:ln>
-        </p:spPr>
+        <p:spPr/>
         <p:txBody>
-          <a:bodyPr wrap="square"/>
+          <a:bodyPr/>
           <a:lstStyle/>
           <a:p>
-            <a:pPr/>
             <a:fld id="{5455A7CF-DB6C-4325-93B5-8C3F06D80356}" type="datetimeFigureOut">
-              <a:rPr lang="en-US" dirty="0"/>
-              <a:t>25-Nov-22</a:t>
+              <a:rPr lang="en-US" smtClean="0"/>
+              <a:t>12/17/2024</a:t>
             </a:fld>
-            <a:endParaRPr lang="en-US" dirty="0"/>
+            <a:endParaRPr lang="en-US"/>
           </a:p>
         </p:txBody>
       </p:sp>
       <p:sp>
         <p:nvSpPr>
-          <p:cNvPr id="5" name="Footer Placeholder 4"/>
+          <p:cNvPr id="5" name="Footer Placeholder 4">
+            <a:extLst>
+              <a:ext uri="{FF2B5EF4-FFF2-40B4-BE49-F238E27FC236}">
+                <a16:creationId xmlns:a16="http://schemas.microsoft.com/office/drawing/2014/main" id="{992B60B8-19CB-47CB-B72B-0416852AA95B}"/>
+              </a:ext>
+            </a:extLst>
+          </p:cNvPr>
           <p:cNvSpPr>
             <a:spLocks noGrp="1"/>
           </p:cNvSpPr>
@@ -1125,24 +2189,24 @@
             <p:ph type="ftr" sz="quarter" idx="11"/>
           </p:nvPr>
         </p:nvSpPr>
-        <p:spPr bwMode="white">
-          <a:ln>
-            <a:headEnd type="none"/>
-            <a:tailEnd type="none"/>
-          </a:ln>
-        </p:spPr>
+        <p:spPr/>
         <p:txBody>
-          <a:bodyPr wrap="square"/>
+          <a:bodyPr/>
           <a:lstStyle/>
           <a:p>
-            <a:pPr/>
-            <a:endParaRPr lang="en-US" dirty="0"/>
+            <a:endParaRPr lang="en-US"/>
           </a:p>
         </p:txBody>
       </p:sp>
       <p:sp>
         <p:nvSpPr>
-          <p:cNvPr id="6" name="Slide Number Placeholder 5"/>
+          <p:cNvPr id="6" name="Slide Number Placeholder 5">
+            <a:extLst>
+              <a:ext uri="{FF2B5EF4-FFF2-40B4-BE49-F238E27FC236}">
+                <a16:creationId xmlns:a16="http://schemas.microsoft.com/office/drawing/2014/main" id="{E0B9FE0F-A484-4EA7-8FD2-04C4B8776940}"/>
+              </a:ext>
+            </a:extLst>
+          </p:cNvPr>
           <p:cNvSpPr>
             <a:spLocks noGrp="1"/>
           </p:cNvSpPr>
@@ -1150,26 +2214,25 @@
             <p:ph type="sldNum" sz="quarter" idx="12"/>
           </p:nvPr>
         </p:nvSpPr>
-        <p:spPr bwMode="white">
-          <a:ln>
-            <a:headEnd type="none"/>
-            <a:tailEnd type="none"/>
-          </a:ln>
-        </p:spPr>
+        <p:spPr/>
         <p:txBody>
-          <a:bodyPr wrap="square"/>
+          <a:bodyPr/>
           <a:lstStyle/>
           <a:p>
-            <a:pPr/>
             <a:fld id="{24E76E65-7777-4C32-B153-6028045D6BD3}" type="slidenum">
-              <a:rPr lang="en-US" dirty="0"/>
+              <a:rPr lang="en-US" smtClean="0"/>
               <a:t>‹#›</a:t>
             </a:fld>
-            <a:endParaRPr lang="en-US" dirty="0"/>
+            <a:endParaRPr lang="en-US"/>
           </a:p>
         </p:txBody>
       </p:sp>
     </p:spTree>
+    <p:extLst>
+      <p:ext uri="{BB962C8B-B14F-4D97-AF65-F5344CB8AC3E}">
+        <p14:creationId xmlns:p14="http://schemas.microsoft.com/office/powerpoint/2010/main" val="979072217"/>
+      </p:ext>
+    </p:extLst>
   </p:cSld>
   <p:clrMapOvr>
     <a:masterClrMapping/>
@@ -1178,7 +2241,7 @@
 </file>
 
 <file path=ppt/slideLayouts/slideLayout4.xml><?xml version="1.0" encoding="utf-8"?>
-<p:sldLayout xmlns:a="http://schemas.openxmlformats.org/drawingml/2006/main" xmlns:r="http://schemas.openxmlformats.org/officeDocument/2006/relationships" xmlns:p="http://schemas.openxmlformats.org/presentationml/2006/main">
+<p:sldLayout xmlns:a="http://schemas.openxmlformats.org/drawingml/2006/main" xmlns:r="http://schemas.openxmlformats.org/officeDocument/2006/relationships" xmlns:p="http://schemas.openxmlformats.org/presentationml/2006/main" type="twoObj" preserve="1">
   <p:cSld name="Two Content">
     <p:spTree>
       <p:nvGrpSpPr>
@@ -1196,7 +2259,13 @@
       </p:grpSpPr>
       <p:sp>
         <p:nvSpPr>
-          <p:cNvPr id="2" name="Title 1"/>
+          <p:cNvPr id="2" name="Title 1">
+            <a:extLst>
+              <a:ext uri="{FF2B5EF4-FFF2-40B4-BE49-F238E27FC236}">
+                <a16:creationId xmlns:a16="http://schemas.microsoft.com/office/drawing/2014/main" id="{02E4C114-EFA0-42E6-B430-30AD2967F26F}"/>
+              </a:ext>
+            </a:extLst>
+          </p:cNvPr>
           <p:cNvSpPr>
             <a:spLocks noGrp="1"/>
           </p:cNvSpPr>
@@ -1204,19 +2273,13 @@
             <p:ph type="title"/>
           </p:nvPr>
         </p:nvSpPr>
-        <p:spPr bwMode="white">
-          <a:ln>
-            <a:headEnd type="none"/>
-            <a:tailEnd type="none"/>
-          </a:ln>
-        </p:spPr>
+        <p:spPr/>
         <p:txBody>
-          <a:bodyPr wrap="square"/>
+          <a:bodyPr/>
           <a:lstStyle/>
           <a:p>
-            <a:pPr/>
-            <a:r>
-              <a:rPr lang="en-US" dirty="0"/>
+            <a:r>
+              <a:rPr lang="en-US"/>
               <a:t>Click to edit Master title style</a:t>
             </a:r>
           </a:p>
@@ -1224,7 +2287,13 @@
       </p:sp>
       <p:sp>
         <p:nvSpPr>
-          <p:cNvPr id="3" name="Content Placeholder 2"/>
+          <p:cNvPr id="3" name="Content Placeholder 2">
+            <a:extLst>
+              <a:ext uri="{FF2B5EF4-FFF2-40B4-BE49-F238E27FC236}">
+                <a16:creationId xmlns:a16="http://schemas.microsoft.com/office/drawing/2014/main" id="{6DFB1390-1CCB-4CF0-913E-185544AF4219}"/>
+              </a:ext>
+            </a:extLst>
+          </p:cNvPr>
           <p:cNvSpPr>
             <a:spLocks noGrp="1"/>
           </p:cNvSpPr>
@@ -1232,51 +2301,47 @@
             <p:ph sz="half" idx="1"/>
           </p:nvPr>
         </p:nvSpPr>
-        <p:spPr bwMode="white">
+        <p:spPr>
           <a:xfrm>
             <a:off x="838200" y="1825625"/>
             <a:ext cx="5181600" cy="4351338"/>
           </a:xfrm>
-          <a:ln>
-            <a:headEnd type="none"/>
-            <a:tailEnd type="none"/>
-          </a:ln>
         </p:spPr>
         <p:txBody>
-          <a:bodyPr wrap="square"/>
+          <a:bodyPr/>
           <a:lstStyle/>
           <a:p>
-            <a:pPr/>
-            <a:r>
-              <a:rPr lang="en-US" dirty="0"/>
+            <a:pPr lvl="0"/>
+            <a:r>
+              <a:rPr lang="en-US"/>
               <a:t>Edit Master text styles</a:t>
             </a:r>
           </a:p>
           <a:p>
             <a:pPr lvl="1"/>
             <a:r>
-              <a:rPr lang="en-US" dirty="0"/>
+              <a:rPr lang="en-US"/>
               <a:t>Second level</a:t>
             </a:r>
           </a:p>
           <a:p>
             <a:pPr lvl="2"/>
             <a:r>
-              <a:rPr lang="en-US" dirty="0"/>
+              <a:rPr lang="en-US"/>
               <a:t>Third level</a:t>
             </a:r>
           </a:p>
           <a:p>
             <a:pPr lvl="3"/>
             <a:r>
-              <a:rPr lang="en-US" dirty="0"/>
+              <a:rPr lang="en-US"/>
               <a:t>Fourth level</a:t>
             </a:r>
           </a:p>
           <a:p>
             <a:pPr lvl="4"/>
             <a:r>
-              <a:rPr lang="en-US" dirty="0"/>
+              <a:rPr lang="en-US"/>
               <a:t>Fifth level</a:t>
             </a:r>
           </a:p>
@@ -1284,7 +2349,13 @@
       </p:sp>
       <p:sp>
         <p:nvSpPr>
-          <p:cNvPr id="4" name="Content Placeholder 3"/>
+          <p:cNvPr id="4" name="Content Placeholder 3">
+            <a:extLst>
+              <a:ext uri="{FF2B5EF4-FFF2-40B4-BE49-F238E27FC236}">
+                <a16:creationId xmlns:a16="http://schemas.microsoft.com/office/drawing/2014/main" id="{0AC93107-53DE-4DCB-BE89-54BC1D44CC2D}"/>
+              </a:ext>
+            </a:extLst>
+          </p:cNvPr>
           <p:cNvSpPr>
             <a:spLocks noGrp="1"/>
           </p:cNvSpPr>
@@ -1292,51 +2363,47 @@
             <p:ph sz="half" idx="2"/>
           </p:nvPr>
         </p:nvSpPr>
-        <p:spPr bwMode="white">
+        <p:spPr>
           <a:xfrm>
             <a:off x="6172200" y="1825625"/>
             <a:ext cx="5181600" cy="4351338"/>
           </a:xfrm>
-          <a:ln>
-            <a:headEnd type="none"/>
-            <a:tailEnd type="none"/>
-          </a:ln>
         </p:spPr>
         <p:txBody>
-          <a:bodyPr wrap="square"/>
+          <a:bodyPr/>
           <a:lstStyle/>
           <a:p>
-            <a:pPr/>
-            <a:r>
-              <a:rPr lang="en-US" dirty="0"/>
+            <a:pPr lvl="0"/>
+            <a:r>
+              <a:rPr lang="en-US"/>
               <a:t>Edit Master text styles</a:t>
             </a:r>
           </a:p>
           <a:p>
             <a:pPr lvl="1"/>
             <a:r>
-              <a:rPr lang="en-US" dirty="0"/>
+              <a:rPr lang="en-US"/>
               <a:t>Second level</a:t>
             </a:r>
           </a:p>
           <a:p>
             <a:pPr lvl="2"/>
             <a:r>
-              <a:rPr lang="en-US" dirty="0"/>
+              <a:rPr lang="en-US"/>
               <a:t>Third level</a:t>
             </a:r>
           </a:p>
           <a:p>
             <a:pPr lvl="3"/>
             <a:r>
-              <a:rPr lang="en-US" dirty="0"/>
+              <a:rPr lang="en-US"/>
               <a:t>Fourth level</a:t>
             </a:r>
           </a:p>
           <a:p>
             <a:pPr lvl="4"/>
             <a:r>
-              <a:rPr lang="en-US" dirty="0"/>
+              <a:rPr lang="en-US"/>
               <a:t>Fifth level</a:t>
             </a:r>
           </a:p>
@@ -1344,7 +2411,13 @@
       </p:sp>
       <p:sp>
         <p:nvSpPr>
-          <p:cNvPr id="5" name="Date Placeholder 4"/>
+          <p:cNvPr id="5" name="Date Placeholder 4">
+            <a:extLst>
+              <a:ext uri="{FF2B5EF4-FFF2-40B4-BE49-F238E27FC236}">
+                <a16:creationId xmlns:a16="http://schemas.microsoft.com/office/drawing/2014/main" id="{5C31A65B-5BD3-4B14-A039-5A309529A78B}"/>
+              </a:ext>
+            </a:extLst>
+          </p:cNvPr>
           <p:cNvSpPr>
             <a:spLocks noGrp="1"/>
           </p:cNvSpPr>
@@ -1352,28 +2425,28 @@
             <p:ph type="dt" sz="half" idx="10"/>
           </p:nvPr>
         </p:nvSpPr>
-        <p:spPr bwMode="white">
-          <a:ln>
-            <a:headEnd type="none"/>
-            <a:tailEnd type="none"/>
-          </a:ln>
-        </p:spPr>
+        <p:spPr/>
         <p:txBody>
-          <a:bodyPr wrap="square"/>
+          <a:bodyPr/>
           <a:lstStyle/>
           <a:p>
-            <a:pPr/>
             <a:fld id="{5455A7CF-DB6C-4325-93B5-8C3F06D80356}" type="datetimeFigureOut">
-              <a:rPr lang="en-US" dirty="0"/>
-              <a:t>25-Nov-22</a:t>
+              <a:rPr lang="en-US" smtClean="0"/>
+              <a:t>12/17/2024</a:t>
             </a:fld>
-            <a:endParaRPr lang="en-US" dirty="0"/>
+            <a:endParaRPr lang="en-US"/>
           </a:p>
         </p:txBody>
       </p:sp>
       <p:sp>
         <p:nvSpPr>
-          <p:cNvPr id="6" name="Footer Placeholder 5"/>
+          <p:cNvPr id="6" name="Footer Placeholder 5">
+            <a:extLst>
+              <a:ext uri="{FF2B5EF4-FFF2-40B4-BE49-F238E27FC236}">
+                <a16:creationId xmlns:a16="http://schemas.microsoft.com/office/drawing/2014/main" id="{268F39D9-988D-459E-B1CD-C501E6C887B4}"/>
+              </a:ext>
+            </a:extLst>
+          </p:cNvPr>
           <p:cNvSpPr>
             <a:spLocks noGrp="1"/>
           </p:cNvSpPr>
@@ -1381,24 +2454,24 @@
             <p:ph type="ftr" sz="quarter" idx="11"/>
           </p:nvPr>
         </p:nvSpPr>
-        <p:spPr bwMode="white">
-          <a:ln>
-            <a:headEnd type="none"/>
-            <a:tailEnd type="none"/>
-          </a:ln>
-        </p:spPr>
+        <p:spPr/>
         <p:txBody>
-          <a:bodyPr wrap="square"/>
+          <a:bodyPr/>
           <a:lstStyle/>
           <a:p>
-            <a:pPr/>
-            <a:endParaRPr lang="en-US" dirty="0"/>
+            <a:endParaRPr lang="en-US"/>
           </a:p>
         </p:txBody>
       </p:sp>
       <p:sp>
         <p:nvSpPr>
-          <p:cNvPr id="7" name="Slide Number Placeholder 6"/>
+          <p:cNvPr id="7" name="Slide Number Placeholder 6">
+            <a:extLst>
+              <a:ext uri="{FF2B5EF4-FFF2-40B4-BE49-F238E27FC236}">
+                <a16:creationId xmlns:a16="http://schemas.microsoft.com/office/drawing/2014/main" id="{CD968384-38C5-424B-B863-1234309677FA}"/>
+              </a:ext>
+            </a:extLst>
+          </p:cNvPr>
           <p:cNvSpPr>
             <a:spLocks noGrp="1"/>
           </p:cNvSpPr>
@@ -1406,26 +2479,25 @@
             <p:ph type="sldNum" sz="quarter" idx="12"/>
           </p:nvPr>
         </p:nvSpPr>
-        <p:spPr bwMode="white">
-          <a:ln>
-            <a:headEnd type="none"/>
-            <a:tailEnd type="none"/>
-          </a:ln>
-        </p:spPr>
+        <p:spPr/>
         <p:txBody>
-          <a:bodyPr wrap="square"/>
+          <a:bodyPr/>
           <a:lstStyle/>
           <a:p>
-            <a:pPr/>
             <a:fld id="{24E76E65-7777-4C32-B153-6028045D6BD3}" type="slidenum">
-              <a:rPr lang="en-US" dirty="0"/>
+              <a:rPr lang="en-US" smtClean="0"/>
               <a:t>‹#›</a:t>
             </a:fld>
-            <a:endParaRPr lang="en-US" dirty="0"/>
+            <a:endParaRPr lang="en-US"/>
           </a:p>
         </p:txBody>
       </p:sp>
     </p:spTree>
+    <p:extLst>
+      <p:ext uri="{BB962C8B-B14F-4D97-AF65-F5344CB8AC3E}">
+        <p14:creationId xmlns:p14="http://schemas.microsoft.com/office/powerpoint/2010/main" val="3956836561"/>
+      </p:ext>
+    </p:extLst>
   </p:cSld>
   <p:clrMapOvr>
     <a:masterClrMapping/>
@@ -1434,7 +2506,7 @@
 </file>
 
 <file path=ppt/slideLayouts/slideLayout5.xml><?xml version="1.0" encoding="utf-8"?>
-<p:sldLayout xmlns:a="http://schemas.openxmlformats.org/drawingml/2006/main" xmlns:r="http://schemas.openxmlformats.org/officeDocument/2006/relationships" xmlns:p="http://schemas.openxmlformats.org/presentationml/2006/main">
+<p:sldLayout xmlns:a="http://schemas.openxmlformats.org/drawingml/2006/main" xmlns:r="http://schemas.openxmlformats.org/officeDocument/2006/relationships" xmlns:p="http://schemas.openxmlformats.org/presentationml/2006/main" type="twoTxTwoObj" preserve="1">
   <p:cSld name="Comparison">
     <p:spTree>
       <p:nvGrpSpPr>
@@ -1452,7 +2524,13 @@
       </p:grpSpPr>
       <p:sp>
         <p:nvSpPr>
-          <p:cNvPr id="2" name="Title 1"/>
+          <p:cNvPr id="2" name="Title 1">
+            <a:extLst>
+              <a:ext uri="{FF2B5EF4-FFF2-40B4-BE49-F238E27FC236}">
+                <a16:creationId xmlns:a16="http://schemas.microsoft.com/office/drawing/2014/main" id="{6D1FDCAC-57AB-4D6E-BC77-E5FBF27FE7F3}"/>
+              </a:ext>
+            </a:extLst>
+          </p:cNvPr>
           <p:cNvSpPr>
             <a:spLocks noGrp="1"/>
           </p:cNvSpPr>
@@ -1460,23 +2538,18 @@
             <p:ph type="title"/>
           </p:nvPr>
         </p:nvSpPr>
-        <p:spPr bwMode="white">
+        <p:spPr>
           <a:xfrm>
             <a:off x="839788" y="365125"/>
             <a:ext cx="10515600" cy="1325563"/>
           </a:xfrm>
-          <a:ln>
-            <a:headEnd type="none"/>
-            <a:tailEnd type="none"/>
-          </a:ln>
         </p:spPr>
         <p:txBody>
-          <a:bodyPr wrap="square"/>
+          <a:bodyPr/>
           <a:lstStyle/>
           <a:p>
-            <a:pPr/>
-            <a:r>
-              <a:rPr lang="en-US" dirty="0"/>
+            <a:r>
+              <a:rPr lang="en-US"/>
               <a:t>Click to edit Master title style</a:t>
             </a:r>
           </a:p>
@@ -1484,7 +2557,13 @@
       </p:sp>
       <p:sp>
         <p:nvSpPr>
-          <p:cNvPr id="3" name="Text Placeholder 2"/>
+          <p:cNvPr id="3" name="Text Placeholder 2">
+            <a:extLst>
+              <a:ext uri="{FF2B5EF4-FFF2-40B4-BE49-F238E27FC236}">
+                <a16:creationId xmlns:a16="http://schemas.microsoft.com/office/drawing/2014/main" id="{26BFAF32-0E0F-4B9B-ABF8-08957C05BA82}"/>
+              </a:ext>
+            </a:extLst>
+          </p:cNvPr>
           <p:cNvSpPr>
             <a:spLocks noGrp="1"/>
           </p:cNvSpPr>
@@ -1492,60 +2571,56 @@
             <p:ph type="body" idx="1"/>
           </p:nvPr>
         </p:nvSpPr>
-        <p:spPr bwMode="white">
+        <p:spPr>
           <a:xfrm>
             <a:off x="839788" y="1681163"/>
             <a:ext cx="5157787" cy="823912"/>
           </a:xfrm>
-          <a:ln>
-            <a:headEnd type="none"/>
-            <a:tailEnd type="none"/>
-          </a:ln>
         </p:spPr>
         <p:txBody>
-          <a:bodyPr anchor="b" wrap="square"/>
+          <a:bodyPr anchor="b"/>
           <a:lstStyle>
             <a:lvl1pPr marL="0" indent="0">
               <a:buNone/>
-              <a:defRPr sz="2400" b="1" dirty="0"/>
+              <a:defRPr sz="2400" b="1"/>
             </a:lvl1pPr>
             <a:lvl2pPr marL="457200" indent="0">
               <a:buNone/>
-              <a:defRPr sz="2000" b="1" dirty="0"/>
+              <a:defRPr sz="2000" b="1"/>
             </a:lvl2pPr>
             <a:lvl3pPr marL="914400" indent="0">
               <a:buNone/>
-              <a:defRPr sz="1800" b="1" dirty="0"/>
+              <a:defRPr sz="1800" b="1"/>
             </a:lvl3pPr>
             <a:lvl4pPr marL="1371600" indent="0">
               <a:buNone/>
-              <a:defRPr sz="1600" b="1" dirty="0"/>
+              <a:defRPr sz="1600" b="1"/>
             </a:lvl4pPr>
             <a:lvl5pPr marL="1828800" indent="0">
               <a:buNone/>
-              <a:defRPr sz="1600" b="1" dirty="0"/>
+              <a:defRPr sz="1600" b="1"/>
             </a:lvl5pPr>
             <a:lvl6pPr marL="2286000" indent="0">
               <a:buNone/>
-              <a:defRPr sz="1600" b="1" dirty="0"/>
+              <a:defRPr sz="1600" b="1"/>
             </a:lvl6pPr>
             <a:lvl7pPr marL="2743200" indent="0">
               <a:buNone/>
-              <a:defRPr sz="1600" b="1" dirty="0"/>
+              <a:defRPr sz="1600" b="1"/>
             </a:lvl7pPr>
             <a:lvl8pPr marL="3200400" indent="0">
               <a:buNone/>
-              <a:defRPr sz="1600" b="1" dirty="0"/>
+              <a:defRPr sz="1600" b="1"/>
             </a:lvl8pPr>
             <a:lvl9pPr marL="3657600" indent="0">
               <a:buNone/>
-              <a:defRPr sz="1600" b="1" dirty="0"/>
+              <a:defRPr sz="1600" b="1"/>
             </a:lvl9pPr>
           </a:lstStyle>
           <a:p>
-            <a:pPr/>
-            <a:r>
-              <a:rPr lang="en-US" dirty="0"/>
+            <a:pPr lvl="0"/>
+            <a:r>
+              <a:rPr lang="en-US"/>
               <a:t>Edit Master text styles</a:t>
             </a:r>
           </a:p>
@@ -1553,7 +2628,13 @@
       </p:sp>
       <p:sp>
         <p:nvSpPr>
-          <p:cNvPr id="4" name="Content Placeholder 3"/>
+          <p:cNvPr id="4" name="Content Placeholder 3">
+            <a:extLst>
+              <a:ext uri="{FF2B5EF4-FFF2-40B4-BE49-F238E27FC236}">
+                <a16:creationId xmlns:a16="http://schemas.microsoft.com/office/drawing/2014/main" id="{3B6BFCF4-C2D9-425F-B022-40ACE4EA8C94}"/>
+              </a:ext>
+            </a:extLst>
+          </p:cNvPr>
           <p:cNvSpPr>
             <a:spLocks noGrp="1"/>
           </p:cNvSpPr>
@@ -1561,51 +2642,47 @@
             <p:ph sz="half" idx="2"/>
           </p:nvPr>
         </p:nvSpPr>
-        <p:spPr bwMode="white">
+        <p:spPr>
           <a:xfrm>
             <a:off x="839788" y="2505075"/>
             <a:ext cx="5157787" cy="3684588"/>
           </a:xfrm>
-          <a:ln>
-            <a:headEnd type="none"/>
-            <a:tailEnd type="none"/>
-          </a:ln>
         </p:spPr>
         <p:txBody>
-          <a:bodyPr wrap="square"/>
+          <a:bodyPr/>
           <a:lstStyle/>
           <a:p>
-            <a:pPr/>
-            <a:r>
-              <a:rPr lang="en-US" dirty="0"/>
+            <a:pPr lvl="0"/>
+            <a:r>
+              <a:rPr lang="en-US"/>
               <a:t>Edit Master text styles</a:t>
             </a:r>
           </a:p>
           <a:p>
             <a:pPr lvl="1"/>
             <a:r>
-              <a:rPr lang="en-US" dirty="0"/>
+              <a:rPr lang="en-US"/>
               <a:t>Second level</a:t>
             </a:r>
           </a:p>
           <a:p>
             <a:pPr lvl="2"/>
             <a:r>
-              <a:rPr lang="en-US" dirty="0"/>
+              <a:rPr lang="en-US"/>
               <a:t>Third level</a:t>
             </a:r>
           </a:p>
           <a:p>
             <a:pPr lvl="3"/>
             <a:r>
-              <a:rPr lang="en-US" dirty="0"/>
+              <a:rPr lang="en-US"/>
               <a:t>Fourth level</a:t>
             </a:r>
           </a:p>
           <a:p>
             <a:pPr lvl="4"/>
             <a:r>
-              <a:rPr lang="en-US" dirty="0"/>
+              <a:rPr lang="en-US"/>
               <a:t>Fifth level</a:t>
             </a:r>
           </a:p>
@@ -1613,7 +2690,13 @@
       </p:sp>
       <p:sp>
         <p:nvSpPr>
-          <p:cNvPr id="5" name="Text Placeholder 4"/>
+          <p:cNvPr id="5" name="Text Placeholder 4">
+            <a:extLst>
+              <a:ext uri="{FF2B5EF4-FFF2-40B4-BE49-F238E27FC236}">
+                <a16:creationId xmlns:a16="http://schemas.microsoft.com/office/drawing/2014/main" id="{BC980780-05D2-4D96-A9D5-53484814E559}"/>
+              </a:ext>
+            </a:extLst>
+          </p:cNvPr>
           <p:cNvSpPr>
             <a:spLocks noGrp="1"/>
           </p:cNvSpPr>
@@ -1621,60 +2704,56 @@
             <p:ph type="body" sz="quarter" idx="3"/>
           </p:nvPr>
         </p:nvSpPr>
-        <p:spPr bwMode="white">
+        <p:spPr>
           <a:xfrm>
             <a:off x="6172200" y="1681163"/>
             <a:ext cx="5183188" cy="823912"/>
           </a:xfrm>
-          <a:ln>
-            <a:headEnd type="none"/>
-            <a:tailEnd type="none"/>
-          </a:ln>
         </p:spPr>
         <p:txBody>
-          <a:bodyPr anchor="b" wrap="square"/>
+          <a:bodyPr anchor="b"/>
           <a:lstStyle>
             <a:lvl1pPr marL="0" indent="0">
               <a:buNone/>
-              <a:defRPr sz="2400" b="1" dirty="0"/>
+              <a:defRPr sz="2400" b="1"/>
             </a:lvl1pPr>
             <a:lvl2pPr marL="457200" indent="0">
               <a:buNone/>
-              <a:defRPr sz="2000" b="1" dirty="0"/>
+              <a:defRPr sz="2000" b="1"/>
             </a:lvl2pPr>
             <a:lvl3pPr marL="914400" indent="0">
               <a:buNone/>
-              <a:defRPr sz="1800" b="1" dirty="0"/>
+              <a:defRPr sz="1800" b="1"/>
             </a:lvl3pPr>
             <a:lvl4pPr marL="1371600" indent="0">
               <a:buNone/>
-              <a:defRPr sz="1600" b="1" dirty="0"/>
+              <a:defRPr sz="1600" b="1"/>
             </a:lvl4pPr>
             <a:lvl5pPr marL="1828800" indent="0">
               <a:buNone/>
-              <a:defRPr sz="1600" b="1" dirty="0"/>
+              <a:defRPr sz="1600" b="1"/>
             </a:lvl5pPr>
             <a:lvl6pPr marL="2286000" indent="0">
               <a:buNone/>
-              <a:defRPr sz="1600" b="1" dirty="0"/>
+              <a:defRPr sz="1600" b="1"/>
             </a:lvl6pPr>
             <a:lvl7pPr marL="2743200" indent="0">
               <a:buNone/>
-              <a:defRPr sz="1600" b="1" dirty="0"/>
+              <a:defRPr sz="1600" b="1"/>
             </a:lvl7pPr>
             <a:lvl8pPr marL="3200400" indent="0">
               <a:buNone/>
-              <a:defRPr sz="1600" b="1" dirty="0"/>
+              <a:defRPr sz="1600" b="1"/>
             </a:lvl8pPr>
             <a:lvl9pPr marL="3657600" indent="0">
               <a:buNone/>
-              <a:defRPr sz="1600" b="1" dirty="0"/>
+              <a:defRPr sz="1600" b="1"/>
             </a:lvl9pPr>
           </a:lstStyle>
           <a:p>
-            <a:pPr/>
-            <a:r>
-              <a:rPr lang="en-US" dirty="0"/>
+            <a:pPr lvl="0"/>
+            <a:r>
+              <a:rPr lang="en-US"/>
               <a:t>Edit Master text styles</a:t>
             </a:r>
           </a:p>
@@ -1682,7 +2761,13 @@
       </p:sp>
       <p:sp>
         <p:nvSpPr>
-          <p:cNvPr id="6" name="Content Placeholder 5"/>
+          <p:cNvPr id="6" name="Content Placeholder 5">
+            <a:extLst>
+              <a:ext uri="{FF2B5EF4-FFF2-40B4-BE49-F238E27FC236}">
+                <a16:creationId xmlns:a16="http://schemas.microsoft.com/office/drawing/2014/main" id="{28D4A927-7B61-40C1-92AB-688051757663}"/>
+              </a:ext>
+            </a:extLst>
+          </p:cNvPr>
           <p:cNvSpPr>
             <a:spLocks noGrp="1"/>
           </p:cNvSpPr>
@@ -1690,51 +2775,47 @@
             <p:ph sz="quarter" idx="4"/>
           </p:nvPr>
         </p:nvSpPr>
-        <p:spPr bwMode="white">
+        <p:spPr>
           <a:xfrm>
             <a:off x="6172200" y="2505075"/>
             <a:ext cx="5183188" cy="3684588"/>
           </a:xfrm>
-          <a:ln>
-            <a:headEnd type="none"/>
-            <a:tailEnd type="none"/>
-          </a:ln>
         </p:spPr>
         <p:txBody>
-          <a:bodyPr wrap="square"/>
+          <a:bodyPr/>
           <a:lstStyle/>
           <a:p>
-            <a:pPr/>
-            <a:r>
-              <a:rPr lang="en-US" dirty="0"/>
+            <a:pPr lvl="0"/>
+            <a:r>
+              <a:rPr lang="en-US"/>
               <a:t>Edit Master text styles</a:t>
             </a:r>
           </a:p>
           <a:p>
             <a:pPr lvl="1"/>
             <a:r>
-              <a:rPr lang="en-US" dirty="0"/>
+              <a:rPr lang="en-US"/>
               <a:t>Second level</a:t>
             </a:r>
           </a:p>
           <a:p>
             <a:pPr lvl="2"/>
             <a:r>
-              <a:rPr lang="en-US" dirty="0"/>
+              <a:rPr lang="en-US"/>
               <a:t>Third level</a:t>
             </a:r>
           </a:p>
           <a:p>
             <a:pPr lvl="3"/>
             <a:r>
-              <a:rPr lang="en-US" dirty="0"/>
+              <a:rPr lang="en-US"/>
               <a:t>Fourth level</a:t>
             </a:r>
           </a:p>
           <a:p>
             <a:pPr lvl="4"/>
             <a:r>
-              <a:rPr lang="en-US" dirty="0"/>
+              <a:rPr lang="en-US"/>
               <a:t>Fifth level</a:t>
             </a:r>
           </a:p>
@@ -1742,7 +2823,13 @@
       </p:sp>
       <p:sp>
         <p:nvSpPr>
-          <p:cNvPr id="7" name="Date Placeholder 6"/>
+          <p:cNvPr id="7" name="Date Placeholder 6">
+            <a:extLst>
+              <a:ext uri="{FF2B5EF4-FFF2-40B4-BE49-F238E27FC236}">
+                <a16:creationId xmlns:a16="http://schemas.microsoft.com/office/drawing/2014/main" id="{77AB97D1-5A3B-4059-815A-340FB824448A}"/>
+              </a:ext>
+            </a:extLst>
+          </p:cNvPr>
           <p:cNvSpPr>
             <a:spLocks noGrp="1"/>
           </p:cNvSpPr>
@@ -1750,28 +2837,28 @@
             <p:ph type="dt" sz="half" idx="10"/>
           </p:nvPr>
         </p:nvSpPr>
-        <p:spPr bwMode="white">
-          <a:ln>
-            <a:headEnd type="none"/>
-            <a:tailEnd type="none"/>
-          </a:ln>
-        </p:spPr>
+        <p:spPr/>
         <p:txBody>
-          <a:bodyPr wrap="square"/>
+          <a:bodyPr/>
           <a:lstStyle/>
           <a:p>
-            <a:pPr/>
             <a:fld id="{5455A7CF-DB6C-4325-93B5-8C3F06D80356}" type="datetimeFigureOut">
-              <a:rPr lang="en-US" dirty="0"/>
-              <a:t>25-Nov-22</a:t>
+              <a:rPr lang="en-US" smtClean="0"/>
+              <a:t>12/17/2024</a:t>
             </a:fld>
-            <a:endParaRPr lang="en-US" dirty="0"/>
+            <a:endParaRPr lang="en-US"/>
           </a:p>
         </p:txBody>
       </p:sp>
       <p:sp>
         <p:nvSpPr>
-          <p:cNvPr id="8" name="Footer Placeholder 7"/>
+          <p:cNvPr id="8" name="Footer Placeholder 7">
+            <a:extLst>
+              <a:ext uri="{FF2B5EF4-FFF2-40B4-BE49-F238E27FC236}">
+                <a16:creationId xmlns:a16="http://schemas.microsoft.com/office/drawing/2014/main" id="{B72DE78E-294B-446D-8474-6BA224D5B36E}"/>
+              </a:ext>
+            </a:extLst>
+          </p:cNvPr>
           <p:cNvSpPr>
             <a:spLocks noGrp="1"/>
           </p:cNvSpPr>
@@ -1779,24 +2866,24 @@
             <p:ph type="ftr" sz="quarter" idx="11"/>
           </p:nvPr>
         </p:nvSpPr>
-        <p:spPr bwMode="white">
-          <a:ln>
-            <a:headEnd type="none"/>
-            <a:tailEnd type="none"/>
-          </a:ln>
-        </p:spPr>
+        <p:spPr/>
         <p:txBody>
-          <a:bodyPr wrap="square"/>
+          <a:bodyPr/>
           <a:lstStyle/>
           <a:p>
-            <a:pPr/>
-            <a:endParaRPr lang="en-US" dirty="0"/>
+            <a:endParaRPr lang="en-US"/>
           </a:p>
         </p:txBody>
       </p:sp>
       <p:sp>
         <p:nvSpPr>
-          <p:cNvPr id="9" name="Slide Number Placeholder 8"/>
+          <p:cNvPr id="9" name="Slide Number Placeholder 8">
+            <a:extLst>
+              <a:ext uri="{FF2B5EF4-FFF2-40B4-BE49-F238E27FC236}">
+                <a16:creationId xmlns:a16="http://schemas.microsoft.com/office/drawing/2014/main" id="{EBC3293A-4FD6-4428-85E0-574DF5719A86}"/>
+              </a:ext>
+            </a:extLst>
+          </p:cNvPr>
           <p:cNvSpPr>
             <a:spLocks noGrp="1"/>
           </p:cNvSpPr>
@@ -1804,26 +2891,25 @@
             <p:ph type="sldNum" sz="quarter" idx="12"/>
           </p:nvPr>
         </p:nvSpPr>
-        <p:spPr bwMode="white">
-          <a:ln>
-            <a:headEnd type="none"/>
-            <a:tailEnd type="none"/>
-          </a:ln>
-        </p:spPr>
+        <p:spPr/>
         <p:txBody>
-          <a:bodyPr wrap="square"/>
+          <a:bodyPr/>
           <a:lstStyle/>
           <a:p>
-            <a:pPr/>
             <a:fld id="{24E76E65-7777-4C32-B153-6028045D6BD3}" type="slidenum">
-              <a:rPr lang="en-US" dirty="0"/>
+              <a:rPr lang="en-US" smtClean="0"/>
               <a:t>‹#›</a:t>
             </a:fld>
-            <a:endParaRPr lang="en-US" dirty="0"/>
+            <a:endParaRPr lang="en-US"/>
           </a:p>
         </p:txBody>
       </p:sp>
     </p:spTree>
+    <p:extLst>
+      <p:ext uri="{BB962C8B-B14F-4D97-AF65-F5344CB8AC3E}">
+        <p14:creationId xmlns:p14="http://schemas.microsoft.com/office/powerpoint/2010/main" val="1978228230"/>
+      </p:ext>
+    </p:extLst>
   </p:cSld>
   <p:clrMapOvr>
     <a:masterClrMapping/>
@@ -1832,7 +2918,7 @@
 </file>
 
 <file path=ppt/slideLayouts/slideLayout6.xml><?xml version="1.0" encoding="utf-8"?>
-<p:sldLayout xmlns:a="http://schemas.openxmlformats.org/drawingml/2006/main" xmlns:r="http://schemas.openxmlformats.org/officeDocument/2006/relationships" xmlns:p="http://schemas.openxmlformats.org/presentationml/2006/main">
+<p:sldLayout xmlns:a="http://schemas.openxmlformats.org/drawingml/2006/main" xmlns:r="http://schemas.openxmlformats.org/officeDocument/2006/relationships" xmlns:p="http://schemas.openxmlformats.org/presentationml/2006/main" type="titleOnly" preserve="1">
   <p:cSld name="Title Only">
     <p:spTree>
       <p:nvGrpSpPr>
@@ -1850,7 +2936,13 @@
       </p:grpSpPr>
       <p:sp>
         <p:nvSpPr>
-          <p:cNvPr id="2" name="Title 1"/>
+          <p:cNvPr id="2" name="Title 1">
+            <a:extLst>
+              <a:ext uri="{FF2B5EF4-FFF2-40B4-BE49-F238E27FC236}">
+                <a16:creationId xmlns:a16="http://schemas.microsoft.com/office/drawing/2014/main" id="{03521404-108D-4FCC-8492-ACE9DCF177A3}"/>
+              </a:ext>
+            </a:extLst>
+          </p:cNvPr>
           <p:cNvSpPr>
             <a:spLocks noGrp="1"/>
           </p:cNvSpPr>
@@ -1858,19 +2950,13 @@
             <p:ph type="title"/>
           </p:nvPr>
         </p:nvSpPr>
-        <p:spPr bwMode="white">
-          <a:ln>
-            <a:headEnd type="none"/>
-            <a:tailEnd type="none"/>
-          </a:ln>
-        </p:spPr>
+        <p:spPr/>
         <p:txBody>
-          <a:bodyPr wrap="square"/>
+          <a:bodyPr/>
           <a:lstStyle/>
           <a:p>
-            <a:pPr/>
-            <a:r>
-              <a:rPr lang="en-US" dirty="0"/>
+            <a:r>
+              <a:rPr lang="en-US"/>
               <a:t>Click to edit Master title style</a:t>
             </a:r>
           </a:p>
@@ -1878,7 +2964,13 @@
       </p:sp>
       <p:sp>
         <p:nvSpPr>
-          <p:cNvPr id="3" name="Date Placeholder 2"/>
+          <p:cNvPr id="3" name="Date Placeholder 2">
+            <a:extLst>
+              <a:ext uri="{FF2B5EF4-FFF2-40B4-BE49-F238E27FC236}">
+                <a16:creationId xmlns:a16="http://schemas.microsoft.com/office/drawing/2014/main" id="{7AFFD965-28FF-4929-B0DA-92C66945B932}"/>
+              </a:ext>
+            </a:extLst>
+          </p:cNvPr>
           <p:cNvSpPr>
             <a:spLocks noGrp="1"/>
           </p:cNvSpPr>
@@ -1886,28 +2978,28 @@
             <p:ph type="dt" sz="half" idx="10"/>
           </p:nvPr>
         </p:nvSpPr>
-        <p:spPr bwMode="white">
-          <a:ln>
-            <a:headEnd type="none"/>
-            <a:tailEnd type="none"/>
-          </a:ln>
-        </p:spPr>
+        <p:spPr/>
         <p:txBody>
-          <a:bodyPr wrap="square"/>
+          <a:bodyPr/>
           <a:lstStyle/>
           <a:p>
-            <a:pPr/>
             <a:fld id="{5455A7CF-DB6C-4325-93B5-8C3F06D80356}" type="datetimeFigureOut">
-              <a:rPr lang="en-US" dirty="0"/>
-              <a:t>25-Nov-22</a:t>
+              <a:rPr lang="en-US" smtClean="0"/>
+              <a:t>12/17/2024</a:t>
             </a:fld>
-            <a:endParaRPr lang="en-US" dirty="0"/>
+            <a:endParaRPr lang="en-US"/>
           </a:p>
         </p:txBody>
       </p:sp>
       <p:sp>
         <p:nvSpPr>
-          <p:cNvPr id="4" name="Footer Placeholder 3"/>
+          <p:cNvPr id="4" name="Footer Placeholder 3">
+            <a:extLst>
+              <a:ext uri="{FF2B5EF4-FFF2-40B4-BE49-F238E27FC236}">
+                <a16:creationId xmlns:a16="http://schemas.microsoft.com/office/drawing/2014/main" id="{16DAA5E0-83C1-4CF4-880B-2CF539CB7F10}"/>
+              </a:ext>
+            </a:extLst>
+          </p:cNvPr>
           <p:cNvSpPr>
             <a:spLocks noGrp="1"/>
           </p:cNvSpPr>
@@ -1915,24 +3007,24 @@
             <p:ph type="ftr" sz="quarter" idx="11"/>
           </p:nvPr>
         </p:nvSpPr>
-        <p:spPr bwMode="white">
-          <a:ln>
-            <a:headEnd type="none"/>
-            <a:tailEnd type="none"/>
-          </a:ln>
-        </p:spPr>
+        <p:spPr/>
         <p:txBody>
-          <a:bodyPr wrap="square"/>
+          <a:bodyPr/>
           <a:lstStyle/>
           <a:p>
-            <a:pPr/>
-            <a:endParaRPr lang="en-US" dirty="0"/>
+            <a:endParaRPr lang="en-US"/>
           </a:p>
         </p:txBody>
       </p:sp>
       <p:sp>
         <p:nvSpPr>
-          <p:cNvPr id="5" name="Slide Number Placeholder 4"/>
+          <p:cNvPr id="5" name="Slide Number Placeholder 4">
+            <a:extLst>
+              <a:ext uri="{FF2B5EF4-FFF2-40B4-BE49-F238E27FC236}">
+                <a16:creationId xmlns:a16="http://schemas.microsoft.com/office/drawing/2014/main" id="{DBAF3922-374B-4171-8BC5-F1E0F8421F58}"/>
+              </a:ext>
+            </a:extLst>
+          </p:cNvPr>
           <p:cNvSpPr>
             <a:spLocks noGrp="1"/>
           </p:cNvSpPr>
@@ -1940,26 +3032,25 @@
             <p:ph type="sldNum" sz="quarter" idx="12"/>
           </p:nvPr>
         </p:nvSpPr>
-        <p:spPr bwMode="white">
-          <a:ln>
-            <a:headEnd type="none"/>
-            <a:tailEnd type="none"/>
-          </a:ln>
-        </p:spPr>
+        <p:spPr/>
         <p:txBody>
-          <a:bodyPr wrap="square"/>
+          <a:bodyPr/>
           <a:lstStyle/>
           <a:p>
-            <a:pPr/>
             <a:fld id="{24E76E65-7777-4C32-B153-6028045D6BD3}" type="slidenum">
-              <a:rPr lang="en-US" dirty="0"/>
+              <a:rPr lang="en-US" smtClean="0"/>
               <a:t>‹#›</a:t>
             </a:fld>
-            <a:endParaRPr lang="en-US" dirty="0"/>
+            <a:endParaRPr lang="en-US"/>
           </a:p>
         </p:txBody>
       </p:sp>
     </p:spTree>
+    <p:extLst>
+      <p:ext uri="{BB962C8B-B14F-4D97-AF65-F5344CB8AC3E}">
+        <p14:creationId xmlns:p14="http://schemas.microsoft.com/office/powerpoint/2010/main" val="3607219534"/>
+      </p:ext>
+    </p:extLst>
   </p:cSld>
   <p:clrMapOvr>
     <a:masterClrMapping/>
@@ -1968,7 +3059,7 @@
 </file>
 
 <file path=ppt/slideLayouts/slideLayout7.xml><?xml version="1.0" encoding="utf-8"?>
-<p:sldLayout xmlns:a="http://schemas.openxmlformats.org/drawingml/2006/main" xmlns:r="http://schemas.openxmlformats.org/officeDocument/2006/relationships" xmlns:p="http://schemas.openxmlformats.org/presentationml/2006/main">
+<p:sldLayout xmlns:a="http://schemas.openxmlformats.org/drawingml/2006/main" xmlns:r="http://schemas.openxmlformats.org/officeDocument/2006/relationships" xmlns:p="http://schemas.openxmlformats.org/presentationml/2006/main" type="blank" preserve="1">
   <p:cSld name="Blank">
     <p:spTree>
       <p:nvGrpSpPr>
@@ -1986,7 +3077,13 @@
       </p:grpSpPr>
       <p:sp>
         <p:nvSpPr>
-          <p:cNvPr id="2" name="Date Placeholder 1"/>
+          <p:cNvPr id="2" name="Date Placeholder 1">
+            <a:extLst>
+              <a:ext uri="{FF2B5EF4-FFF2-40B4-BE49-F238E27FC236}">
+                <a16:creationId xmlns:a16="http://schemas.microsoft.com/office/drawing/2014/main" id="{FBAB476E-AC05-47E6-A12F-24C0D753CF12}"/>
+              </a:ext>
+            </a:extLst>
+          </p:cNvPr>
           <p:cNvSpPr>
             <a:spLocks noGrp="1"/>
           </p:cNvSpPr>
@@ -1994,28 +3091,28 @@
             <p:ph type="dt" sz="half" idx="10"/>
           </p:nvPr>
         </p:nvSpPr>
-        <p:spPr bwMode="white">
-          <a:ln>
-            <a:headEnd type="none"/>
-            <a:tailEnd type="none"/>
-          </a:ln>
-        </p:spPr>
+        <p:spPr/>
         <p:txBody>
-          <a:bodyPr wrap="square"/>
+          <a:bodyPr/>
           <a:lstStyle/>
           <a:p>
-            <a:pPr/>
             <a:fld id="{5455A7CF-DB6C-4325-93B5-8C3F06D80356}" type="datetimeFigureOut">
-              <a:rPr lang="en-US" dirty="0"/>
-              <a:t>25-Nov-22</a:t>
+              <a:rPr lang="en-US" smtClean="0"/>
+              <a:t>12/17/2024</a:t>
             </a:fld>
-            <a:endParaRPr lang="en-US" dirty="0"/>
+            <a:endParaRPr lang="en-US"/>
           </a:p>
         </p:txBody>
       </p:sp>
       <p:sp>
         <p:nvSpPr>
-          <p:cNvPr id="3" name="Footer Placeholder 2"/>
+          <p:cNvPr id="3" name="Footer Placeholder 2">
+            <a:extLst>
+              <a:ext uri="{FF2B5EF4-FFF2-40B4-BE49-F238E27FC236}">
+                <a16:creationId xmlns:a16="http://schemas.microsoft.com/office/drawing/2014/main" id="{63C97C91-D4AD-4F7E-B19C-A36AC68BCE86}"/>
+              </a:ext>
+            </a:extLst>
+          </p:cNvPr>
           <p:cNvSpPr>
             <a:spLocks noGrp="1"/>
           </p:cNvSpPr>
@@ -2023,24 +3120,24 @@
             <p:ph type="ftr" sz="quarter" idx="11"/>
           </p:nvPr>
         </p:nvSpPr>
-        <p:spPr bwMode="white">
-          <a:ln>
-            <a:headEnd type="none"/>
-            <a:tailEnd type="none"/>
-          </a:ln>
-        </p:spPr>
+        <p:spPr/>
         <p:txBody>
-          <a:bodyPr wrap="square"/>
+          <a:bodyPr/>
           <a:lstStyle/>
           <a:p>
-            <a:pPr/>
-            <a:endParaRPr lang="en-US" dirty="0"/>
+            <a:endParaRPr lang="en-US"/>
           </a:p>
         </p:txBody>
       </p:sp>
       <p:sp>
         <p:nvSpPr>
-          <p:cNvPr id="4" name="Slide Number Placeholder 3"/>
+          <p:cNvPr id="4" name="Slide Number Placeholder 3">
+            <a:extLst>
+              <a:ext uri="{FF2B5EF4-FFF2-40B4-BE49-F238E27FC236}">
+                <a16:creationId xmlns:a16="http://schemas.microsoft.com/office/drawing/2014/main" id="{9F2E8A34-EE4E-4307-B20A-F719CBC3FB1F}"/>
+              </a:ext>
+            </a:extLst>
+          </p:cNvPr>
           <p:cNvSpPr>
             <a:spLocks noGrp="1"/>
           </p:cNvSpPr>
@@ -2048,26 +3145,25 @@
             <p:ph type="sldNum" sz="quarter" idx="12"/>
           </p:nvPr>
         </p:nvSpPr>
-        <p:spPr bwMode="white">
-          <a:ln>
-            <a:headEnd type="none"/>
-            <a:tailEnd type="none"/>
-          </a:ln>
-        </p:spPr>
+        <p:spPr/>
         <p:txBody>
-          <a:bodyPr wrap="square"/>
+          <a:bodyPr/>
           <a:lstStyle/>
           <a:p>
-            <a:pPr/>
             <a:fld id="{24E76E65-7777-4C32-B153-6028045D6BD3}" type="slidenum">
-              <a:rPr lang="en-US" dirty="0"/>
+              <a:rPr lang="en-US" smtClean="0"/>
               <a:t>‹#›</a:t>
             </a:fld>
-            <a:endParaRPr lang="en-US" dirty="0"/>
+            <a:endParaRPr lang="en-US"/>
           </a:p>
         </p:txBody>
       </p:sp>
     </p:spTree>
+    <p:extLst>
+      <p:ext uri="{BB962C8B-B14F-4D97-AF65-F5344CB8AC3E}">
+        <p14:creationId xmlns:p14="http://schemas.microsoft.com/office/powerpoint/2010/main" val="682592777"/>
+      </p:ext>
+    </p:extLst>
   </p:cSld>
   <p:clrMapOvr>
     <a:masterClrMapping/>
@@ -2076,7 +3172,7 @@
 </file>
 
 <file path=ppt/slideLayouts/slideLayout8.xml><?xml version="1.0" encoding="utf-8"?>
-<p:sldLayout xmlns:a="http://schemas.openxmlformats.org/drawingml/2006/main" xmlns:r="http://schemas.openxmlformats.org/officeDocument/2006/relationships" xmlns:p="http://schemas.openxmlformats.org/presentationml/2006/main">
+<p:sldLayout xmlns:a="http://schemas.openxmlformats.org/drawingml/2006/main" xmlns:r="http://schemas.openxmlformats.org/officeDocument/2006/relationships" xmlns:p="http://schemas.openxmlformats.org/presentationml/2006/main" type="objTx" preserve="1">
   <p:cSld name="Content with Caption">
     <p:spTree>
       <p:nvGrpSpPr>
@@ -2094,7 +3190,13 @@
       </p:grpSpPr>
       <p:sp>
         <p:nvSpPr>
-          <p:cNvPr id="2" name="Title 1"/>
+          <p:cNvPr id="2" name="Title 1">
+            <a:extLst>
+              <a:ext uri="{FF2B5EF4-FFF2-40B4-BE49-F238E27FC236}">
+                <a16:creationId xmlns:a16="http://schemas.microsoft.com/office/drawing/2014/main" id="{A0E73019-6048-4EF1-8E67-3302EF95BF88}"/>
+              </a:ext>
+            </a:extLst>
+          </p:cNvPr>
           <p:cNvSpPr>
             <a:spLocks noGrp="1"/>
           </p:cNvSpPr>
@@ -2102,27 +3204,22 @@
             <p:ph type="title"/>
           </p:nvPr>
         </p:nvSpPr>
-        <p:spPr bwMode="white">
+        <p:spPr>
           <a:xfrm>
             <a:off x="839788" y="457200"/>
             <a:ext cx="3932237" cy="1600200"/>
           </a:xfrm>
-          <a:ln>
-            <a:headEnd type="none"/>
-            <a:tailEnd type="none"/>
-          </a:ln>
         </p:spPr>
         <p:txBody>
-          <a:bodyPr anchor="b" wrap="square"/>
+          <a:bodyPr anchor="b"/>
           <a:lstStyle>
             <a:lvl1pPr>
-              <a:defRPr sz="3200" dirty="0"/>
+              <a:defRPr sz="3200"/>
             </a:lvl1pPr>
           </a:lstStyle>
           <a:p>
-            <a:pPr/>
-            <a:r>
-              <a:rPr lang="en-US" dirty="0"/>
+            <a:r>
+              <a:rPr lang="en-US"/>
               <a:t>Click to edit Master title style</a:t>
             </a:r>
           </a:p>
@@ -2130,7 +3227,13 @@
       </p:sp>
       <p:sp>
         <p:nvSpPr>
-          <p:cNvPr id="3" name="Content Placeholder 2"/>
+          <p:cNvPr id="3" name="Content Placeholder 2">
+            <a:extLst>
+              <a:ext uri="{FF2B5EF4-FFF2-40B4-BE49-F238E27FC236}">
+                <a16:creationId xmlns:a16="http://schemas.microsoft.com/office/drawing/2014/main" id="{FDEAC829-6F62-4C5B-A4FE-88D795CAC2F0}"/>
+              </a:ext>
+            </a:extLst>
+          </p:cNvPr>
           <p:cNvSpPr>
             <a:spLocks noGrp="1"/>
           </p:cNvSpPr>
@@ -2138,79 +3241,75 @@
             <p:ph idx="1"/>
           </p:nvPr>
         </p:nvSpPr>
-        <p:spPr bwMode="white">
+        <p:spPr>
           <a:xfrm>
             <a:off x="5183188" y="987425"/>
             <a:ext cx="6172200" cy="4873625"/>
           </a:xfrm>
-          <a:ln>
-            <a:headEnd type="none"/>
-            <a:tailEnd type="none"/>
-          </a:ln>
         </p:spPr>
         <p:txBody>
-          <a:bodyPr wrap="square"/>
+          <a:bodyPr/>
           <a:lstStyle>
             <a:lvl1pPr>
-              <a:defRPr sz="3200" dirty="0"/>
+              <a:defRPr sz="3200"/>
             </a:lvl1pPr>
             <a:lvl2pPr>
-              <a:defRPr sz="2800" dirty="0"/>
+              <a:defRPr sz="2800"/>
             </a:lvl2pPr>
             <a:lvl3pPr>
-              <a:defRPr sz="2400" dirty="0"/>
+              <a:defRPr sz="2400"/>
             </a:lvl3pPr>
             <a:lvl4pPr>
-              <a:defRPr sz="2000" dirty="0"/>
+              <a:defRPr sz="2000"/>
             </a:lvl4pPr>
             <a:lvl5pPr>
-              <a:defRPr sz="2000" dirty="0"/>
+              <a:defRPr sz="2000"/>
             </a:lvl5pPr>
             <a:lvl6pPr>
-              <a:defRPr sz="2000" dirty="0"/>
+              <a:defRPr sz="2000"/>
             </a:lvl6pPr>
             <a:lvl7pPr>
-              <a:defRPr sz="2000" dirty="0"/>
+              <a:defRPr sz="2000"/>
             </a:lvl7pPr>
             <a:lvl8pPr>
-              <a:defRPr sz="2000" dirty="0"/>
+              <a:defRPr sz="2000"/>
             </a:lvl8pPr>
             <a:lvl9pPr>
-              <a:defRPr sz="2000" dirty="0"/>
+              <a:defRPr sz="2000"/>
             </a:lvl9pPr>
           </a:lstStyle>
           <a:p>
-            <a:pPr/>
-            <a:r>
-              <a:rPr lang="en-US" dirty="0"/>
+            <a:pPr lvl="0"/>
+            <a:r>
+              <a:rPr lang="en-US"/>
               <a:t>Edit Master text styles</a:t>
             </a:r>
           </a:p>
           <a:p>
             <a:pPr lvl="1"/>
             <a:r>
-              <a:rPr lang="en-US" dirty="0"/>
+              <a:rPr lang="en-US"/>
               <a:t>Second level</a:t>
             </a:r>
           </a:p>
           <a:p>
             <a:pPr lvl="2"/>
             <a:r>
-              <a:rPr lang="en-US" dirty="0"/>
+              <a:rPr lang="en-US"/>
               <a:t>Third level</a:t>
             </a:r>
           </a:p>
           <a:p>
             <a:pPr lvl="3"/>
             <a:r>
-              <a:rPr lang="en-US" dirty="0"/>
+              <a:rPr lang="en-US"/>
               <a:t>Fourth level</a:t>
             </a:r>
           </a:p>
           <a:p>
             <a:pPr lvl="4"/>
             <a:r>
-              <a:rPr lang="en-US" dirty="0"/>
+              <a:rPr lang="en-US"/>
               <a:t>Fifth level</a:t>
             </a:r>
           </a:p>
@@ -2218,7 +3317,13 @@
       </p:sp>
       <p:sp>
         <p:nvSpPr>
-          <p:cNvPr id="4" name="Text Placeholder 3"/>
+          <p:cNvPr id="4" name="Text Placeholder 3">
+            <a:extLst>
+              <a:ext uri="{FF2B5EF4-FFF2-40B4-BE49-F238E27FC236}">
+                <a16:creationId xmlns:a16="http://schemas.microsoft.com/office/drawing/2014/main" id="{B37B1730-5CED-46AB-8AF2-3560B72661EE}"/>
+              </a:ext>
+            </a:extLst>
+          </p:cNvPr>
           <p:cNvSpPr>
             <a:spLocks noGrp="1"/>
           </p:cNvSpPr>
@@ -2226,60 +3331,56 @@
             <p:ph type="body" sz="half" idx="2"/>
           </p:nvPr>
         </p:nvSpPr>
-        <p:spPr bwMode="white">
+        <p:spPr>
           <a:xfrm>
             <a:off x="839788" y="2057400"/>
             <a:ext cx="3932237" cy="3811588"/>
           </a:xfrm>
-          <a:ln>
-            <a:headEnd type="none"/>
-            <a:tailEnd type="none"/>
-          </a:ln>
         </p:spPr>
         <p:txBody>
-          <a:bodyPr wrap="square"/>
+          <a:bodyPr/>
           <a:lstStyle>
             <a:lvl1pPr marL="0" indent="0">
               <a:buNone/>
-              <a:defRPr sz="1600" dirty="0"/>
+              <a:defRPr sz="1600"/>
             </a:lvl1pPr>
             <a:lvl2pPr marL="457200" indent="0">
               <a:buNone/>
-              <a:defRPr sz="1400" dirty="0"/>
+              <a:defRPr sz="1400"/>
             </a:lvl2pPr>
             <a:lvl3pPr marL="914400" indent="0">
               <a:buNone/>
-              <a:defRPr sz="1200" dirty="0"/>
+              <a:defRPr sz="1200"/>
             </a:lvl3pPr>
             <a:lvl4pPr marL="1371600" indent="0">
               <a:buNone/>
-              <a:defRPr sz="1000" dirty="0"/>
+              <a:defRPr sz="1000"/>
             </a:lvl4pPr>
             <a:lvl5pPr marL="1828800" indent="0">
               <a:buNone/>
-              <a:defRPr sz="1000" dirty="0"/>
+              <a:defRPr sz="1000"/>
             </a:lvl5pPr>
             <a:lvl6pPr marL="2286000" indent="0">
               <a:buNone/>
-              <a:defRPr sz="1000" dirty="0"/>
+              <a:defRPr sz="1000"/>
             </a:lvl6pPr>
             <a:lvl7pPr marL="2743200" indent="0">
               <a:buNone/>
-              <a:defRPr sz="1000" dirty="0"/>
+              <a:defRPr sz="1000"/>
             </a:lvl7pPr>
             <a:lvl8pPr marL="3200400" indent="0">
               <a:buNone/>
-              <a:defRPr sz="1000" dirty="0"/>
+              <a:defRPr sz="1000"/>
             </a:lvl8pPr>
             <a:lvl9pPr marL="3657600" indent="0">
               <a:buNone/>
-              <a:defRPr sz="1000" dirty="0"/>
+              <a:defRPr sz="1000"/>
             </a:lvl9pPr>
           </a:lstStyle>
           <a:p>
-            <a:pPr/>
-            <a:r>
-              <a:rPr lang="en-US" dirty="0"/>
+            <a:pPr lvl="0"/>
+            <a:r>
+              <a:rPr lang="en-US"/>
               <a:t>Edit Master text styles</a:t>
             </a:r>
           </a:p>
@@ -2287,7 +3388,13 @@
       </p:sp>
       <p:sp>
         <p:nvSpPr>
-          <p:cNvPr id="5" name="Date Placeholder 4"/>
+          <p:cNvPr id="5" name="Date Placeholder 4">
+            <a:extLst>
+              <a:ext uri="{FF2B5EF4-FFF2-40B4-BE49-F238E27FC236}">
+                <a16:creationId xmlns:a16="http://schemas.microsoft.com/office/drawing/2014/main" id="{817798A2-8D49-4C9C-8CB7-5367A10AB5B7}"/>
+              </a:ext>
+            </a:extLst>
+          </p:cNvPr>
           <p:cNvSpPr>
             <a:spLocks noGrp="1"/>
           </p:cNvSpPr>
@@ -2295,28 +3402,28 @@
             <p:ph type="dt" sz="half" idx="10"/>
           </p:nvPr>
         </p:nvSpPr>
-        <p:spPr bwMode="white">
-          <a:ln>
-            <a:headEnd type="none"/>
-            <a:tailEnd type="none"/>
-          </a:ln>
-        </p:spPr>
+        <p:spPr/>
         <p:txBody>
-          <a:bodyPr wrap="square"/>
+          <a:bodyPr/>
           <a:lstStyle/>
           <a:p>
-            <a:pPr/>
             <a:fld id="{5455A7CF-DB6C-4325-93B5-8C3F06D80356}" type="datetimeFigureOut">
-              <a:rPr lang="en-US" dirty="0"/>
-              <a:t>25-Nov-22</a:t>
+              <a:rPr lang="en-US" smtClean="0"/>
+              <a:t>12/17/2024</a:t>
             </a:fld>
-            <a:endParaRPr lang="en-US" dirty="0"/>
+            <a:endParaRPr lang="en-US"/>
           </a:p>
         </p:txBody>
       </p:sp>
       <p:sp>
         <p:nvSpPr>
-          <p:cNvPr id="6" name="Footer Placeholder 5"/>
+          <p:cNvPr id="6" name="Footer Placeholder 5">
+            <a:extLst>
+              <a:ext uri="{FF2B5EF4-FFF2-40B4-BE49-F238E27FC236}">
+                <a16:creationId xmlns:a16="http://schemas.microsoft.com/office/drawing/2014/main" id="{7C709CD0-EF6C-41C7-B9BA-9FC337BD76EC}"/>
+              </a:ext>
+            </a:extLst>
+          </p:cNvPr>
           <p:cNvSpPr>
             <a:spLocks noGrp="1"/>
           </p:cNvSpPr>
@@ -2324,24 +3431,24 @@
             <p:ph type="ftr" sz="quarter" idx="11"/>
           </p:nvPr>
         </p:nvSpPr>
-        <p:spPr bwMode="white">
-          <a:ln>
-            <a:headEnd type="none"/>
-            <a:tailEnd type="none"/>
-          </a:ln>
-        </p:spPr>
+        <p:spPr/>
         <p:txBody>
-          <a:bodyPr wrap="square"/>
+          <a:bodyPr/>
           <a:lstStyle/>
           <a:p>
-            <a:pPr/>
-            <a:endParaRPr lang="en-US" dirty="0"/>
+            <a:endParaRPr lang="en-US"/>
           </a:p>
         </p:txBody>
       </p:sp>
       <p:sp>
         <p:nvSpPr>
-          <p:cNvPr id="7" name="Slide Number Placeholder 6"/>
+          <p:cNvPr id="7" name="Slide Number Placeholder 6">
+            <a:extLst>
+              <a:ext uri="{FF2B5EF4-FFF2-40B4-BE49-F238E27FC236}">
+                <a16:creationId xmlns:a16="http://schemas.microsoft.com/office/drawing/2014/main" id="{A34E108C-CC43-4553-B063-33D1C360EC5A}"/>
+              </a:ext>
+            </a:extLst>
+          </p:cNvPr>
           <p:cNvSpPr>
             <a:spLocks noGrp="1"/>
           </p:cNvSpPr>
@@ -2349,26 +3456,25 @@
             <p:ph type="sldNum" sz="quarter" idx="12"/>
           </p:nvPr>
         </p:nvSpPr>
-        <p:spPr bwMode="white">
-          <a:ln>
-            <a:headEnd type="none"/>
-            <a:tailEnd type="none"/>
-          </a:ln>
-        </p:spPr>
+        <p:spPr/>
         <p:txBody>
-          <a:bodyPr wrap="square"/>
+          <a:bodyPr/>
           <a:lstStyle/>
           <a:p>
-            <a:pPr/>
             <a:fld id="{24E76E65-7777-4C32-B153-6028045D6BD3}" type="slidenum">
-              <a:rPr lang="en-US" dirty="0"/>
+              <a:rPr lang="en-US" smtClean="0"/>
               <a:t>‹#›</a:t>
             </a:fld>
-            <a:endParaRPr lang="en-US" dirty="0"/>
+            <a:endParaRPr lang="en-US"/>
           </a:p>
         </p:txBody>
       </p:sp>
     </p:spTree>
+    <p:extLst>
+      <p:ext uri="{BB962C8B-B14F-4D97-AF65-F5344CB8AC3E}">
+        <p14:creationId xmlns:p14="http://schemas.microsoft.com/office/powerpoint/2010/main" val="822060622"/>
+      </p:ext>
+    </p:extLst>
   </p:cSld>
   <p:clrMapOvr>
     <a:masterClrMapping/>
@@ -2377,7 +3483,7 @@
 </file>
 
 <file path=ppt/slideLayouts/slideLayout9.xml><?xml version="1.0" encoding="utf-8"?>
-<p:sldLayout xmlns:a="http://schemas.openxmlformats.org/drawingml/2006/main" xmlns:r="http://schemas.openxmlformats.org/officeDocument/2006/relationships" xmlns:p="http://schemas.openxmlformats.org/presentationml/2006/main">
+<p:sldLayout xmlns:a="http://schemas.openxmlformats.org/drawingml/2006/main" xmlns:r="http://schemas.openxmlformats.org/officeDocument/2006/relationships" xmlns:p="http://schemas.openxmlformats.org/presentationml/2006/main" type="picTx" preserve="1">
   <p:cSld name="Picture with Caption">
     <p:spTree>
       <p:nvGrpSpPr>
@@ -2395,7 +3501,13 @@
       </p:grpSpPr>
       <p:sp>
         <p:nvSpPr>
-          <p:cNvPr id="2" name="Title 1"/>
+          <p:cNvPr id="2" name="Title 1">
+            <a:extLst>
+              <a:ext uri="{FF2B5EF4-FFF2-40B4-BE49-F238E27FC236}">
+                <a16:creationId xmlns:a16="http://schemas.microsoft.com/office/drawing/2014/main" id="{E482A4BF-7EBD-4087-A800-77CFD938AE50}"/>
+              </a:ext>
+            </a:extLst>
+          </p:cNvPr>
           <p:cNvSpPr>
             <a:spLocks noGrp="1"/>
           </p:cNvSpPr>
@@ -2403,27 +3515,22 @@
             <p:ph type="title"/>
           </p:nvPr>
         </p:nvSpPr>
-        <p:spPr bwMode="white">
+        <p:spPr>
           <a:xfrm>
             <a:off x="839788" y="457200"/>
             <a:ext cx="3932237" cy="1600200"/>
           </a:xfrm>
-          <a:ln>
-            <a:headEnd type="none"/>
-            <a:tailEnd type="none"/>
-          </a:ln>
         </p:spPr>
         <p:txBody>
-          <a:bodyPr anchor="b" wrap="square"/>
+          <a:bodyPr anchor="b"/>
           <a:lstStyle>
             <a:lvl1pPr>
-              <a:defRPr sz="3200" dirty="0"/>
+              <a:defRPr sz="3200"/>
             </a:lvl1pPr>
           </a:lstStyle>
           <a:p>
-            <a:pPr/>
-            <a:r>
-              <a:rPr lang="en-US" dirty="0"/>
+            <a:r>
+              <a:rPr lang="en-US"/>
               <a:t>Click to edit Master title style</a:t>
             </a:r>
           </a:p>
@@ -2431,7 +3538,13 @@
       </p:sp>
       <p:sp>
         <p:nvSpPr>
-          <p:cNvPr id="3" name="Picture Placeholder 2"/>
+          <p:cNvPr id="3" name="Picture Placeholder 2">
+            <a:extLst>
+              <a:ext uri="{FF2B5EF4-FFF2-40B4-BE49-F238E27FC236}">
+                <a16:creationId xmlns:a16="http://schemas.microsoft.com/office/drawing/2014/main" id="{8A2AE39C-E7E5-4536-968C-65137F387DC9}"/>
+              </a:ext>
+            </a:extLst>
+          </p:cNvPr>
           <p:cNvSpPr>
             <a:spLocks noGrp="1"/>
           </p:cNvSpPr>
@@ -2439,65 +3552,66 @@
             <p:ph type="pic" idx="1"/>
           </p:nvPr>
         </p:nvSpPr>
-        <p:spPr bwMode="white">
+        <p:spPr>
           <a:xfrm>
             <a:off x="5183188" y="987425"/>
             <a:ext cx="6172200" cy="4873625"/>
           </a:xfrm>
-          <a:ln>
-            <a:headEnd type="none"/>
-            <a:tailEnd type="none"/>
-          </a:ln>
         </p:spPr>
         <p:txBody>
-          <a:bodyPr wrap="square"/>
+          <a:bodyPr/>
           <a:lstStyle>
             <a:lvl1pPr marL="0" indent="0">
               <a:buNone/>
-              <a:defRPr sz="3200" dirty="0"/>
+              <a:defRPr sz="3200"/>
             </a:lvl1pPr>
             <a:lvl2pPr marL="457200" indent="0">
               <a:buNone/>
-              <a:defRPr sz="2800" dirty="0"/>
+              <a:defRPr sz="2800"/>
             </a:lvl2pPr>
             <a:lvl3pPr marL="914400" indent="0">
               <a:buNone/>
-              <a:defRPr sz="2400" dirty="0"/>
+              <a:defRPr sz="2400"/>
             </a:lvl3pPr>
             <a:lvl4pPr marL="1371600" indent="0">
               <a:buNone/>
-              <a:defRPr sz="2000" dirty="0"/>
+              <a:defRPr sz="2000"/>
             </a:lvl4pPr>
             <a:lvl5pPr marL="1828800" indent="0">
               <a:buNone/>
-              <a:defRPr sz="2000" dirty="0"/>
+              <a:defRPr sz="2000"/>
             </a:lvl5pPr>
             <a:lvl6pPr marL="2286000" indent="0">
               <a:buNone/>
-              <a:defRPr sz="2000" dirty="0"/>
+              <a:defRPr sz="2000"/>
             </a:lvl6pPr>
             <a:lvl7pPr marL="2743200" indent="0">
               <a:buNone/>
-              <a:defRPr sz="2000" dirty="0"/>
+              <a:defRPr sz="2000"/>
             </a:lvl7pPr>
             <a:lvl8pPr marL="3200400" indent="0">
               <a:buNone/>
-              <a:defRPr sz="2000" dirty="0"/>
+              <a:defRPr sz="2000"/>
             </a:lvl8pPr>
             <a:lvl9pPr marL="3657600" indent="0">
               <a:buNone/>
-              <a:defRPr sz="2000" dirty="0"/>
+              <a:defRPr sz="2000"/>
             </a:lvl9pPr>
           </a:lstStyle>
           <a:p>
-            <a:pPr/>
-            <a:endParaRPr lang="en-US" dirty="0"/>
+            <a:endParaRPr lang="en-US"/>
           </a:p>
         </p:txBody>
       </p:sp>
       <p:sp>
         <p:nvSpPr>
-          <p:cNvPr id="4" name="Text Placeholder 3"/>
+          <p:cNvPr id="4" name="Text Placeholder 3">
+            <a:extLst>
+              <a:ext uri="{FF2B5EF4-FFF2-40B4-BE49-F238E27FC236}">
+                <a16:creationId xmlns:a16="http://schemas.microsoft.com/office/drawing/2014/main" id="{096C026E-0017-4FFD-BB30-78C5416B2316}"/>
+              </a:ext>
+            </a:extLst>
+          </p:cNvPr>
           <p:cNvSpPr>
             <a:spLocks noGrp="1"/>
           </p:cNvSpPr>
@@ -2505,60 +3619,56 @@
             <p:ph type="body" sz="half" idx="2"/>
           </p:nvPr>
         </p:nvSpPr>
-        <p:spPr bwMode="white">
+        <p:spPr>
           <a:xfrm>
             <a:off x="839788" y="2057400"/>
             <a:ext cx="3932237" cy="3811588"/>
           </a:xfrm>
-          <a:ln>
-            <a:headEnd type="none"/>
-            <a:tailEnd type="none"/>
-          </a:ln>
         </p:spPr>
         <p:txBody>
-          <a:bodyPr wrap="square"/>
+          <a:bodyPr/>
           <a:lstStyle>
             <a:lvl1pPr marL="0" indent="0">
               <a:buNone/>
-              <a:defRPr sz="1600" dirty="0"/>
+              <a:defRPr sz="1600"/>
             </a:lvl1pPr>
             <a:lvl2pPr marL="457200" indent="0">
               <a:buNone/>
-              <a:defRPr sz="1400" dirty="0"/>
+              <a:defRPr sz="1400"/>
             </a:lvl2pPr>
             <a:lvl3pPr marL="914400" indent="0">
               <a:buNone/>
-              <a:defRPr sz="1200" dirty="0"/>
+              <a:defRPr sz="1200"/>
             </a:lvl3pPr>
             <a:lvl4pPr marL="1371600" indent="0">
               <a:buNone/>
-              <a:defRPr sz="1000" dirty="0"/>
+              <a:defRPr sz="1000"/>
             </a:lvl4pPr>
             <a:lvl5pPr marL="1828800" indent="0">
               <a:buNone/>
-              <a:defRPr sz="1000" dirty="0"/>
+              <a:defRPr sz="1000"/>
             </a:lvl5pPr>
             <a:lvl6pPr marL="2286000" indent="0">
               <a:buNone/>
-              <a:defRPr sz="1000" dirty="0"/>
+              <a:defRPr sz="1000"/>
             </a:lvl6pPr>
             <a:lvl7pPr marL="2743200" indent="0">
               <a:buNone/>
-              <a:defRPr sz="1000" dirty="0"/>
+              <a:defRPr sz="1000"/>
             </a:lvl7pPr>
             <a:lvl8pPr marL="3200400" indent="0">
               <a:buNone/>
-              <a:defRPr sz="1000" dirty="0"/>
+              <a:defRPr sz="1000"/>
             </a:lvl8pPr>
             <a:lvl9pPr marL="3657600" indent="0">
               <a:buNone/>
-              <a:defRPr sz="1000" dirty="0"/>
+              <a:defRPr sz="1000"/>
             </a:lvl9pPr>
           </a:lstStyle>
           <a:p>
-            <a:pPr/>
-            <a:r>
-              <a:rPr lang="en-US" dirty="0"/>
+            <a:pPr lvl="0"/>
+            <a:r>
+              <a:rPr lang="en-US"/>
               <a:t>Edit Master text styles</a:t>
             </a:r>
           </a:p>
@@ -2566,7 +3676,13 @@
       </p:sp>
       <p:sp>
         <p:nvSpPr>
-          <p:cNvPr id="5" name="Date Placeholder 4"/>
+          <p:cNvPr id="5" name="Date Placeholder 4">
+            <a:extLst>
+              <a:ext uri="{FF2B5EF4-FFF2-40B4-BE49-F238E27FC236}">
+                <a16:creationId xmlns:a16="http://schemas.microsoft.com/office/drawing/2014/main" id="{96C98FE5-8A1C-4192-984C-C18B093CADF6}"/>
+              </a:ext>
+            </a:extLst>
+          </p:cNvPr>
           <p:cNvSpPr>
             <a:spLocks noGrp="1"/>
           </p:cNvSpPr>
@@ -2574,28 +3690,28 @@
             <p:ph type="dt" sz="half" idx="10"/>
           </p:nvPr>
         </p:nvSpPr>
-        <p:spPr bwMode="white">
-          <a:ln>
-            <a:headEnd type="none"/>
-            <a:tailEnd type="none"/>
-          </a:ln>
-        </p:spPr>
+        <p:spPr/>
         <p:txBody>
-          <a:bodyPr wrap="square"/>
+          <a:bodyPr/>
           <a:lstStyle/>
           <a:p>
-            <a:pPr/>
             <a:fld id="{5455A7CF-DB6C-4325-93B5-8C3F06D80356}" type="datetimeFigureOut">
-              <a:rPr lang="en-US" dirty="0"/>
-              <a:t>25-Nov-22</a:t>
+              <a:rPr lang="en-US" smtClean="0"/>
+              <a:t>12/17/2024</a:t>
             </a:fld>
-            <a:endParaRPr lang="en-US" dirty="0"/>
+            <a:endParaRPr lang="en-US"/>
           </a:p>
         </p:txBody>
       </p:sp>
       <p:sp>
         <p:nvSpPr>
-          <p:cNvPr id="6" name="Footer Placeholder 5"/>
+          <p:cNvPr id="6" name="Footer Placeholder 5">
+            <a:extLst>
+              <a:ext uri="{FF2B5EF4-FFF2-40B4-BE49-F238E27FC236}">
+                <a16:creationId xmlns:a16="http://schemas.microsoft.com/office/drawing/2014/main" id="{6E25DD6C-2A37-4709-B29A-446A57181981}"/>
+              </a:ext>
+            </a:extLst>
+          </p:cNvPr>
           <p:cNvSpPr>
             <a:spLocks noGrp="1"/>
           </p:cNvSpPr>
@@ -2603,24 +3719,24 @@
             <p:ph type="ftr" sz="quarter" idx="11"/>
           </p:nvPr>
         </p:nvSpPr>
-        <p:spPr bwMode="white">
-          <a:ln>
-            <a:headEnd type="none"/>
-            <a:tailEnd type="none"/>
-          </a:ln>
-        </p:spPr>
+        <p:spPr/>
         <p:txBody>
-          <a:bodyPr wrap="square"/>
+          <a:bodyPr/>
           <a:lstStyle/>
           <a:p>
-            <a:pPr/>
-            <a:endParaRPr lang="en-US" dirty="0"/>
+            <a:endParaRPr lang="en-US"/>
           </a:p>
         </p:txBody>
       </p:sp>
       <p:sp>
         <p:nvSpPr>
-          <p:cNvPr id="7" name="Slide Number Placeholder 6"/>
+          <p:cNvPr id="7" name="Slide Number Placeholder 6">
+            <a:extLst>
+              <a:ext uri="{FF2B5EF4-FFF2-40B4-BE49-F238E27FC236}">
+                <a16:creationId xmlns:a16="http://schemas.microsoft.com/office/drawing/2014/main" id="{0256A181-3C79-475A-8A12-7267413561EB}"/>
+              </a:ext>
+            </a:extLst>
+          </p:cNvPr>
           <p:cNvSpPr>
             <a:spLocks noGrp="1"/>
           </p:cNvSpPr>
@@ -2628,26 +3744,25 @@
             <p:ph type="sldNum" sz="quarter" idx="12"/>
           </p:nvPr>
         </p:nvSpPr>
-        <p:spPr bwMode="white">
-          <a:ln>
-            <a:headEnd type="none"/>
-            <a:tailEnd type="none"/>
-          </a:ln>
-        </p:spPr>
+        <p:spPr/>
         <p:txBody>
-          <a:bodyPr wrap="square"/>
+          <a:bodyPr/>
           <a:lstStyle/>
           <a:p>
-            <a:pPr/>
             <a:fld id="{24E76E65-7777-4C32-B153-6028045D6BD3}" type="slidenum">
-              <a:rPr lang="en-US" dirty="0"/>
+              <a:rPr lang="en-US" smtClean="0"/>
               <a:t>‹#›</a:t>
             </a:fld>
-            <a:endParaRPr lang="en-US" dirty="0"/>
+            <a:endParaRPr lang="en-US"/>
           </a:p>
         </p:txBody>
       </p:sp>
     </p:spTree>
+    <p:extLst>
+      <p:ext uri="{BB962C8B-B14F-4D97-AF65-F5344CB8AC3E}">
+        <p14:creationId xmlns:p14="http://schemas.microsoft.com/office/powerpoint/2010/main" val="209579900"/>
+      </p:ext>
+    </p:extLst>
   </p:cSld>
   <p:clrMapOvr>
     <a:masterClrMapping/>
@@ -2659,11 +3774,9 @@
 <p:sldMaster xmlns:a="http://schemas.openxmlformats.org/drawingml/2006/main" xmlns:r="http://schemas.openxmlformats.org/officeDocument/2006/relationships" xmlns:p="http://schemas.openxmlformats.org/presentationml/2006/main">
   <p:cSld>
     <p:bg>
-      <p:bgPr>
-        <a:solidFill>
-          <a:schemeClr val="bg1"/>
-        </a:solidFill>
-      </p:bgPr>
+      <p:bgRef idx="1001">
+        <a:schemeClr val="bg1"/>
+      </p:bgRef>
     </p:bg>
     <p:spTree>
       <p:nvGrpSpPr>
@@ -2681,7 +3794,13 @@
       </p:grpSpPr>
       <p:sp>
         <p:nvSpPr>
-          <p:cNvPr id="2" name="Title Placeholder 1"/>
+          <p:cNvPr id="2" name="Title Placeholder 1">
+            <a:extLst>
+              <a:ext uri="{FF2B5EF4-FFF2-40B4-BE49-F238E27FC236}">
+                <a16:creationId xmlns:a16="http://schemas.microsoft.com/office/drawing/2014/main" id="{BB55371D-5B24-4F8F-B844-6B7F15843C6B}"/>
+              </a:ext>
+            </a:extLst>
+          </p:cNvPr>
           <p:cNvSpPr>
             <a:spLocks noGrp="1"/>
           </p:cNvSpPr>
@@ -2689,7 +3808,7 @@
             <p:ph type="title"/>
           </p:nvPr>
         </p:nvSpPr>
-        <p:spPr bwMode="white">
+        <p:spPr>
           <a:xfrm>
             <a:off x="838200" y="365125"/>
             <a:ext cx="10515600" cy="1325563"/>
@@ -2697,20 +3816,15 @@
           <a:prstGeom prst="rect">
             <a:avLst/>
           </a:prstGeom>
-          <a:ln>
-            <a:headEnd type="none"/>
-            <a:tailEnd type="none"/>
-          </a:ln>
         </p:spPr>
         <p:txBody>
-          <a:bodyPr lIns="91440" tIns="45720" rIns="91440" bIns="45720" anchor="ctr" wrap="square">
+          <a:bodyPr vert="horz" lIns="91440" tIns="45720" rIns="91440" bIns="45720" rtlCol="0" anchor="ctr">
             <a:normAutofit/>
           </a:bodyPr>
           <a:lstStyle/>
           <a:p>
-            <a:pPr/>
-            <a:r>
-              <a:rPr lang="en-US" dirty="0"/>
+            <a:r>
+              <a:rPr lang="en-US"/>
               <a:t>Click to edit Master title style</a:t>
             </a:r>
           </a:p>
@@ -2718,7 +3832,13 @@
       </p:sp>
       <p:sp>
         <p:nvSpPr>
-          <p:cNvPr id="3" name="Text Placeholder 2"/>
+          <p:cNvPr id="3" name="Text Placeholder 2">
+            <a:extLst>
+              <a:ext uri="{FF2B5EF4-FFF2-40B4-BE49-F238E27FC236}">
+                <a16:creationId xmlns:a16="http://schemas.microsoft.com/office/drawing/2014/main" id="{46108F94-535E-4939-99EE-305982298D23}"/>
+              </a:ext>
+            </a:extLst>
+          </p:cNvPr>
           <p:cNvSpPr>
             <a:spLocks noGrp="1"/>
           </p:cNvSpPr>
@@ -2726,7 +3846,7 @@
             <p:ph type="body" idx="1"/>
           </p:nvPr>
         </p:nvSpPr>
-        <p:spPr bwMode="white">
+        <p:spPr>
           <a:xfrm>
             <a:off x="838200" y="1825625"/>
             <a:ext cx="10515600" cy="4351338"/>
@@ -2734,48 +3854,44 @@
           <a:prstGeom prst="rect">
             <a:avLst/>
           </a:prstGeom>
-          <a:ln>
-            <a:headEnd type="none"/>
-            <a:tailEnd type="none"/>
-          </a:ln>
         </p:spPr>
         <p:txBody>
-          <a:bodyPr lIns="91440" tIns="45720" rIns="91440" bIns="45720" wrap="square">
+          <a:bodyPr vert="horz" lIns="91440" tIns="45720" rIns="91440" bIns="45720" rtlCol="0">
             <a:normAutofit/>
           </a:bodyPr>
           <a:lstStyle/>
           <a:p>
-            <a:pPr/>
-            <a:r>
-              <a:rPr lang="en-US" dirty="0"/>
+            <a:pPr lvl="0"/>
+            <a:r>
+              <a:rPr lang="en-US"/>
               <a:t>Edit Master text styles</a:t>
             </a:r>
           </a:p>
           <a:p>
             <a:pPr lvl="1"/>
             <a:r>
-              <a:rPr lang="en-US" dirty="0"/>
+              <a:rPr lang="en-US"/>
               <a:t>Second level</a:t>
             </a:r>
           </a:p>
           <a:p>
             <a:pPr lvl="2"/>
             <a:r>
-              <a:rPr lang="en-US" dirty="0"/>
+              <a:rPr lang="en-US"/>
               <a:t>Third level</a:t>
             </a:r>
           </a:p>
           <a:p>
             <a:pPr lvl="3"/>
             <a:r>
-              <a:rPr lang="en-US" dirty="0"/>
+              <a:rPr lang="en-US"/>
               <a:t>Fourth level</a:t>
             </a:r>
           </a:p>
           <a:p>
             <a:pPr lvl="4"/>
             <a:r>
-              <a:rPr lang="en-US" dirty="0"/>
+              <a:rPr lang="en-US"/>
               <a:t>Fifth level</a:t>
             </a:r>
           </a:p>
@@ -2783,7 +3899,13 @@
       </p:sp>
       <p:sp>
         <p:nvSpPr>
-          <p:cNvPr id="4" name="Date Placeholder 3"/>
+          <p:cNvPr id="4" name="Date Placeholder 3">
+            <a:extLst>
+              <a:ext uri="{FF2B5EF4-FFF2-40B4-BE49-F238E27FC236}">
+                <a16:creationId xmlns:a16="http://schemas.microsoft.com/office/drawing/2014/main" id="{37A8EA68-1C72-4720-B1FE-ED04C5E77114}"/>
+              </a:ext>
+            </a:extLst>
+          </p:cNvPr>
           <p:cNvSpPr>
             <a:spLocks noGrp="1"/>
           </p:cNvSpPr>
@@ -2791,7 +3913,7 @@
             <p:ph type="dt" sz="half" idx="2"/>
           </p:nvPr>
         </p:nvSpPr>
-        <p:spPr bwMode="white">
+        <p:spPr>
           <a:xfrm>
             <a:off x="838200" y="6356350"/>
             <a:ext cx="2743200" cy="365125"/>
@@ -2799,16 +3921,12 @@
           <a:prstGeom prst="rect">
             <a:avLst/>
           </a:prstGeom>
-          <a:ln>
-            <a:headEnd type="none"/>
-            <a:tailEnd type="none"/>
-          </a:ln>
         </p:spPr>
         <p:txBody>
-          <a:bodyPr lIns="91440" tIns="45720" rIns="91440" bIns="45720" anchor="ctr" wrap="square"/>
+          <a:bodyPr vert="horz" lIns="91440" tIns="45720" rIns="91440" bIns="45720" rtlCol="0" anchor="ctr"/>
           <a:lstStyle>
             <a:lvl1pPr algn="l">
-              <a:defRPr sz="1200" dirty="0">
+              <a:defRPr sz="1200">
                 <a:solidFill>
                   <a:schemeClr val="tx1">
                     <a:tint val="75000"/>
@@ -2818,18 +3936,23 @@
             </a:lvl1pPr>
           </a:lstStyle>
           <a:p>
-            <a:pPr/>
             <a:fld id="{5455A7CF-DB6C-4325-93B5-8C3F06D80356}" type="datetimeFigureOut">
-              <a:rPr lang="en-US" dirty="0"/>
-              <a:t>25-Nov-22</a:t>
+              <a:rPr lang="en-US" smtClean="0"/>
+              <a:t>12/17/2024</a:t>
             </a:fld>
-            <a:endParaRPr lang="en-US" dirty="0"/>
+            <a:endParaRPr lang="en-US"/>
           </a:p>
         </p:txBody>
       </p:sp>
       <p:sp>
         <p:nvSpPr>
-          <p:cNvPr id="5" name="Footer Placeholder 4"/>
+          <p:cNvPr id="5" name="Footer Placeholder 4">
+            <a:extLst>
+              <a:ext uri="{FF2B5EF4-FFF2-40B4-BE49-F238E27FC236}">
+                <a16:creationId xmlns:a16="http://schemas.microsoft.com/office/drawing/2014/main" id="{E13B2E32-A768-4ED6-970A-84BCB388DE07}"/>
+              </a:ext>
+            </a:extLst>
+          </p:cNvPr>
           <p:cNvSpPr>
             <a:spLocks noGrp="1"/>
           </p:cNvSpPr>
@@ -2837,7 +3960,7 @@
             <p:ph type="ftr" sz="quarter" idx="3"/>
           </p:nvPr>
         </p:nvSpPr>
-        <p:spPr bwMode="white">
+        <p:spPr>
           <a:xfrm>
             <a:off x="4038600" y="6356350"/>
             <a:ext cx="4114800" cy="365125"/>
@@ -2845,16 +3968,12 @@
           <a:prstGeom prst="rect">
             <a:avLst/>
           </a:prstGeom>
-          <a:ln>
-            <a:headEnd type="none"/>
-            <a:tailEnd type="none"/>
-          </a:ln>
         </p:spPr>
         <p:txBody>
-          <a:bodyPr lIns="91440" tIns="45720" rIns="91440" bIns="45720" anchor="ctr" wrap="square"/>
+          <a:bodyPr vert="horz" lIns="91440" tIns="45720" rIns="91440" bIns="45720" rtlCol="0" anchor="ctr"/>
           <a:lstStyle>
             <a:lvl1pPr algn="ctr">
-              <a:defRPr sz="1200" dirty="0">
+              <a:defRPr sz="1200">
                 <a:solidFill>
                   <a:schemeClr val="tx1">
                     <a:tint val="75000"/>
@@ -2864,14 +3983,19 @@
             </a:lvl1pPr>
           </a:lstStyle>
           <a:p>
-            <a:pPr/>
-            <a:endParaRPr lang="en-US" dirty="0"/>
+            <a:endParaRPr lang="en-US"/>
           </a:p>
         </p:txBody>
       </p:sp>
       <p:sp>
         <p:nvSpPr>
-          <p:cNvPr id="6" name="Slide Number Placeholder 5"/>
+          <p:cNvPr id="6" name="Slide Number Placeholder 5">
+            <a:extLst>
+              <a:ext uri="{FF2B5EF4-FFF2-40B4-BE49-F238E27FC236}">
+                <a16:creationId xmlns:a16="http://schemas.microsoft.com/office/drawing/2014/main" id="{B42913F1-F29E-45B5-BF89-6221E2F9F9E3}"/>
+              </a:ext>
+            </a:extLst>
+          </p:cNvPr>
           <p:cNvSpPr>
             <a:spLocks noGrp="1"/>
           </p:cNvSpPr>
@@ -2879,7 +4003,7 @@
             <p:ph type="sldNum" sz="quarter" idx="4"/>
           </p:nvPr>
         </p:nvSpPr>
-        <p:spPr bwMode="white">
+        <p:spPr>
           <a:xfrm>
             <a:off x="8610600" y="6356350"/>
             <a:ext cx="2743200" cy="365125"/>
@@ -2887,16 +4011,12 @@
           <a:prstGeom prst="rect">
             <a:avLst/>
           </a:prstGeom>
-          <a:ln>
-            <a:headEnd type="none"/>
-            <a:tailEnd type="none"/>
-          </a:ln>
         </p:spPr>
         <p:txBody>
-          <a:bodyPr lIns="91440" tIns="45720" rIns="91440" bIns="45720" anchor="ctr" wrap="square"/>
+          <a:bodyPr vert="horz" lIns="91440" tIns="45720" rIns="91440" bIns="45720" rtlCol="0" anchor="ctr"/>
           <a:lstStyle>
             <a:lvl1pPr algn="r">
-              <a:defRPr sz="1200" dirty="0">
+              <a:defRPr sz="1200">
                 <a:solidFill>
                   <a:schemeClr val="tx1">
                     <a:tint val="75000"/>
@@ -2906,64 +4026,20 @@
             </a:lvl1pPr>
           </a:lstStyle>
           <a:p>
-            <a:pPr/>
             <a:fld id="{24E76E65-7777-4C32-B153-6028045D6BD3}" type="slidenum">
-              <a:rPr lang="en-US" dirty="0"/>
+              <a:rPr lang="en-US" smtClean="0"/>
               <a:t>‹#›</a:t>
             </a:fld>
-            <a:endParaRPr lang="en-US" dirty="0"/>
-          </a:p>
-        </p:txBody>
-      </p:sp>
-      <p:sp>
-        <p:nvSpPr>
-          <p:cNvPr id="7" name="TextBox 6"/>
-          <p:cNvSpPr txBox="1">
-            <a:spLocks noChangeArrowheads="1"/>
-          </p:cNvSpPr>
-          <p:nvPr userDrawn="1"/>
-        </p:nvSpPr>
-        <p:spPr bwMode="white">
-          <a:xfrm>
-            <a:off x="9342268" y="6356350"/>
-            <a:ext cx="2743200" cy="369332"/>
-          </a:xfrm>
-          <a:prstGeom prst="rect">
-            <a:avLst/>
-          </a:prstGeom>
-          <a:noFill/>
-          <a:ln>
-            <a:headEnd type="none"/>
-            <a:tailEnd type="none"/>
-          </a:ln>
-        </p:spPr>
-        <p:txBody>
-          <a:bodyPr wrap="square">
-            <a:spAutoFit/>
-          </a:bodyPr>
-          <a:lstStyle/>
-          <a:p>
-            <a:pPr defTabSz="914400"/>
-            <a:r>
-              <a:rPr lang="en-US" dirty="0">
-                <a:solidFill>
-                  <a:schemeClr val="tx1"/>
-                </a:solidFill>
-              </a:rPr>
-              <a:t>@ </a:t>
-            </a:r>
-            <a:r>
-              <a:rPr lang="en-US" dirty="0">
-                <a:solidFill>
-                  <a:srgbClr val="FF0000"/>
-                </a:solidFill>
-              </a:rPr>
-              <a:t>The Product Company</a:t>
-            </a:r>
+            <a:endParaRPr lang="en-US"/>
           </a:p>
         </p:txBody>
       </p:sp>
     </p:spTree>
+    <p:extLst>
+      <p:ext uri="{BB962C8B-B14F-4D97-AF65-F5344CB8AC3E}">
+        <p14:creationId xmlns:p14="http://schemas.microsoft.com/office/powerpoint/2010/main" val="2094410008"/>
+      </p:ext>
+    </p:extLst>
   </p:cSld>
   <p:clrMap bg1="lt1" tx1="dk1" bg2="lt2" tx2="dk2" accent1="accent1" accent2="accent2" accent3="accent3" accent4="accent4" accent5="accent5" accent6="accent6" hlink="hlink" folHlink="folHlink"/>
   <p:sldLayoutIdLst>
@@ -2981,7 +4057,7 @@
   </p:sldLayoutIdLst>
   <p:txStyles>
     <p:titleStyle>
-      <a:lvl1pPr rtl="0" algn="l" defTabSz="914400">
+      <a:lvl1pPr algn="l" defTabSz="914400" rtl="0" eaLnBrk="1" latinLnBrk="0" hangingPunct="1">
         <a:lnSpc>
           <a:spcPct val="90000"/>
         </a:lnSpc>
@@ -2989,7 +4065,7 @@
           <a:spcPct val="0"/>
         </a:spcBef>
         <a:buNone/>
-        <a:defRPr sz="4400" kern="1200" dirty="0">
+        <a:defRPr sz="4400" kern="1200">
           <a:solidFill>
             <a:schemeClr val="tx1"/>
           </a:solidFill>
@@ -3000,16 +4076,16 @@
       </a:lvl1pPr>
     </p:titleStyle>
     <p:bodyStyle>
-      <a:lvl1pPr marL="228600" indent="-228600" rtl="0" algn="l" defTabSz="914400">
+      <a:lvl1pPr marL="228600" indent="-228600" algn="l" defTabSz="914400" rtl="0" eaLnBrk="1" latinLnBrk="0" hangingPunct="1">
         <a:lnSpc>
           <a:spcPct val="90000"/>
         </a:lnSpc>
         <a:spcBef>
           <a:spcPts val="1000"/>
         </a:spcBef>
-        <a:buFont typeface="Arial"/>
+        <a:buFont typeface="Arial" panose="020B0604020202020204" pitchFamily="34" charset="0"/>
         <a:buChar char="•"/>
-        <a:defRPr sz="2800" kern="1200" dirty="0">
+        <a:defRPr sz="2800" kern="1200">
           <a:solidFill>
             <a:schemeClr val="tx1"/>
           </a:solidFill>
@@ -3018,16 +4094,16 @@
           <a:cs typeface="+mn-cs"/>
         </a:defRPr>
       </a:lvl1pPr>
-      <a:lvl2pPr marL="685800" indent="-228600" rtl="0" algn="l" defTabSz="914400">
+      <a:lvl2pPr marL="685800" indent="-228600" algn="l" defTabSz="914400" rtl="0" eaLnBrk="1" latinLnBrk="0" hangingPunct="1">
         <a:lnSpc>
           <a:spcPct val="90000"/>
         </a:lnSpc>
         <a:spcBef>
           <a:spcPts val="500"/>
         </a:spcBef>
-        <a:buFont typeface="Arial"/>
+        <a:buFont typeface="Arial" panose="020B0604020202020204" pitchFamily="34" charset="0"/>
         <a:buChar char="•"/>
-        <a:defRPr sz="2400" kern="1200" dirty="0">
+        <a:defRPr sz="2400" kern="1200">
           <a:solidFill>
             <a:schemeClr val="tx1"/>
           </a:solidFill>
@@ -3036,16 +4112,16 @@
           <a:cs typeface="+mn-cs"/>
         </a:defRPr>
       </a:lvl2pPr>
-      <a:lvl3pPr marL="1143000" indent="-228600" rtl="0" algn="l" defTabSz="914400">
+      <a:lvl3pPr marL="1143000" indent="-228600" algn="l" defTabSz="914400" rtl="0" eaLnBrk="1" latinLnBrk="0" hangingPunct="1">
         <a:lnSpc>
           <a:spcPct val="90000"/>
         </a:lnSpc>
         <a:spcBef>
           <a:spcPts val="500"/>
         </a:spcBef>
-        <a:buFont typeface="Arial"/>
+        <a:buFont typeface="Arial" panose="020B0604020202020204" pitchFamily="34" charset="0"/>
         <a:buChar char="•"/>
-        <a:defRPr sz="2000" kern="1200" dirty="0">
+        <a:defRPr sz="2000" kern="1200">
           <a:solidFill>
             <a:schemeClr val="tx1"/>
           </a:solidFill>
@@ -3054,16 +4130,16 @@
           <a:cs typeface="+mn-cs"/>
         </a:defRPr>
       </a:lvl3pPr>
-      <a:lvl4pPr marL="1600200" indent="-228600" rtl="0" algn="l" defTabSz="914400">
+      <a:lvl4pPr marL="1600200" indent="-228600" algn="l" defTabSz="914400" rtl="0" eaLnBrk="1" latinLnBrk="0" hangingPunct="1">
         <a:lnSpc>
           <a:spcPct val="90000"/>
         </a:lnSpc>
         <a:spcBef>
           <a:spcPts val="500"/>
         </a:spcBef>
-        <a:buFont typeface="Arial"/>
+        <a:buFont typeface="Arial" panose="020B0604020202020204" pitchFamily="34" charset="0"/>
         <a:buChar char="•"/>
-        <a:defRPr sz="1800" kern="1200" dirty="0">
+        <a:defRPr sz="1800" kern="1200">
           <a:solidFill>
             <a:schemeClr val="tx1"/>
           </a:solidFill>
@@ -3072,16 +4148,16 @@
           <a:cs typeface="+mn-cs"/>
         </a:defRPr>
       </a:lvl4pPr>
-      <a:lvl5pPr marL="2057400" indent="-228600" rtl="0" algn="l" defTabSz="914400">
+      <a:lvl5pPr marL="2057400" indent="-228600" algn="l" defTabSz="914400" rtl="0" eaLnBrk="1" latinLnBrk="0" hangingPunct="1">
         <a:lnSpc>
           <a:spcPct val="90000"/>
         </a:lnSpc>
         <a:spcBef>
           <a:spcPts val="500"/>
         </a:spcBef>
-        <a:buFont typeface="Arial"/>
+        <a:buFont typeface="Arial" panose="020B0604020202020204" pitchFamily="34" charset="0"/>
         <a:buChar char="•"/>
-        <a:defRPr sz="1800" kern="1200" dirty="0">
+        <a:defRPr sz="1800" kern="1200">
           <a:solidFill>
             <a:schemeClr val="tx1"/>
           </a:solidFill>
@@ -3090,16 +4166,16 @@
           <a:cs typeface="+mn-cs"/>
         </a:defRPr>
       </a:lvl5pPr>
-      <a:lvl6pPr marL="2514600" indent="-228600" rtl="0" algn="l" defTabSz="914400">
+      <a:lvl6pPr marL="2514600" indent="-228600" algn="l" defTabSz="914400" rtl="0" eaLnBrk="1" latinLnBrk="0" hangingPunct="1">
         <a:lnSpc>
           <a:spcPct val="90000"/>
         </a:lnSpc>
         <a:spcBef>
           <a:spcPts val="500"/>
         </a:spcBef>
-        <a:buFont typeface="Arial"/>
+        <a:buFont typeface="Arial" panose="020B0604020202020204" pitchFamily="34" charset="0"/>
         <a:buChar char="•"/>
-        <a:defRPr sz="1800" kern="1200" dirty="0">
+        <a:defRPr sz="1800" kern="1200">
           <a:solidFill>
             <a:schemeClr val="tx1"/>
           </a:solidFill>
@@ -3108,16 +4184,16 @@
           <a:cs typeface="+mn-cs"/>
         </a:defRPr>
       </a:lvl6pPr>
-      <a:lvl7pPr marL="2971800" indent="-228600" rtl="0" algn="l" defTabSz="914400">
+      <a:lvl7pPr marL="2971800" indent="-228600" algn="l" defTabSz="914400" rtl="0" eaLnBrk="1" latinLnBrk="0" hangingPunct="1">
         <a:lnSpc>
           <a:spcPct val="90000"/>
         </a:lnSpc>
         <a:spcBef>
           <a:spcPts val="500"/>
         </a:spcBef>
-        <a:buFont typeface="Arial"/>
+        <a:buFont typeface="Arial" panose="020B0604020202020204" pitchFamily="34" charset="0"/>
         <a:buChar char="•"/>
-        <a:defRPr sz="1800" kern="1200" dirty="0">
+        <a:defRPr sz="1800" kern="1200">
           <a:solidFill>
             <a:schemeClr val="tx1"/>
           </a:solidFill>
@@ -3126,16 +4202,16 @@
           <a:cs typeface="+mn-cs"/>
         </a:defRPr>
       </a:lvl7pPr>
-      <a:lvl8pPr marL="3429000" indent="-228600" rtl="0" algn="l" defTabSz="914400">
+      <a:lvl8pPr marL="3429000" indent="-228600" algn="l" defTabSz="914400" rtl="0" eaLnBrk="1" latinLnBrk="0" hangingPunct="1">
         <a:lnSpc>
           <a:spcPct val="90000"/>
         </a:lnSpc>
         <a:spcBef>
           <a:spcPts val="500"/>
         </a:spcBef>
-        <a:buFont typeface="Arial"/>
+        <a:buFont typeface="Arial" panose="020B0604020202020204" pitchFamily="34" charset="0"/>
         <a:buChar char="•"/>
-        <a:defRPr sz="1800" kern="1200" dirty="0">
+        <a:defRPr sz="1800" kern="1200">
           <a:solidFill>
             <a:schemeClr val="tx1"/>
           </a:solidFill>
@@ -3144,16 +4220,16 @@
           <a:cs typeface="+mn-cs"/>
         </a:defRPr>
       </a:lvl8pPr>
-      <a:lvl9pPr marL="3886200" indent="-228600" rtl="0" algn="l" defTabSz="914400">
+      <a:lvl9pPr marL="3886200" indent="-228600" algn="l" defTabSz="914400" rtl="0" eaLnBrk="1" latinLnBrk="0" hangingPunct="1">
         <a:lnSpc>
           <a:spcPct val="90000"/>
         </a:lnSpc>
         <a:spcBef>
           <a:spcPts val="500"/>
         </a:spcBef>
-        <a:buFont typeface="Arial"/>
+        <a:buFont typeface="Arial" panose="020B0604020202020204" pitchFamily="34" charset="0"/>
         <a:buChar char="•"/>
-        <a:defRPr sz="1800" kern="1200" dirty="0">
+        <a:defRPr sz="1800" kern="1200">
           <a:solidFill>
             <a:schemeClr val="tx1"/>
           </a:solidFill>
@@ -3164,11 +4240,11 @@
       </a:lvl9pPr>
     </p:bodyStyle>
     <p:otherStyle>
-      <a:defPPr defTabSz="914400">
-        <a:defRPr lang="en-US" dirty="0"/>
+      <a:defPPr>
+        <a:defRPr lang="en-US"/>
       </a:defPPr>
-      <a:lvl1pPr marL="0" rtl="0" algn="l" defTabSz="914400">
-        <a:defRPr sz="1800" kern="1200" dirty="0">
+      <a:lvl1pPr marL="0" algn="l" defTabSz="914400" rtl="0" eaLnBrk="1" latinLnBrk="0" hangingPunct="1">
+        <a:defRPr sz="1800" kern="1200">
           <a:solidFill>
             <a:schemeClr val="tx1"/>
           </a:solidFill>
@@ -3177,8 +4253,8 @@
           <a:cs typeface="+mn-cs"/>
         </a:defRPr>
       </a:lvl1pPr>
-      <a:lvl2pPr marL="457200" rtl="0" algn="l" defTabSz="914400">
-        <a:defRPr sz="1800" kern="1200" dirty="0">
+      <a:lvl2pPr marL="457200" algn="l" defTabSz="914400" rtl="0" eaLnBrk="1" latinLnBrk="0" hangingPunct="1">
+        <a:defRPr sz="1800" kern="1200">
           <a:solidFill>
             <a:schemeClr val="tx1"/>
           </a:solidFill>
@@ -3187,8 +4263,8 @@
           <a:cs typeface="+mn-cs"/>
         </a:defRPr>
       </a:lvl2pPr>
-      <a:lvl3pPr marL="914400" rtl="0" algn="l" defTabSz="914400">
-        <a:defRPr sz="1800" kern="1200" dirty="0">
+      <a:lvl3pPr marL="914400" algn="l" defTabSz="914400" rtl="0" eaLnBrk="1" latinLnBrk="0" hangingPunct="1">
+        <a:defRPr sz="1800" kern="1200">
           <a:solidFill>
             <a:schemeClr val="tx1"/>
           </a:solidFill>
@@ -3197,8 +4273,8 @@
           <a:cs typeface="+mn-cs"/>
         </a:defRPr>
       </a:lvl3pPr>
-      <a:lvl4pPr marL="1371600" rtl="0" algn="l" defTabSz="914400">
-        <a:defRPr sz="1800" kern="1200" dirty="0">
+      <a:lvl4pPr marL="1371600" algn="l" defTabSz="914400" rtl="0" eaLnBrk="1" latinLnBrk="0" hangingPunct="1">
+        <a:defRPr sz="1800" kern="1200">
           <a:solidFill>
             <a:schemeClr val="tx1"/>
           </a:solidFill>
@@ -3207,8 +4283,8 @@
           <a:cs typeface="+mn-cs"/>
         </a:defRPr>
       </a:lvl4pPr>
-      <a:lvl5pPr marL="1828800" rtl="0" algn="l" defTabSz="914400">
-        <a:defRPr sz="1800" kern="1200" dirty="0">
+      <a:lvl5pPr marL="1828800" algn="l" defTabSz="914400" rtl="0" eaLnBrk="1" latinLnBrk="0" hangingPunct="1">
+        <a:defRPr sz="1800" kern="1200">
           <a:solidFill>
             <a:schemeClr val="tx1"/>
           </a:solidFill>
@@ -3217,8 +4293,8 @@
           <a:cs typeface="+mn-cs"/>
         </a:defRPr>
       </a:lvl5pPr>
-      <a:lvl6pPr marL="2286000" rtl="0" algn="l" defTabSz="914400">
-        <a:defRPr sz="1800" kern="1200" dirty="0">
+      <a:lvl6pPr marL="2286000" algn="l" defTabSz="914400" rtl="0" eaLnBrk="1" latinLnBrk="0" hangingPunct="1">
+        <a:defRPr sz="1800" kern="1200">
           <a:solidFill>
             <a:schemeClr val="tx1"/>
           </a:solidFill>
@@ -3227,8 +4303,8 @@
           <a:cs typeface="+mn-cs"/>
         </a:defRPr>
       </a:lvl6pPr>
-      <a:lvl7pPr marL="2743200" rtl="0" algn="l" defTabSz="914400">
-        <a:defRPr sz="1800" kern="1200" dirty="0">
+      <a:lvl7pPr marL="2743200" algn="l" defTabSz="914400" rtl="0" eaLnBrk="1" latinLnBrk="0" hangingPunct="1">
+        <a:defRPr sz="1800" kern="1200">
           <a:solidFill>
             <a:schemeClr val="tx1"/>
           </a:solidFill>
@@ -3237,8 +4313,8 @@
           <a:cs typeface="+mn-cs"/>
         </a:defRPr>
       </a:lvl7pPr>
-      <a:lvl8pPr marL="3200400" rtl="0" algn="l" defTabSz="914400">
-        <a:defRPr sz="1800" kern="1200" dirty="0">
+      <a:lvl8pPr marL="3200400" algn="l" defTabSz="914400" rtl="0" eaLnBrk="1" latinLnBrk="0" hangingPunct="1">
+        <a:defRPr sz="1800" kern="1200">
           <a:solidFill>
             <a:schemeClr val="tx1"/>
           </a:solidFill>
@@ -3247,8 +4323,8 @@
           <a:cs typeface="+mn-cs"/>
         </a:defRPr>
       </a:lvl8pPr>
-      <a:lvl9pPr marL="3657600" rtl="0" algn="l" defTabSz="914400">
-        <a:defRPr sz="1800" kern="1200" dirty="0">
+      <a:lvl9pPr marL="3657600" algn="l" defTabSz="914400" rtl="0" eaLnBrk="1" latinLnBrk="0" hangingPunct="1">
+        <a:defRPr sz="1800" kern="1200">
           <a:solidFill>
             <a:schemeClr val="tx1"/>
           </a:solidFill>
@@ -3281,7 +4357,13 @@
       </p:grpSpPr>
       <p:sp>
         <p:nvSpPr>
-          <p:cNvPr id="2" name="Title 1"/>
+          <p:cNvPr id="8" name="Title 7">
+            <a:extLst>
+              <a:ext uri="{FF2B5EF4-FFF2-40B4-BE49-F238E27FC236}">
+                <a16:creationId xmlns:a16="http://schemas.microsoft.com/office/drawing/2014/main" id="{4F16AC0B-17C4-E0D9-8BD1-8FBE72CA81A1}"/>
+              </a:ext>
+            </a:extLst>
+          </p:cNvPr>
           <p:cNvSpPr>
             <a:spLocks noGrp="1"/>
           </p:cNvSpPr>
@@ -3289,27 +4371,88 @@
             <p:ph type="title"/>
           </p:nvPr>
         </p:nvSpPr>
+        <p:spPr/>
+        <p:txBody>
+          <a:bodyPr/>
+          <a:lstStyle/>
+          <a:p>
+            <a:r>
+              <a:rPr lang="en-US" b="1" dirty="0">
+                <a:latin typeface="+mn-lt"/>
+              </a:rPr>
+              <a:t>Adventure Works Cycles</a:t>
+            </a:r>
+            <a:endParaRPr lang="en-US" dirty="0"/>
+          </a:p>
+        </p:txBody>
+      </p:sp>
+      <p:sp>
+        <p:nvSpPr>
+          <p:cNvPr id="9" name="Title 1">
+            <a:extLst>
+              <a:ext uri="{FF2B5EF4-FFF2-40B4-BE49-F238E27FC236}">
+                <a16:creationId xmlns:a16="http://schemas.microsoft.com/office/drawing/2014/main" id="{DBAC40C9-E748-AD76-6263-FEF71519E2BB}"/>
+              </a:ext>
+            </a:extLst>
+          </p:cNvPr>
+          <p:cNvSpPr txBox="1">
+            <a:spLocks/>
+          </p:cNvSpPr>
+          <p:nvPr/>
+        </p:nvSpPr>
         <p:spPr bwMode="white">
+          <a:xfrm>
+            <a:off x="838200" y="365125"/>
+            <a:ext cx="10515600" cy="1325563"/>
+          </a:xfrm>
+          <a:prstGeom prst="rect">
+            <a:avLst/>
+          </a:prstGeom>
           <a:ln>
             <a:headEnd type="none"/>
             <a:tailEnd type="none"/>
           </a:ln>
         </p:spPr>
         <p:txBody>
-          <a:bodyPr wrap="square"/>
-          <a:lstStyle/>
-          <a:p>
-            <a:pPr algn="ctr" defTabSz="914400"/>
-            <a:r>
-              <a:rPr dirty="0"/>
-              <a:t>Company History</a:t>
-            </a:r>
+          <a:bodyPr vert="horz" wrap="square" lIns="91440" tIns="45720" rIns="91440" bIns="45720" rtlCol="0" anchor="ctr">
+            <a:normAutofit/>
+          </a:bodyPr>
+          <a:lstStyle>
+            <a:lvl1pPr algn="l" defTabSz="914400" rtl="0" eaLnBrk="1" latinLnBrk="0" hangingPunct="1">
+              <a:lnSpc>
+                <a:spcPct val="90000"/>
+              </a:lnSpc>
+              <a:spcBef>
+                <a:spcPct val="0"/>
+              </a:spcBef>
+              <a:buNone/>
+              <a:defRPr sz="4400" kern="1200">
+                <a:solidFill>
+                  <a:schemeClr val="tx1"/>
+                </a:solidFill>
+                <a:latin typeface="+mj-lt"/>
+                <a:ea typeface="+mj-ea"/>
+                <a:cs typeface="+mj-cs"/>
+              </a:defRPr>
+            </a:lvl1pPr>
+          </a:lstStyle>
+          <a:p>
+            <a:pPr algn="ctr"/>
+            <a:endParaRPr lang="en-US" b="1" dirty="0">
+              <a:latin typeface="+mn-lt"/>
+            </a:endParaRPr>
           </a:p>
         </p:txBody>
       </p:sp>
       <p:sp>
         <p:nvSpPr>
-          <p:cNvPr id="3" name="TextBox3"/>
+          <p:cNvPr id="10" name="TextBox3">
+            <a:extLst>
+              <a:ext uri="{FF2B5EF4-FFF2-40B4-BE49-F238E27FC236}">
+                <a16:creationId xmlns:a16="http://schemas.microsoft.com/office/drawing/2014/main" id="{2CC6C805-1B74-CDC4-D710-E2F03F239A77}"/>
+              </a:ext>
+            </a:extLst>
+          </p:cNvPr>
           <p:cNvSpPr txBox="1">
             <a:spLocks noChangeArrowheads="1"/>
           </p:cNvSpPr>
@@ -3336,23 +4479,22 @@
           <a:p>
             <a:pPr defTabSz="914400"/>
             <a:r>
-              <a:rPr dirty="0"/>
-              <a:t>IMN Solutions PVT LTD is the software company, established in 1987, by George Milton. The company has been listed as the trusted partner for many high-profile organizations since 1988 and got awards for quality product</a:t>
-            </a:r>
-            <a:r>
               <a:rPr lang="en-US" dirty="0"/>
-              <a:t>ion</a:t>
-            </a:r>
-            <a:r>
-              <a:rPr dirty="0"/>
-              <a:t> from reputed organizations.</a:t>
-            </a:r>
+              <a:t>Adventure Works Cycles, the fictitious company on which the Adventure Works sample databases are based, is a large, multinational manufacturing company. The company manufactures and sells metal and composite bicycles to North American, European and Asian commercial markets.</a:t>
+            </a:r>
+            <a:endParaRPr dirty="0"/>
           </a:p>
         </p:txBody>
       </p:sp>
       <p:sp>
         <p:nvSpPr>
-          <p:cNvPr id="4" name="TextBox4"/>
+          <p:cNvPr id="11" name="TextBox4">
+            <a:extLst>
+              <a:ext uri="{FF2B5EF4-FFF2-40B4-BE49-F238E27FC236}">
+                <a16:creationId xmlns:a16="http://schemas.microsoft.com/office/drawing/2014/main" id="{EE61BCC6-009F-4A68-44BF-924D71E34B8D}"/>
+              </a:ext>
+            </a:extLst>
+          </p:cNvPr>
           <p:cNvSpPr txBox="1">
             <a:spLocks noChangeArrowheads="1"/>
           </p:cNvSpPr>
@@ -3360,8 +4502,8 @@
         </p:nvSpPr>
         <p:spPr bwMode="white">
           <a:xfrm>
-            <a:off x="675894" y="3429000"/>
-            <a:ext cx="5561330" cy="1477264"/>
+            <a:off x="665670" y="3168461"/>
+            <a:ext cx="5561330" cy="1754326"/>
           </a:xfrm>
           <a:prstGeom prst="rect">
             <a:avLst/>
@@ -3381,16 +4523,16 @@
               <a:buAutoNum type="arabicPeriod"/>
             </a:pPr>
             <a:r>
-              <a:rPr dirty="0"/>
-              <a:t>The company </a:t>
-            </a:r>
-            <a:r>
               <a:rPr lang="en-US" dirty="0"/>
-              <a:t>product </a:t>
-            </a:r>
-            <a:r>
-              <a:rPr dirty="0"/>
-              <a:t>acquired the MCY corporation for 20 billion dollars and became the top revenue maker for the year 2015.</a:t>
+              <a:t>In 2000, Adventure Works Cycles bought a small manufacturing plant, </a:t>
+            </a:r>
+            <a:r>
+              <a:rPr lang="en-US" dirty="0" err="1"/>
+              <a:t>Importadores</a:t>
+            </a:r>
+            <a:r>
+              <a:rPr lang="en-US" dirty="0"/>
+              <a:t> Neptuno, located in Mexico.</a:t>
             </a:r>
           </a:p>
           <a:p>
@@ -3398,46 +4540,25 @@
               <a:buAutoNum type="arabicPeriod"/>
             </a:pPr>
             <a:r>
-              <a:rPr dirty="0"/>
-              <a:t>The company is participating in top open source projects in automation industry.</a:t>
+              <a:rPr lang="en-US" dirty="0" err="1"/>
+              <a:t>Importadores</a:t>
+            </a:r>
+            <a:r>
+              <a:rPr lang="en-US" dirty="0"/>
+              <a:t> Neptuno manufactures several critical subcomponents for the Adventure Works Cycles product line.</a:t>
             </a:r>
           </a:p>
         </p:txBody>
       </p:sp>
-      <p:pic>
-        <p:nvPicPr>
-          <p:cNvPr id="5" name="Picture 5"/>
-          <p:cNvPicPr>
-            <a:picLocks noChangeAspect="1"/>
-          </p:cNvPicPr>
-          <p:nvPr/>
-        </p:nvPicPr>
-        <p:blipFill>
-          <a:blip r:embed="rId2">
-            <a:lum/>
-          </a:blip>
-          <a:srcRect/>
-          <a:stretch>
-            <a:fillRect/>
-          </a:stretch>
-        </p:blipFill>
-        <p:spPr bwMode="white">
-          <a:xfrm>
-            <a:off x="6347333" y="3030093"/>
-            <a:ext cx="4629658" cy="2440432"/>
-          </a:xfrm>
-          <a:prstGeom prst="rect">
-            <a:avLst/>
-          </a:prstGeom>
-          <a:ln>
-            <a:headEnd type="none"/>
-            <a:tailEnd type="none"/>
-          </a:ln>
-        </p:spPr>
-      </p:pic>
       <p:sp>
         <p:nvSpPr>
-          <p:cNvPr id="6" name="Explosion16"/>
+          <p:cNvPr id="12" name="Explosion16">
+            <a:extLst>
+              <a:ext uri="{FF2B5EF4-FFF2-40B4-BE49-F238E27FC236}">
+                <a16:creationId xmlns:a16="http://schemas.microsoft.com/office/drawing/2014/main" id="{DFB97716-9B5C-CBEA-97EA-116D5806A4B2}"/>
+              </a:ext>
+            </a:extLst>
+          </p:cNvPr>
           <p:cNvSpPr>
             <a:spLocks/>
           </p:cNvSpPr>
@@ -3479,12 +4600,49 @@
           <a:p>
             <a:pPr algn="ctr" defTabSz="914400"/>
             <a:r>
-              <a:rPr dirty="0"/>
-              <a:t>IMN</a:t>
-            </a:r>
+              <a:rPr lang="en-US" dirty="0"/>
+              <a:t>Cycle</a:t>
+            </a:r>
+            <a:endParaRPr dirty="0"/>
           </a:p>
         </p:txBody>
       </p:sp>
+      <p:pic>
+        <p:nvPicPr>
+          <p:cNvPr id="13" name="Picture 12" descr="A logo for a bicycle company&#10;&#10;Description automatically generated">
+            <a:extLst>
+              <a:ext uri="{FF2B5EF4-FFF2-40B4-BE49-F238E27FC236}">
+                <a16:creationId xmlns:a16="http://schemas.microsoft.com/office/drawing/2014/main" id="{6B24D0D2-7D80-42E6-C458-D8B6FC34666D}"/>
+              </a:ext>
+            </a:extLst>
+          </p:cNvPr>
+          <p:cNvPicPr>
+            <a:picLocks noChangeAspect="1"/>
+          </p:cNvPicPr>
+          <p:nvPr/>
+        </p:nvPicPr>
+        <p:blipFill>
+          <a:blip r:embed="rId2">
+            <a:extLst>
+              <a:ext uri="{28A0092B-C50C-407E-A947-70E740481C1C}">
+                <a14:useLocalDpi xmlns:a14="http://schemas.microsoft.com/office/drawing/2010/main" val="0"/>
+              </a:ext>
+            </a:extLst>
+          </a:blip>
+          <a:stretch>
+            <a:fillRect/>
+          </a:stretch>
+        </p:blipFill>
+        <p:spPr>
+          <a:xfrm>
+            <a:off x="6801492" y="3310544"/>
+            <a:ext cx="4552308" cy="1470161"/>
+          </a:xfrm>
+          <a:prstGeom prst="rect">
+            <a:avLst/>
+          </a:prstGeom>
+        </p:spPr>
+      </p:pic>
     </p:spTree>
   </p:cSld>
   <p:clrMapOvr>
@@ -3578,7 +4736,7 @@
           <a:lstStyle/>
           <a:p>
             <a:pPr marL="285750" indent="-285750" algn="l" defTabSz="914400">
-              <a:buFont typeface="Arial"/>
+              <a:buFont typeface="Arial" panose="020B0604020202020204" pitchFamily="34" charset="0"/>
               <a:buChar char="•"/>
             </a:pPr>
             <a:r>
@@ -3595,7 +4753,7 @@
           </a:p>
           <a:p>
             <a:pPr marL="285750" indent="-285750" algn="l" defTabSz="914400">
-              <a:buFont typeface="Arial"/>
+              <a:buFont typeface="Arial" panose="020B0604020202020204" pitchFamily="34" charset="0"/>
               <a:buChar char="•"/>
             </a:pPr>
             <a:r>
@@ -3612,7 +4770,7 @@
           </a:p>
           <a:p>
             <a:pPr marL="285750" indent="-285750" algn="l" defTabSz="914400">
-              <a:buFont typeface="Arial"/>
+              <a:buFont typeface="Arial" panose="020B0604020202020204" pitchFamily="34" charset="0"/>
               <a:buChar char="•"/>
             </a:pPr>
             <a:r>
@@ -3627,6 +4785,17 @@
               <a:t>In 2000, Adventure Works Cycles bought a small manufacturing plant, </a:t>
             </a:r>
             <a:r>
+              <a:rPr lang="en-US" sz="1800" dirty="0" err="1">
+                <a:solidFill>
+                  <a:srgbClr val="000000"/>
+                </a:solidFill>
+                <a:latin typeface="Calibri (Body)"/>
+                <a:ea typeface="Calibri (Body)"/>
+                <a:cs typeface="Calibri (Body)"/>
+              </a:rPr>
+              <a:t>Importadores</a:t>
+            </a:r>
+            <a:r>
               <a:rPr lang="en-US" sz="1800" dirty="0">
                 <a:solidFill>
                   <a:srgbClr val="000000"/>
@@ -3635,8 +4804,14 @@
                 <a:ea typeface="Calibri (Body)"/>
                 <a:cs typeface="Calibri (Body)"/>
               </a:rPr>
-              <a:t>Importadores</a:t>
-            </a:r>
+              <a:t> Neptuno, located in Mexico. Importadores Neptuno manufactures several critical subcomponents for the Adventure Works Cycles production line. </a:t>
+            </a:r>
+          </a:p>
+          <a:p>
+            <a:pPr marL="285750" indent="-285750" algn="l" defTabSz="914400">
+              <a:buFont typeface="Arial" panose="020B0604020202020204" pitchFamily="34" charset="0"/>
+              <a:buChar char="•"/>
+            </a:pPr>
             <a:r>
               <a:rPr lang="en-US" sz="1800" dirty="0">
                 <a:solidFill>
@@ -3646,68 +4821,7 @@
                 <a:ea typeface="Calibri (Body)"/>
                 <a:cs typeface="Calibri (Body)"/>
               </a:rPr>
-              <a:t> Neptuno, located in Mexico. </a:t>
-            </a:r>
-            <a:r>
-              <a:rPr lang="en-US" sz="1800" dirty="0">
-                <a:solidFill>
-                  <a:srgbClr val="000000"/>
-                </a:solidFill>
-                <a:latin typeface="Calibri (Body)"/>
-                <a:ea typeface="Calibri (Body)"/>
-                <a:cs typeface="Calibri (Body)"/>
-              </a:rPr>
-              <a:t>Importadores</a:t>
-            </a:r>
-            <a:r>
-              <a:rPr lang="en-US" sz="1800" dirty="0">
-                <a:solidFill>
-                  <a:srgbClr val="000000"/>
-                </a:solidFill>
-                <a:latin typeface="Calibri (Body)"/>
-                <a:ea typeface="Calibri (Body)"/>
-                <a:cs typeface="Calibri (Body)"/>
-              </a:rPr>
-              <a:t> Neptuno manufactures several critical subcomponents for the Adventure Works Cycles production line. </a:t>
-            </a:r>
-          </a:p>
-          <a:p>
-            <a:pPr marL="285750" indent="-285750" algn="l" defTabSz="914400">
-              <a:buFont typeface="Arial"/>
-              <a:buChar char="•"/>
-            </a:pPr>
-            <a:r>
-              <a:rPr lang="en-US" sz="1800" dirty="0">
-                <a:solidFill>
-                  <a:srgbClr val="000000"/>
-                </a:solidFill>
-                <a:latin typeface="Calibri (Body)"/>
-                <a:ea typeface="Calibri (Body)"/>
-                <a:cs typeface="Calibri (Body)"/>
-              </a:rPr>
-              <a:t>These subcomponents are shipped to the Bothell location for final product assembly. In 2001, </a:t>
-            </a:r>
-            <a:r>
-              <a:rPr lang="en-US" sz="1800" dirty="0">
-                <a:solidFill>
-                  <a:srgbClr val="000000"/>
-                </a:solidFill>
-                <a:latin typeface="Calibri (Body)"/>
-                <a:ea typeface="Calibri (Body)"/>
-                <a:cs typeface="Calibri (Body)"/>
-              </a:rPr>
-              <a:t>Importadores</a:t>
-            </a:r>
-            <a:r>
-              <a:rPr lang="en-US" sz="1800" dirty="0">
-                <a:solidFill>
-                  <a:srgbClr val="000000"/>
-                </a:solidFill>
-                <a:latin typeface="Calibri (Body)"/>
-                <a:ea typeface="Calibri (Body)"/>
-                <a:cs typeface="Calibri (Body)"/>
-              </a:rPr>
-              <a:t> Neptuno, became the sole manufacturer and distributor of the touring bicycle productivity group.</a:t>
+              <a:t>These subcomponents are shipped to the Bothell location for final product assembly. In 2001, Importadores Neptuno, became the sole manufacturer and distributor of the touring bicycle productivity group.</a:t>
             </a:r>
           </a:p>
         </p:txBody>
@@ -3721,6 +4835,638 @@
 </file>
 
 <file path=ppt/slides/slide3.xml><?xml version="1.0" encoding="utf-8"?>
+<p:sld xmlns:a="http://schemas.openxmlformats.org/drawingml/2006/main" xmlns:r="http://schemas.openxmlformats.org/officeDocument/2006/relationships" xmlns:p="http://schemas.openxmlformats.org/presentationml/2006/main">
+  <p:cSld>
+    <p:spTree>
+      <p:nvGrpSpPr>
+        <p:cNvPr id="1" name=""/>
+        <p:cNvGrpSpPr/>
+        <p:nvPr/>
+      </p:nvGrpSpPr>
+      <p:grpSpPr>
+        <a:xfrm>
+          <a:off x="0" y="0"/>
+          <a:ext cx="0" cy="0"/>
+          <a:chOff x="0" y="0"/>
+          <a:chExt cx="0" cy="0"/>
+        </a:xfrm>
+      </p:grpSpPr>
+      <p:sp>
+        <p:nvSpPr>
+          <p:cNvPr id="10" name="Title 1">
+            <a:extLst>
+              <a:ext uri="{FF2B5EF4-FFF2-40B4-BE49-F238E27FC236}">
+                <a16:creationId xmlns:a16="http://schemas.microsoft.com/office/drawing/2014/main" id="{DAF446A2-4B07-1266-1DE8-BD5AF6C1E126}"/>
+              </a:ext>
+            </a:extLst>
+          </p:cNvPr>
+          <p:cNvSpPr txBox="1">
+            <a:spLocks/>
+          </p:cNvSpPr>
+          <p:nvPr/>
+        </p:nvSpPr>
+        <p:spPr>
+          <a:xfrm>
+            <a:off x="761839" y="871146"/>
+            <a:ext cx="4544762" cy="1401183"/>
+          </a:xfrm>
+          <a:prstGeom prst="rect">
+            <a:avLst/>
+          </a:prstGeom>
+        </p:spPr>
+        <p:txBody>
+          <a:bodyPr vert="horz" lIns="91440" tIns="45720" rIns="91440" bIns="45720" rtlCol="0" anchor="t">
+            <a:normAutofit/>
+          </a:bodyPr>
+          <a:lstStyle>
+            <a:lvl1pPr algn="l" defTabSz="914400" rtl="0" eaLnBrk="1" latinLnBrk="0" hangingPunct="1">
+              <a:lnSpc>
+                <a:spcPct val="90000"/>
+              </a:lnSpc>
+              <a:spcBef>
+                <a:spcPct val="0"/>
+              </a:spcBef>
+              <a:buNone/>
+              <a:defRPr sz="4400" kern="1200">
+                <a:solidFill>
+                  <a:schemeClr val="tx1"/>
+                </a:solidFill>
+                <a:latin typeface="+mj-lt"/>
+                <a:ea typeface="+mj-ea"/>
+                <a:cs typeface="+mj-cs"/>
+              </a:defRPr>
+            </a:lvl1pPr>
+          </a:lstStyle>
+          <a:p>
+            <a:r>
+              <a:rPr lang="en-US" sz="3200" dirty="0">
+                <a:latin typeface="+mn-lt"/>
+              </a:rPr>
+              <a:t>CHEST X-RAY REPORT</a:t>
+            </a:r>
+          </a:p>
+        </p:txBody>
+      </p:sp>
+      <p:sp>
+        <p:nvSpPr>
+          <p:cNvPr id="11" name="Rectangle 9">
+            <a:extLst>
+              <a:ext uri="{FF2B5EF4-FFF2-40B4-BE49-F238E27FC236}">
+                <a16:creationId xmlns:a16="http://schemas.microsoft.com/office/drawing/2014/main" id="{5673CC79-1B73-5AA5-74EE-DCBA87C263E6}"/>
+              </a:ext>
+            </a:extLst>
+          </p:cNvPr>
+          <p:cNvSpPr>
+            <a:spLocks noChangeArrowheads="1"/>
+          </p:cNvSpPr>
+          <p:nvPr/>
+        </p:nvSpPr>
+        <p:spPr bwMode="auto">
+          <a:xfrm>
+            <a:off x="761839" y="1760198"/>
+            <a:ext cx="5334161" cy="4147998"/>
+          </a:xfrm>
+          <a:prstGeom prst="rect">
+            <a:avLst/>
+          </a:prstGeom>
+          <a:extLst>
+            <a:ext uri="{909E8E84-426E-40DD-AFC4-6F175D3DCCD1}">
+              <a14:hiddenFill xmlns:a14="http://schemas.microsoft.com/office/drawing/2010/main">
+                <a:solidFill>
+                  <a:schemeClr val="accent1"/>
+                </a:solidFill>
+              </a14:hiddenFill>
+            </a:ext>
+            <a:ext uri="{91240B29-F687-4F45-9708-019B960494DF}">
+              <a14:hiddenLine xmlns:a14="http://schemas.microsoft.com/office/drawing/2010/main" w="9525">
+                <a:solidFill>
+                  <a:schemeClr val="tx1"/>
+                </a:solidFill>
+                <a:miter lim="800000"/>
+                <a:headEnd/>
+                <a:tailEnd/>
+              </a14:hiddenLine>
+            </a:ext>
+            <a:ext uri="{AF507438-7753-43E0-B8FC-AC1667EBCBE1}">
+              <a14:hiddenEffects xmlns:a14="http://schemas.microsoft.com/office/drawing/2010/main">
+                <a:effectLst>
+                  <a:outerShdw dist="35921" dir="2700000" algn="ctr" rotWithShape="0">
+                    <a:schemeClr val="bg2"/>
+                  </a:outerShdw>
+                </a:effectLst>
+              </a14:hiddenEffects>
+            </a:ext>
+          </a:extLst>
+        </p:spPr>
+        <p:txBody>
+          <a:bodyPr vert="horz" lIns="91440" tIns="45720" rIns="91440" bIns="45720" numCol="1" rtlCol="0" anchorCtr="0" compatLnSpc="1">
+            <a:prstTxWarp prst="textNoShape">
+              <a:avLst/>
+            </a:prstTxWarp>
+            <a:noAutofit/>
+          </a:bodyPr>
+          <a:lstStyle>
+            <a:lvl1pPr eaLnBrk="0" fontAlgn="base" hangingPunct="0">
+              <a:spcBef>
+                <a:spcPct val="0"/>
+              </a:spcBef>
+              <a:spcAft>
+                <a:spcPct val="0"/>
+              </a:spcAft>
+              <a:defRPr>
+                <a:solidFill>
+                  <a:schemeClr val="tx1"/>
+                </a:solidFill>
+                <a:latin typeface="Arial" panose="020B0604020202020204" pitchFamily="34" charset="0"/>
+              </a:defRPr>
+            </a:lvl1pPr>
+            <a:lvl2pPr eaLnBrk="0" fontAlgn="base" hangingPunct="0">
+              <a:spcBef>
+                <a:spcPct val="0"/>
+              </a:spcBef>
+              <a:spcAft>
+                <a:spcPct val="0"/>
+              </a:spcAft>
+              <a:defRPr>
+                <a:solidFill>
+                  <a:schemeClr val="tx1"/>
+                </a:solidFill>
+                <a:latin typeface="Arial" panose="020B0604020202020204" pitchFamily="34" charset="0"/>
+              </a:defRPr>
+            </a:lvl2pPr>
+            <a:lvl3pPr eaLnBrk="0" fontAlgn="base" hangingPunct="0">
+              <a:spcBef>
+                <a:spcPct val="0"/>
+              </a:spcBef>
+              <a:spcAft>
+                <a:spcPct val="0"/>
+              </a:spcAft>
+              <a:defRPr>
+                <a:solidFill>
+                  <a:schemeClr val="tx1"/>
+                </a:solidFill>
+                <a:latin typeface="Arial" panose="020B0604020202020204" pitchFamily="34" charset="0"/>
+              </a:defRPr>
+            </a:lvl3pPr>
+            <a:lvl4pPr eaLnBrk="0" fontAlgn="base" hangingPunct="0">
+              <a:spcBef>
+                <a:spcPct val="0"/>
+              </a:spcBef>
+              <a:spcAft>
+                <a:spcPct val="0"/>
+              </a:spcAft>
+              <a:defRPr>
+                <a:solidFill>
+                  <a:schemeClr val="tx1"/>
+                </a:solidFill>
+                <a:latin typeface="Arial" panose="020B0604020202020204" pitchFamily="34" charset="0"/>
+              </a:defRPr>
+            </a:lvl4pPr>
+            <a:lvl5pPr eaLnBrk="0" fontAlgn="base" hangingPunct="0">
+              <a:spcBef>
+                <a:spcPct val="0"/>
+              </a:spcBef>
+              <a:spcAft>
+                <a:spcPct val="0"/>
+              </a:spcAft>
+              <a:defRPr>
+                <a:solidFill>
+                  <a:schemeClr val="tx1"/>
+                </a:solidFill>
+                <a:latin typeface="Arial" panose="020B0604020202020204" pitchFamily="34" charset="0"/>
+              </a:defRPr>
+            </a:lvl5pPr>
+            <a:lvl6pPr eaLnBrk="0" fontAlgn="base" hangingPunct="0">
+              <a:spcBef>
+                <a:spcPct val="0"/>
+              </a:spcBef>
+              <a:spcAft>
+                <a:spcPct val="0"/>
+              </a:spcAft>
+              <a:defRPr>
+                <a:solidFill>
+                  <a:schemeClr val="tx1"/>
+                </a:solidFill>
+                <a:latin typeface="Arial" panose="020B0604020202020204" pitchFamily="34" charset="0"/>
+              </a:defRPr>
+            </a:lvl6pPr>
+            <a:lvl7pPr eaLnBrk="0" fontAlgn="base" hangingPunct="0">
+              <a:spcBef>
+                <a:spcPct val="0"/>
+              </a:spcBef>
+              <a:spcAft>
+                <a:spcPct val="0"/>
+              </a:spcAft>
+              <a:defRPr>
+                <a:solidFill>
+                  <a:schemeClr val="tx1"/>
+                </a:solidFill>
+                <a:latin typeface="Arial" panose="020B0604020202020204" pitchFamily="34" charset="0"/>
+              </a:defRPr>
+            </a:lvl7pPr>
+            <a:lvl8pPr eaLnBrk="0" fontAlgn="base" hangingPunct="0">
+              <a:spcBef>
+                <a:spcPct val="0"/>
+              </a:spcBef>
+              <a:spcAft>
+                <a:spcPct val="0"/>
+              </a:spcAft>
+              <a:defRPr>
+                <a:solidFill>
+                  <a:schemeClr val="tx1"/>
+                </a:solidFill>
+                <a:latin typeface="Arial" panose="020B0604020202020204" pitchFamily="34" charset="0"/>
+              </a:defRPr>
+            </a:lvl8pPr>
+            <a:lvl9pPr eaLnBrk="0" fontAlgn="base" hangingPunct="0">
+              <a:spcBef>
+                <a:spcPct val="0"/>
+              </a:spcBef>
+              <a:spcAft>
+                <a:spcPct val="0"/>
+              </a:spcAft>
+              <a:defRPr>
+                <a:solidFill>
+                  <a:schemeClr val="tx1"/>
+                </a:solidFill>
+                <a:latin typeface="Arial" panose="020B0604020202020204" pitchFamily="34" charset="0"/>
+              </a:defRPr>
+            </a:lvl9pPr>
+          </a:lstStyle>
+          <a:p>
+            <a:pPr marL="0" marR="0" lvl="0" indent="-228600" eaLnBrk="1" fontAlgn="base" hangingPunct="1">
+              <a:lnSpc>
+                <a:spcPct val="90000"/>
+              </a:lnSpc>
+              <a:spcBef>
+                <a:spcPct val="0"/>
+              </a:spcBef>
+              <a:spcAft>
+                <a:spcPts val="600"/>
+              </a:spcAft>
+              <a:buClrTx/>
+              <a:buSzTx/>
+              <a:buFont typeface="Arial" panose="020B0604020202020204" pitchFamily="34" charset="0"/>
+              <a:buChar char="•"/>
+              <a:tabLst/>
+            </a:pPr>
+            <a:endParaRPr lang="en-US" altLang="en-US" dirty="0">
+              <a:latin typeface="+mn-lt"/>
+            </a:endParaRPr>
+          </a:p>
+          <a:p>
+            <a:pPr marR="0" lvl="0" eaLnBrk="1" fontAlgn="base" hangingPunct="1">
+              <a:lnSpc>
+                <a:spcPct val="90000"/>
+              </a:lnSpc>
+              <a:spcBef>
+                <a:spcPct val="0"/>
+              </a:spcBef>
+              <a:spcAft>
+                <a:spcPts val="600"/>
+              </a:spcAft>
+              <a:buClrTx/>
+              <a:buSzTx/>
+              <a:tabLst/>
+            </a:pPr>
+            <a:r>
+              <a:rPr lang="en-US" altLang="en-US" b="1" dirty="0">
+                <a:latin typeface="+mn-lt"/>
+              </a:rPr>
+              <a:t>X-ray Number : </a:t>
+            </a:r>
+            <a:r>
+              <a:rPr lang="en-US" altLang="en-US" dirty="0">
+                <a:latin typeface="+mn-lt"/>
+              </a:rPr>
+              <a:t>52587412</a:t>
+            </a:r>
+          </a:p>
+          <a:p>
+            <a:pPr marL="0" marR="0" lvl="0" indent="-228600" eaLnBrk="1" fontAlgn="base" hangingPunct="1">
+              <a:lnSpc>
+                <a:spcPct val="90000"/>
+              </a:lnSpc>
+              <a:spcBef>
+                <a:spcPct val="0"/>
+              </a:spcBef>
+              <a:spcAft>
+                <a:spcPts val="600"/>
+              </a:spcAft>
+              <a:buClrTx/>
+              <a:buSzTx/>
+              <a:buFont typeface="Arial" panose="020B0604020202020204" pitchFamily="34" charset="0"/>
+              <a:buChar char="•"/>
+              <a:tabLst/>
+            </a:pPr>
+            <a:endParaRPr lang="en-US" altLang="en-US" dirty="0">
+              <a:latin typeface="+mn-lt"/>
+            </a:endParaRPr>
+          </a:p>
+          <a:p>
+            <a:pPr marR="0" lvl="0" eaLnBrk="1" fontAlgn="base" hangingPunct="1">
+              <a:lnSpc>
+                <a:spcPct val="90000"/>
+              </a:lnSpc>
+              <a:spcBef>
+                <a:spcPct val="0"/>
+              </a:spcBef>
+              <a:spcAft>
+                <a:spcPts val="600"/>
+              </a:spcAft>
+              <a:buClrTx/>
+              <a:buSzTx/>
+              <a:tabLst/>
+            </a:pPr>
+            <a:r>
+              <a:rPr lang="en-US" altLang="en-US" b="1" dirty="0">
+                <a:latin typeface="+mn-lt"/>
+              </a:rPr>
+              <a:t>READINGS :</a:t>
+            </a:r>
+          </a:p>
+          <a:p>
+            <a:pPr marL="0" marR="0" lvl="0" indent="-228600" eaLnBrk="1" fontAlgn="base" hangingPunct="1">
+              <a:spcBef>
+                <a:spcPct val="0"/>
+              </a:spcBef>
+              <a:spcAft>
+                <a:spcPts val="600"/>
+              </a:spcAft>
+              <a:buClrTx/>
+              <a:buSzTx/>
+              <a:buFont typeface="Arial" panose="020B0604020202020204" pitchFamily="34" charset="0"/>
+              <a:buChar char="•"/>
+              <a:tabLst/>
+            </a:pPr>
+            <a:r>
+              <a:rPr lang="en-US" altLang="en-US" b="1" dirty="0">
+                <a:latin typeface="+mn-lt"/>
+              </a:rPr>
+              <a:t>Lungs : </a:t>
+            </a:r>
+            <a:r>
+              <a:rPr lang="en-US" altLang="en-US" dirty="0">
+                <a:latin typeface="+mn-lt"/>
+              </a:rPr>
+              <a:t>Clear and well-inflated; no signs of pneumonia, pneumothorax, or effusion.</a:t>
+            </a:r>
+          </a:p>
+          <a:p>
+            <a:pPr marL="0" marR="0" lvl="0" indent="-228600" eaLnBrk="1" fontAlgn="base" hangingPunct="1">
+              <a:spcBef>
+                <a:spcPct val="0"/>
+              </a:spcBef>
+              <a:spcAft>
+                <a:spcPts val="600"/>
+              </a:spcAft>
+              <a:buClrTx/>
+              <a:buSzTx/>
+              <a:buFont typeface="Arial" panose="020B0604020202020204" pitchFamily="34" charset="0"/>
+              <a:buChar char="•"/>
+              <a:tabLst/>
+            </a:pPr>
+            <a:r>
+              <a:rPr lang="en-US" altLang="en-US" b="1" dirty="0">
+                <a:latin typeface="+mn-lt"/>
+              </a:rPr>
+              <a:t>Heart : </a:t>
+            </a:r>
+            <a:r>
+              <a:rPr lang="en-US" altLang="en-US" dirty="0">
+                <a:latin typeface="+mn-lt"/>
+              </a:rPr>
+              <a:t>Normal size and shape; cardiac silhouette within normal limits; no cardiomegaly or pericardial effusion. </a:t>
+            </a:r>
+          </a:p>
+          <a:p>
+            <a:pPr marL="0" marR="0" lvl="0" indent="-228600" eaLnBrk="1" fontAlgn="base" hangingPunct="1">
+              <a:spcBef>
+                <a:spcPct val="0"/>
+              </a:spcBef>
+              <a:spcAft>
+                <a:spcPts val="600"/>
+              </a:spcAft>
+              <a:buClrTx/>
+              <a:buSzTx/>
+              <a:buFont typeface="Arial" panose="020B0604020202020204" pitchFamily="34" charset="0"/>
+              <a:buChar char="•"/>
+              <a:tabLst/>
+            </a:pPr>
+            <a:r>
+              <a:rPr lang="en-US" altLang="en-US" b="1" dirty="0">
+                <a:latin typeface="+mn-lt"/>
+              </a:rPr>
+              <a:t>Diaphragms : </a:t>
+            </a:r>
+            <a:r>
+              <a:rPr lang="en-US" altLang="en-US" dirty="0">
+                <a:latin typeface="+mn-lt"/>
+              </a:rPr>
+              <a:t>Well-defined and even; no elevation or depression.</a:t>
+            </a:r>
+          </a:p>
+          <a:p>
+            <a:pPr marL="0" marR="0" lvl="0" indent="-228600" eaLnBrk="1" fontAlgn="base" hangingPunct="1">
+              <a:spcBef>
+                <a:spcPct val="0"/>
+              </a:spcBef>
+              <a:spcAft>
+                <a:spcPts val="600"/>
+              </a:spcAft>
+              <a:buClrTx/>
+              <a:buSzTx/>
+              <a:buFont typeface="Arial" panose="020B0604020202020204" pitchFamily="34" charset="0"/>
+              <a:buChar char="•"/>
+              <a:tabLst/>
+            </a:pPr>
+            <a:r>
+              <a:rPr lang="en-US" altLang="en-US" b="1" dirty="0">
+                <a:latin typeface="+mn-lt"/>
+              </a:rPr>
+              <a:t>Bones : </a:t>
+            </a:r>
+            <a:r>
+              <a:rPr lang="en-US" altLang="en-US" dirty="0">
+                <a:latin typeface="+mn-lt"/>
+              </a:rPr>
+              <a:t>Normal appearance; no fractures or dislocations.</a:t>
+            </a:r>
+          </a:p>
+        </p:txBody>
+      </p:sp>
+      <p:pic>
+        <p:nvPicPr>
+          <p:cNvPr id="12" name="Picture 1" descr="A chest x-ray of a person&#10;&#10;Description automatically generated">
+            <a:extLst>
+              <a:ext uri="{FF2B5EF4-FFF2-40B4-BE49-F238E27FC236}">
+                <a16:creationId xmlns:a16="http://schemas.microsoft.com/office/drawing/2014/main" id="{E3689B34-F6A6-D4EE-3C2A-7FB96FFCDC5B}"/>
+              </a:ext>
+            </a:extLst>
+          </p:cNvPr>
+          <p:cNvPicPr>
+            <a:picLocks noChangeAspect="1" noChangeArrowheads="1"/>
+          </p:cNvPicPr>
+          <p:nvPr/>
+        </p:nvPicPr>
+        <p:blipFill>
+          <a:blip r:embed="rId2">
+            <a:extLst>
+              <a:ext uri="{28A0092B-C50C-407E-A947-70E740481C1C}">
+                <a14:useLocalDpi xmlns:a14="http://schemas.microsoft.com/office/drawing/2010/main" val="0"/>
+              </a:ext>
+            </a:extLst>
+          </a:blip>
+          <a:stretch>
+            <a:fillRect/>
+          </a:stretch>
+        </p:blipFill>
+        <p:spPr bwMode="auto">
+          <a:xfrm>
+            <a:off x="7069394" y="771754"/>
+            <a:ext cx="4005494" cy="4579148"/>
+          </a:xfrm>
+          <a:prstGeom prst="rect">
+            <a:avLst/>
+          </a:prstGeom>
+          <a:noFill/>
+          <a:extLst>
+            <a:ext uri="{909E8E84-426E-40DD-AFC4-6F175D3DCCD1}">
+              <a14:hiddenFill xmlns:a14="http://schemas.microsoft.com/office/drawing/2010/main">
+                <a:solidFill>
+                  <a:srgbClr val="FFFFFF"/>
+                </a:solidFill>
+              </a14:hiddenFill>
+            </a:ext>
+          </a:extLst>
+        </p:spPr>
+      </p:pic>
+      <p:sp>
+        <p:nvSpPr>
+          <p:cNvPr id="13" name="Text Box 6">
+            <a:extLst>
+              <a:ext uri="{FF2B5EF4-FFF2-40B4-BE49-F238E27FC236}">
+                <a16:creationId xmlns:a16="http://schemas.microsoft.com/office/drawing/2014/main" id="{D0E5E2ED-8D7A-4B6D-4121-1EDA37E9CBED}"/>
+              </a:ext>
+            </a:extLst>
+          </p:cNvPr>
+          <p:cNvSpPr txBox="1"/>
+          <p:nvPr/>
+        </p:nvSpPr>
+        <p:spPr>
+          <a:xfrm>
+            <a:off x="7695739" y="5452777"/>
+            <a:ext cx="3198403" cy="230832"/>
+          </a:xfrm>
+          <a:prstGeom prst="rect">
+            <a:avLst/>
+          </a:prstGeom>
+          <a:solidFill>
+            <a:prstClr val="white"/>
+          </a:solidFill>
+          <a:ln>
+            <a:noFill/>
+          </a:ln>
+        </p:spPr>
+        <p:txBody>
+          <a:bodyPr rot="0" spcFirstLastPara="0" vert="horz" wrap="square" lIns="0" tIns="0" rIns="0" bIns="0" numCol="1" spcCol="0" rtlCol="0" fromWordArt="0" anchor="t" anchorCtr="0" forceAA="0" compatLnSpc="1">
+            <a:prstTxWarp prst="textNoShape">
+              <a:avLst/>
+            </a:prstTxWarp>
+            <a:spAutoFit/>
+          </a:bodyPr>
+          <a:lstStyle/>
+          <a:p>
+            <a:pPr marL="0" marR="0" algn="ctr">
+              <a:spcBef>
+                <a:spcPts val="0"/>
+              </a:spcBef>
+              <a:spcAft>
+                <a:spcPts val="0"/>
+              </a:spcAft>
+            </a:pPr>
+            <a:r>
+              <a:rPr lang="en-US" sz="1500" i="1" dirty="0">
+                <a:effectLst/>
+                <a:ea typeface="Times New Roman" panose="02020603050405020304" pitchFamily="18" charset="0"/>
+              </a:rPr>
+              <a:t>Figure 1: Chest X-ray- TIFF Version</a:t>
+            </a:r>
+          </a:p>
+        </p:txBody>
+      </p:sp>
+    </p:spTree>
+    <p:extLst>
+      <p:ext uri="{BB962C8B-B14F-4D97-AF65-F5344CB8AC3E}">
+        <p14:creationId xmlns:p14="http://schemas.microsoft.com/office/powerpoint/2010/main" val="4027211067"/>
+      </p:ext>
+    </p:extLst>
+  </p:cSld>
+  <p:clrMapOvr>
+    <a:masterClrMapping/>
+  </p:clrMapOvr>
+</p:sld>
+</file>
+
+<file path=ppt/slides/slide4.xml><?xml version="1.0" encoding="utf-8"?>
+<p:sld xmlns:a="http://schemas.openxmlformats.org/drawingml/2006/main" xmlns:r="http://schemas.openxmlformats.org/officeDocument/2006/relationships" xmlns:p="http://schemas.openxmlformats.org/presentationml/2006/main">
+  <p:cSld>
+    <p:spTree>
+      <p:nvGrpSpPr>
+        <p:cNvPr id="1" name=""/>
+        <p:cNvGrpSpPr/>
+        <p:nvPr/>
+      </p:nvGrpSpPr>
+      <p:grpSpPr>
+        <a:xfrm>
+          <a:off x="0" y="0"/>
+          <a:ext cx="0" cy="0"/>
+          <a:chOff x="0" y="0"/>
+          <a:chExt cx="0" cy="0"/>
+        </a:xfrm>
+      </p:grpSpPr>
+      <p:graphicFrame>
+        <p:nvGraphicFramePr>
+          <p:cNvPr id="4" name="Chart 3">
+            <a:extLst>
+              <a:ext uri="{FF2B5EF4-FFF2-40B4-BE49-F238E27FC236}">
+                <a16:creationId xmlns:a16="http://schemas.microsoft.com/office/drawing/2014/main" id="{3275F726-C0B5-47DE-BC71-6DFED385E2E6}"/>
+              </a:ext>
+            </a:extLst>
+          </p:cNvPr>
+          <p:cNvGraphicFramePr/>
+          <p:nvPr>
+            <p:extLst>
+              <p:ext uri="{D42A27DB-BD31-4B8C-83A1-F6EECF244321}">
+                <p14:modId xmlns:p14="http://schemas.microsoft.com/office/powerpoint/2010/main" val="351699678"/>
+              </p:ext>
+            </p:extLst>
+          </p:nvPr>
+        </p:nvGraphicFramePr>
+        <p:xfrm>
+          <a:off x="2032000" y="719666"/>
+          <a:ext cx="8128000" cy="5418667"/>
+        </p:xfrm>
+        <a:graphic>
+          <a:graphicData uri="http://schemas.openxmlformats.org/drawingml/2006/chart">
+            <c:chart xmlns:c="http://schemas.openxmlformats.org/drawingml/2006/chart" xmlns:r="http://schemas.openxmlformats.org/officeDocument/2006/relationships" r:id="rId2"/>
+          </a:graphicData>
+        </a:graphic>
+      </p:graphicFrame>
+    </p:spTree>
+    <p:extLst>
+      <p:ext uri="{BB962C8B-B14F-4D97-AF65-F5344CB8AC3E}">
+        <p14:creationId xmlns:p14="http://schemas.microsoft.com/office/powerpoint/2010/main" val="4111059315"/>
+      </p:ext>
+    </p:extLst>
+  </p:cSld>
+  <p:clrMapOvr>
+    <a:masterClrMapping/>
+  </p:clrMapOvr>
+</p:sld>
+</file>
+
+<file path=ppt/slides/slide5.xml><?xml version="1.0" encoding="utf-8"?>
 <p:sld xmlns:a="http://schemas.openxmlformats.org/drawingml/2006/main" xmlns:r="http://schemas.openxmlformats.org/officeDocument/2006/relationships" xmlns:p="http://schemas.openxmlformats.org/presentationml/2006/main">
   <p:cSld>
     <p:spTree>
@@ -3791,7 +5537,7 @@
         </p:nvGraphicFramePr>
         <p:xfrm>
           <a:off x="786384" y="1216152"/>
-          <a:ext cx="10858500" cy="4930123"/>
+          <a:ext cx="10858500" cy="5263388"/>
         </p:xfrm>
         <a:graphic>
           <a:graphicData uri="http://schemas.openxmlformats.org/drawingml/2006/table">
@@ -3800,17 +5546,71 @@
                 <a:tableStyleId>{93296810-A885-4BE3-A3E7-6D5BEEA58F35}</a:tableStyleId>
               </a:tblPr>
               <a:tblGrid>
-                <a:gridCol w="1206500"/>
-                <a:gridCol w="1206500"/>
-                <a:gridCol w="1206500"/>
-                <a:gridCol w="1206500"/>
-                <a:gridCol w="1206500"/>
-                <a:gridCol w="1206500"/>
-                <a:gridCol w="1206500"/>
-                <a:gridCol w="1206500"/>
-                <a:gridCol w="1206500"/>
+                <a:gridCol w="1206500">
+                  <a:extLst>
+                    <a:ext uri="{9D8B030D-6E8A-4147-A177-3AD203B41FA5}">
+                      <a16:colId xmlns:a16="http://schemas.microsoft.com/office/drawing/2014/main" val="20000"/>
+                    </a:ext>
+                  </a:extLst>
+                </a:gridCol>
+                <a:gridCol w="1206500">
+                  <a:extLst>
+                    <a:ext uri="{9D8B030D-6E8A-4147-A177-3AD203B41FA5}">
+                      <a16:colId xmlns:a16="http://schemas.microsoft.com/office/drawing/2014/main" val="20001"/>
+                    </a:ext>
+                  </a:extLst>
+                </a:gridCol>
+                <a:gridCol w="1206500">
+                  <a:extLst>
+                    <a:ext uri="{9D8B030D-6E8A-4147-A177-3AD203B41FA5}">
+                      <a16:colId xmlns:a16="http://schemas.microsoft.com/office/drawing/2014/main" val="20002"/>
+                    </a:ext>
+                  </a:extLst>
+                </a:gridCol>
+                <a:gridCol w="1206500">
+                  <a:extLst>
+                    <a:ext uri="{9D8B030D-6E8A-4147-A177-3AD203B41FA5}">
+                      <a16:colId xmlns:a16="http://schemas.microsoft.com/office/drawing/2014/main" val="20003"/>
+                    </a:ext>
+                  </a:extLst>
+                </a:gridCol>
+                <a:gridCol w="1206500">
+                  <a:extLst>
+                    <a:ext uri="{9D8B030D-6E8A-4147-A177-3AD203B41FA5}">
+                      <a16:colId xmlns:a16="http://schemas.microsoft.com/office/drawing/2014/main" val="20004"/>
+                    </a:ext>
+                  </a:extLst>
+                </a:gridCol>
+                <a:gridCol w="1206500">
+                  <a:extLst>
+                    <a:ext uri="{9D8B030D-6E8A-4147-A177-3AD203B41FA5}">
+                      <a16:colId xmlns:a16="http://schemas.microsoft.com/office/drawing/2014/main" val="20005"/>
+                    </a:ext>
+                  </a:extLst>
+                </a:gridCol>
+                <a:gridCol w="1206500">
+                  <a:extLst>
+                    <a:ext uri="{9D8B030D-6E8A-4147-A177-3AD203B41FA5}">
+                      <a16:colId xmlns:a16="http://schemas.microsoft.com/office/drawing/2014/main" val="20006"/>
+                    </a:ext>
+                  </a:extLst>
+                </a:gridCol>
+                <a:gridCol w="1206500">
+                  <a:extLst>
+                    <a:ext uri="{9D8B030D-6E8A-4147-A177-3AD203B41FA5}">
+                      <a16:colId xmlns:a16="http://schemas.microsoft.com/office/drawing/2014/main" val="20007"/>
+                    </a:ext>
+                  </a:extLst>
+                </a:gridCol>
+                <a:gridCol w="1206500">
+                  <a:extLst>
+                    <a:ext uri="{9D8B030D-6E8A-4147-A177-3AD203B41FA5}">
+                      <a16:colId xmlns:a16="http://schemas.microsoft.com/office/drawing/2014/main" val="20008"/>
+                    </a:ext>
+                  </a:extLst>
+                </a:gridCol>
               </a:tblGrid>
-              <a:tr h="968800">
+              <a:tr h="1034288">
                 <a:tc>
                   <a:txBody>
                     <a:bodyPr/>
@@ -3955,8 +5755,13 @@
                   </a:txBody>
                   <a:tcPr anchor="ctr" horzOverflow="overflow"/>
                 </a:tc>
+                <a:extLst>
+                  <a:ext uri="{0D108BD9-81ED-4DB2-BD59-A6C34878D82A}">
+                    <a16:rowId xmlns:a16="http://schemas.microsoft.com/office/drawing/2014/main" val="10000"/>
+                  </a:ext>
+                </a:extLst>
               </a:tr>
-              <a:tr h="440147">
+              <a:tr h="469900">
                 <a:tc>
                   <a:txBody>
                     <a:bodyPr/>
@@ -4101,8 +5906,13 @@
                   </a:txBody>
                   <a:tcPr horzOverflow="overflow"/>
                 </a:tc>
+                <a:extLst>
+                  <a:ext uri="{0D108BD9-81ED-4DB2-BD59-A6C34878D82A}">
+                    <a16:rowId xmlns:a16="http://schemas.microsoft.com/office/drawing/2014/main" val="10001"/>
+                  </a:ext>
+                </a:extLst>
               </a:tr>
-              <a:tr h="440147">
+              <a:tr h="469900">
                 <a:tc>
                   <a:txBody>
                     <a:bodyPr/>
@@ -4247,8 +6057,13 @@
                   </a:txBody>
                   <a:tcPr horzOverflow="overflow"/>
                 </a:tc>
+                <a:extLst>
+                  <a:ext uri="{0D108BD9-81ED-4DB2-BD59-A6C34878D82A}">
+                    <a16:rowId xmlns:a16="http://schemas.microsoft.com/office/drawing/2014/main" val="10002"/>
+                  </a:ext>
+                </a:extLst>
               </a:tr>
-              <a:tr h="440147">
+              <a:tr h="469900">
                 <a:tc>
                   <a:txBody>
                     <a:bodyPr/>
@@ -4393,8 +6208,13 @@
                   </a:txBody>
                   <a:tcPr horzOverflow="overflow"/>
                 </a:tc>
+                <a:extLst>
+                  <a:ext uri="{0D108BD9-81ED-4DB2-BD59-A6C34878D82A}">
+                    <a16:rowId xmlns:a16="http://schemas.microsoft.com/office/drawing/2014/main" val="10003"/>
+                  </a:ext>
+                </a:extLst>
               </a:tr>
-              <a:tr h="440147">
+              <a:tr h="469900">
                 <a:tc>
                   <a:txBody>
                     <a:bodyPr/>
@@ -4539,8 +6359,13 @@
                   </a:txBody>
                   <a:tcPr horzOverflow="overflow"/>
                 </a:tc>
+                <a:extLst>
+                  <a:ext uri="{0D108BD9-81ED-4DB2-BD59-A6C34878D82A}">
+                    <a16:rowId xmlns:a16="http://schemas.microsoft.com/office/drawing/2014/main" val="10004"/>
+                  </a:ext>
+                </a:extLst>
               </a:tr>
-              <a:tr h="440147">
+              <a:tr h="469900">
                 <a:tc>
                   <a:txBody>
                     <a:bodyPr/>
@@ -4685,8 +6510,13 @@
                   </a:txBody>
                   <a:tcPr horzOverflow="overflow"/>
                 </a:tc>
+                <a:extLst>
+                  <a:ext uri="{0D108BD9-81ED-4DB2-BD59-A6C34878D82A}">
+                    <a16:rowId xmlns:a16="http://schemas.microsoft.com/office/drawing/2014/main" val="10005"/>
+                  </a:ext>
+                </a:extLst>
               </a:tr>
-              <a:tr h="440147">
+              <a:tr h="469900">
                 <a:tc>
                   <a:txBody>
                     <a:bodyPr/>
@@ -4831,8 +6661,13 @@
                   </a:txBody>
                   <a:tcPr horzOverflow="overflow"/>
                 </a:tc>
+                <a:extLst>
+                  <a:ext uri="{0D108BD9-81ED-4DB2-BD59-A6C34878D82A}">
+                    <a16:rowId xmlns:a16="http://schemas.microsoft.com/office/drawing/2014/main" val="10006"/>
+                  </a:ext>
+                </a:extLst>
               </a:tr>
-              <a:tr h="440147">
+              <a:tr h="469900">
                 <a:tc>
                   <a:txBody>
                     <a:bodyPr/>
@@ -4977,8 +6812,13 @@
                   </a:txBody>
                   <a:tcPr horzOverflow="overflow"/>
                 </a:tc>
+                <a:extLst>
+                  <a:ext uri="{0D108BD9-81ED-4DB2-BD59-A6C34878D82A}">
+                    <a16:rowId xmlns:a16="http://schemas.microsoft.com/office/drawing/2014/main" val="10007"/>
+                  </a:ext>
+                </a:extLst>
               </a:tr>
-              <a:tr h="440147">
+              <a:tr h="469900">
                 <a:tc>
                   <a:txBody>
                     <a:bodyPr/>
@@ -5123,8 +6963,13 @@
                   </a:txBody>
                   <a:tcPr horzOverflow="overflow"/>
                 </a:tc>
+                <a:extLst>
+                  <a:ext uri="{0D108BD9-81ED-4DB2-BD59-A6C34878D82A}">
+                    <a16:rowId xmlns:a16="http://schemas.microsoft.com/office/drawing/2014/main" val="10008"/>
+                  </a:ext>
+                </a:extLst>
               </a:tr>
-              <a:tr h="440147">
+              <a:tr h="469900">
                 <a:tc>
                   <a:txBody>
                     <a:bodyPr/>
@@ -5269,6 +7114,11 @@
                   </a:txBody>
                   <a:tcPr horzOverflow="overflow"/>
                 </a:tc>
+                <a:extLst>
+                  <a:ext uri="{0D108BD9-81ED-4DB2-BD59-A6C34878D82A}">
+                    <a16:rowId xmlns:a16="http://schemas.microsoft.com/office/drawing/2014/main" val="10009"/>
+                  </a:ext>
+                </a:extLst>
               </a:tr>
             </a:tbl>
           </a:graphicData>
@@ -5283,14 +7133,14 @@
 </file>
 
 <file path=ppt/theme/theme1.xml><?xml version="1.0" encoding="utf-8"?>
-<a:theme xmlns:a="http://schemas.openxmlformats.org/drawingml/2006/main" name="Office">
+<a:theme xmlns:a="http://schemas.openxmlformats.org/drawingml/2006/main" name="Office Theme">
   <a:themeElements>
     <a:clrScheme name="Office">
       <a:dk1>
-        <a:srgbClr val="000000"/>
+        <a:sysClr val="windowText" lastClr="000000"/>
       </a:dk1>
       <a:lt1>
-        <a:srgbClr val="ffffff"/>
+        <a:sysClr val="window" lastClr="FFFFFF"/>
       </a:lt1>
       <a:dk2>
         <a:srgbClr val="44546A"/>
@@ -5325,7 +7175,7 @@
     </a:clrScheme>
     <a:fontScheme name="Office">
       <a:majorFont>
-        <a:latin typeface="Calibri Light"/>
+        <a:latin typeface="Calibri Light" panose="020F0302020204030204"/>
         <a:ea typeface=""/>
         <a:cs typeface=""/>
         <a:font script="Jpan" typeface="游ゴシック Light"/>
@@ -5377,7 +7227,7 @@
         <a:font script="Tfng" typeface="Ebrima"/>
       </a:majorFont>
       <a:minorFont>
-        <a:latin typeface="Calibri"/>
+        <a:latin typeface="Calibri" panose="020F0502020204030204"/>
         <a:ea typeface=""/>
         <a:cs typeface=""/>
         <a:font script="Jpan" typeface="游ゴシック"/>
@@ -5458,7 +7308,7 @@
               </a:schemeClr>
             </a:gs>
           </a:gsLst>
-          <a:lin ang="5400000"/>
+          <a:lin ang="5400000" scaled="0"/>
         </a:gradFill>
         <a:gradFill rotWithShape="1">
           <a:gsLst>
@@ -5484,36 +7334,30 @@
               </a:schemeClr>
             </a:gs>
           </a:gsLst>
-          <a:lin ang="5400000"/>
+          <a:lin ang="5400000" scaled="0"/>
         </a:gradFill>
       </a:fillStyleLst>
       <a:lnStyleLst>
-        <a:ln w="6350" cap="flat">
+        <a:ln w="6350" cap="flat" cmpd="sng" algn="ctr">
           <a:solidFill>
             <a:schemeClr val="phClr"/>
           </a:solidFill>
           <a:prstDash val="solid"/>
-          <a:miter/>
-          <a:headEnd type="none"/>
-          <a:tailEnd type="none"/>
+          <a:miter lim="800000"/>
         </a:ln>
-        <a:ln w="12700" cap="flat">
+        <a:ln w="12700" cap="flat" cmpd="sng" algn="ctr">
           <a:solidFill>
             <a:schemeClr val="phClr"/>
           </a:solidFill>
           <a:prstDash val="solid"/>
-          <a:miter/>
-          <a:headEnd type="none"/>
-          <a:tailEnd type="none"/>
+          <a:miter lim="800000"/>
         </a:ln>
-        <a:ln w="19050" cap="flat">
+        <a:ln w="19050" cap="flat" cmpd="sng" algn="ctr">
           <a:solidFill>
             <a:schemeClr val="phClr"/>
           </a:solidFill>
           <a:prstDash val="solid"/>
-          <a:miter/>
-          <a:headEnd type="none"/>
-          <a:tailEnd type="none"/>
+          <a:miter lim="800000"/>
         </a:ln>
       </a:lnStyleLst>
       <a:effectStyleLst>
@@ -5568,10 +7412,17 @@
               </a:schemeClr>
             </a:gs>
           </a:gsLst>
-          <a:lin ang="5400000"/>
+          <a:lin ang="5400000" scaled="0"/>
         </a:gradFill>
       </a:bgFillStyleLst>
     </a:fmtScheme>
   </a:themeElements>
+  <a:objectDefaults/>
+  <a:extraClrSchemeLst/>
+  <a:extLst>
+    <a:ext uri="{05A4C25C-085E-4340-85A3-A5531E510DB2}">
+      <thm15:themeFamily xmlns:thm15="http://schemas.microsoft.com/office/thememl/2012/main" name="Office Theme" id="{62F939B6-93AF-4DB8-9C6B-D6C7DFDC589F}" vid="{4A3C46E8-61CC-4603-A589-7422A47A8E4A}"/>
+    </a:ext>
+  </a:extLst>
 </a:theme>
 </file>